--- a/Academic Task analysis.pptx
+++ b/Academic Task analysis.pptx
@@ -4,8 +4,13 @@
   <p:sldMasterIdLst>
     <p:sldMasterId id="2147483648" r:id="rId1"/>
   </p:sldMasterIdLst>
+  <p:notesMasterIdLst>
+    <p:notesMasterId r:id="rId5"/>
+  </p:notesMasterIdLst>
   <p:sldIdLst>
     <p:sldId id="256" r:id="rId2"/>
+    <p:sldId id="257" r:id="rId3"/>
+    <p:sldId id="258" r:id="rId4"/>
   </p:sldIdLst>
   <p:sldSz cx="12192000" cy="6858000"/>
   <p:notesSz cx="6858000" cy="9144000"/>
@@ -104,10 +109,1509 @@
       </a:defRPr>
     </a:lvl9pPr>
   </p:defaultTextStyle>
+  <p:extLst>
+    <p:ext uri="{EFAFB233-063F-42B5-8137-9DF3F51BA10A}">
+      <p15:sldGuideLst xmlns:p15="http://schemas.microsoft.com/office/powerpoint/2012/main"/>
+    </p:ext>
+  </p:extLst>
 </p:presentation>
 </file>
 
 <file path=ppt/diagrams/colors1.xml><?xml version="1.0" encoding="utf-8"?>
+<dgm:colorsDef xmlns:dgm="http://schemas.openxmlformats.org/drawingml/2006/diagram" xmlns:a="http://schemas.openxmlformats.org/drawingml/2006/main" uniqueId="urn:microsoft.com/office/officeart/2005/8/colors/accent1_2">
+  <dgm:title val=""/>
+  <dgm:desc val=""/>
+  <dgm:catLst>
+    <dgm:cat type="accent1" pri="11200"/>
+  </dgm:catLst>
+  <dgm:styleLbl name="node0">
+    <dgm:fillClrLst meth="repeat">
+      <a:schemeClr val="accent1"/>
+    </dgm:fillClrLst>
+    <dgm:linClrLst meth="repeat">
+      <a:schemeClr val="lt1"/>
+    </dgm:linClrLst>
+    <dgm:effectClrLst/>
+    <dgm:txLinClrLst/>
+    <dgm:txFillClrLst/>
+    <dgm:txEffectClrLst/>
+  </dgm:styleLbl>
+  <dgm:styleLbl name="alignNode1">
+    <dgm:fillClrLst meth="repeat">
+      <a:schemeClr val="accent1"/>
+    </dgm:fillClrLst>
+    <dgm:linClrLst meth="repeat">
+      <a:schemeClr val="accent1"/>
+    </dgm:linClrLst>
+    <dgm:effectClrLst/>
+    <dgm:txLinClrLst/>
+    <dgm:txFillClrLst/>
+    <dgm:txEffectClrLst/>
+  </dgm:styleLbl>
+  <dgm:styleLbl name="node1">
+    <dgm:fillClrLst meth="repeat">
+      <a:schemeClr val="accent1"/>
+    </dgm:fillClrLst>
+    <dgm:linClrLst meth="repeat">
+      <a:schemeClr val="lt1"/>
+    </dgm:linClrLst>
+    <dgm:effectClrLst/>
+    <dgm:txLinClrLst/>
+    <dgm:txFillClrLst/>
+    <dgm:txEffectClrLst/>
+  </dgm:styleLbl>
+  <dgm:styleLbl name="lnNode1">
+    <dgm:fillClrLst meth="repeat">
+      <a:schemeClr val="accent1"/>
+    </dgm:fillClrLst>
+    <dgm:linClrLst meth="repeat">
+      <a:schemeClr val="lt1"/>
+    </dgm:linClrLst>
+    <dgm:effectClrLst/>
+    <dgm:txLinClrLst/>
+    <dgm:txFillClrLst/>
+    <dgm:txEffectClrLst/>
+  </dgm:styleLbl>
+  <dgm:styleLbl name="vennNode1">
+    <dgm:fillClrLst meth="repeat">
+      <a:schemeClr val="accent1">
+        <a:alpha val="50000"/>
+      </a:schemeClr>
+    </dgm:fillClrLst>
+    <dgm:linClrLst meth="repeat">
+      <a:schemeClr val="lt1"/>
+    </dgm:linClrLst>
+    <dgm:effectClrLst/>
+    <dgm:txLinClrLst/>
+    <dgm:txFillClrLst/>
+    <dgm:txEffectClrLst/>
+  </dgm:styleLbl>
+  <dgm:styleLbl name="node2">
+    <dgm:fillClrLst meth="repeat">
+      <a:schemeClr val="accent1"/>
+    </dgm:fillClrLst>
+    <dgm:linClrLst meth="repeat">
+      <a:schemeClr val="lt1"/>
+    </dgm:linClrLst>
+    <dgm:effectClrLst/>
+    <dgm:txLinClrLst/>
+    <dgm:txFillClrLst/>
+    <dgm:txEffectClrLst/>
+  </dgm:styleLbl>
+  <dgm:styleLbl name="node3">
+    <dgm:fillClrLst meth="repeat">
+      <a:schemeClr val="accent1"/>
+    </dgm:fillClrLst>
+    <dgm:linClrLst meth="repeat">
+      <a:schemeClr val="lt1"/>
+    </dgm:linClrLst>
+    <dgm:effectClrLst/>
+    <dgm:txLinClrLst/>
+    <dgm:txFillClrLst/>
+    <dgm:txEffectClrLst/>
+  </dgm:styleLbl>
+  <dgm:styleLbl name="node4">
+    <dgm:fillClrLst meth="repeat">
+      <a:schemeClr val="accent1"/>
+    </dgm:fillClrLst>
+    <dgm:linClrLst meth="repeat">
+      <a:schemeClr val="lt1"/>
+    </dgm:linClrLst>
+    <dgm:effectClrLst/>
+    <dgm:txLinClrLst/>
+    <dgm:txFillClrLst/>
+    <dgm:txEffectClrLst/>
+  </dgm:styleLbl>
+  <dgm:styleLbl name="fgImgPlace1">
+    <dgm:fillClrLst meth="repeat">
+      <a:schemeClr val="accent1">
+        <a:tint val="50000"/>
+      </a:schemeClr>
+    </dgm:fillClrLst>
+    <dgm:linClrLst meth="repeat">
+      <a:schemeClr val="lt1"/>
+    </dgm:linClrLst>
+    <dgm:effectClrLst/>
+    <dgm:txLinClrLst/>
+    <dgm:txFillClrLst meth="repeat">
+      <a:schemeClr val="lt1"/>
+    </dgm:txFillClrLst>
+    <dgm:txEffectClrLst/>
+  </dgm:styleLbl>
+  <dgm:styleLbl name="alignImgPlace1">
+    <dgm:fillClrLst meth="repeat">
+      <a:schemeClr val="accent1">
+        <a:tint val="50000"/>
+      </a:schemeClr>
+    </dgm:fillClrLst>
+    <dgm:linClrLst meth="repeat">
+      <a:schemeClr val="lt1"/>
+    </dgm:linClrLst>
+    <dgm:effectClrLst/>
+    <dgm:txLinClrLst/>
+    <dgm:txFillClrLst meth="repeat">
+      <a:schemeClr val="lt1"/>
+    </dgm:txFillClrLst>
+    <dgm:txEffectClrLst/>
+  </dgm:styleLbl>
+  <dgm:styleLbl name="bgImgPlace1">
+    <dgm:fillClrLst meth="repeat">
+      <a:schemeClr val="accent1">
+        <a:tint val="50000"/>
+      </a:schemeClr>
+    </dgm:fillClrLst>
+    <dgm:linClrLst meth="repeat">
+      <a:schemeClr val="lt1"/>
+    </dgm:linClrLst>
+    <dgm:effectClrLst/>
+    <dgm:txLinClrLst/>
+    <dgm:txFillClrLst meth="repeat">
+      <a:schemeClr val="lt1"/>
+    </dgm:txFillClrLst>
+    <dgm:txEffectClrLst/>
+  </dgm:styleLbl>
+  <dgm:styleLbl name="sibTrans2D1">
+    <dgm:fillClrLst meth="repeat">
+      <a:schemeClr val="accent1">
+        <a:tint val="60000"/>
+      </a:schemeClr>
+    </dgm:fillClrLst>
+    <dgm:linClrLst meth="repeat">
+      <a:schemeClr val="accent1">
+        <a:tint val="60000"/>
+      </a:schemeClr>
+    </dgm:linClrLst>
+    <dgm:effectClrLst/>
+    <dgm:txLinClrLst/>
+    <dgm:txFillClrLst/>
+    <dgm:txEffectClrLst/>
+  </dgm:styleLbl>
+  <dgm:styleLbl name="fgSibTrans2D1">
+    <dgm:fillClrLst meth="repeat">
+      <a:schemeClr val="accent1">
+        <a:tint val="60000"/>
+      </a:schemeClr>
+    </dgm:fillClrLst>
+    <dgm:linClrLst meth="repeat">
+      <a:schemeClr val="accent1">
+        <a:tint val="60000"/>
+      </a:schemeClr>
+    </dgm:linClrLst>
+    <dgm:effectClrLst/>
+    <dgm:txLinClrLst/>
+    <dgm:txFillClrLst/>
+    <dgm:txEffectClrLst/>
+  </dgm:styleLbl>
+  <dgm:styleLbl name="bgSibTrans2D1">
+    <dgm:fillClrLst meth="repeat">
+      <a:schemeClr val="accent1">
+        <a:tint val="60000"/>
+      </a:schemeClr>
+    </dgm:fillClrLst>
+    <dgm:linClrLst meth="repeat">
+      <a:schemeClr val="accent1">
+        <a:tint val="60000"/>
+      </a:schemeClr>
+    </dgm:linClrLst>
+    <dgm:effectClrLst/>
+    <dgm:txLinClrLst/>
+    <dgm:txFillClrLst/>
+    <dgm:txEffectClrLst/>
+  </dgm:styleLbl>
+  <dgm:styleLbl name="sibTrans1D1">
+    <dgm:fillClrLst meth="repeat">
+      <a:schemeClr val="accent1"/>
+    </dgm:fillClrLst>
+    <dgm:linClrLst meth="repeat">
+      <a:schemeClr val="accent1"/>
+    </dgm:linClrLst>
+    <dgm:effectClrLst/>
+    <dgm:txLinClrLst/>
+    <dgm:txFillClrLst meth="repeat">
+      <a:schemeClr val="tx1"/>
+    </dgm:txFillClrLst>
+    <dgm:txEffectClrLst/>
+  </dgm:styleLbl>
+  <dgm:styleLbl name="callout">
+    <dgm:fillClrLst meth="repeat">
+      <a:schemeClr val="accent1"/>
+    </dgm:fillClrLst>
+    <dgm:linClrLst meth="repeat">
+      <a:schemeClr val="accent1">
+        <a:tint val="50000"/>
+      </a:schemeClr>
+    </dgm:linClrLst>
+    <dgm:effectClrLst/>
+    <dgm:txLinClrLst/>
+    <dgm:txFillClrLst meth="repeat">
+      <a:schemeClr val="tx1"/>
+    </dgm:txFillClrLst>
+    <dgm:txEffectClrLst/>
+  </dgm:styleLbl>
+  <dgm:styleLbl name="asst0">
+    <dgm:fillClrLst meth="repeat">
+      <a:schemeClr val="accent1"/>
+    </dgm:fillClrLst>
+    <dgm:linClrLst meth="repeat">
+      <a:schemeClr val="lt1"/>
+    </dgm:linClrLst>
+    <dgm:effectClrLst/>
+    <dgm:txLinClrLst/>
+    <dgm:txFillClrLst/>
+    <dgm:txEffectClrLst/>
+  </dgm:styleLbl>
+  <dgm:styleLbl name="asst1">
+    <dgm:fillClrLst meth="repeat">
+      <a:schemeClr val="accent1"/>
+    </dgm:fillClrLst>
+    <dgm:linClrLst meth="repeat">
+      <a:schemeClr val="lt1"/>
+    </dgm:linClrLst>
+    <dgm:effectClrLst/>
+    <dgm:txLinClrLst/>
+    <dgm:txFillClrLst/>
+    <dgm:txEffectClrLst/>
+  </dgm:styleLbl>
+  <dgm:styleLbl name="asst2">
+    <dgm:fillClrLst meth="repeat">
+      <a:schemeClr val="accent1"/>
+    </dgm:fillClrLst>
+    <dgm:linClrLst meth="repeat">
+      <a:schemeClr val="lt1"/>
+    </dgm:linClrLst>
+    <dgm:effectClrLst/>
+    <dgm:txLinClrLst/>
+    <dgm:txFillClrLst/>
+    <dgm:txEffectClrLst/>
+  </dgm:styleLbl>
+  <dgm:styleLbl name="asst3">
+    <dgm:fillClrLst meth="repeat">
+      <a:schemeClr val="accent1"/>
+    </dgm:fillClrLst>
+    <dgm:linClrLst meth="repeat">
+      <a:schemeClr val="lt1"/>
+    </dgm:linClrLst>
+    <dgm:effectClrLst/>
+    <dgm:txLinClrLst/>
+    <dgm:txFillClrLst/>
+    <dgm:txEffectClrLst/>
+  </dgm:styleLbl>
+  <dgm:styleLbl name="asst4">
+    <dgm:fillClrLst meth="repeat">
+      <a:schemeClr val="accent1"/>
+    </dgm:fillClrLst>
+    <dgm:linClrLst meth="repeat">
+      <a:schemeClr val="lt1"/>
+    </dgm:linClrLst>
+    <dgm:effectClrLst/>
+    <dgm:txLinClrLst/>
+    <dgm:txFillClrLst/>
+    <dgm:txEffectClrLst/>
+  </dgm:styleLbl>
+  <dgm:styleLbl name="parChTrans2D1">
+    <dgm:fillClrLst meth="repeat">
+      <a:schemeClr val="accent1">
+        <a:tint val="60000"/>
+      </a:schemeClr>
+    </dgm:fillClrLst>
+    <dgm:linClrLst meth="repeat">
+      <a:schemeClr val="accent1">
+        <a:tint val="60000"/>
+      </a:schemeClr>
+    </dgm:linClrLst>
+    <dgm:effectClrLst/>
+    <dgm:txLinClrLst/>
+    <dgm:txFillClrLst meth="repeat">
+      <a:schemeClr val="lt1"/>
+    </dgm:txFillClrLst>
+    <dgm:txEffectClrLst/>
+  </dgm:styleLbl>
+  <dgm:styleLbl name="parChTrans2D2">
+    <dgm:fillClrLst meth="repeat">
+      <a:schemeClr val="accent1"/>
+    </dgm:fillClrLst>
+    <dgm:linClrLst meth="repeat">
+      <a:schemeClr val="accent1"/>
+    </dgm:linClrLst>
+    <dgm:effectClrLst/>
+    <dgm:txLinClrLst/>
+    <dgm:txFillClrLst meth="repeat">
+      <a:schemeClr val="lt1"/>
+    </dgm:txFillClrLst>
+    <dgm:txEffectClrLst/>
+  </dgm:styleLbl>
+  <dgm:styleLbl name="parChTrans2D3">
+    <dgm:fillClrLst meth="repeat">
+      <a:schemeClr val="accent1"/>
+    </dgm:fillClrLst>
+    <dgm:linClrLst meth="repeat">
+      <a:schemeClr val="accent1"/>
+    </dgm:linClrLst>
+    <dgm:effectClrLst/>
+    <dgm:txLinClrLst/>
+    <dgm:txFillClrLst meth="repeat">
+      <a:schemeClr val="lt1"/>
+    </dgm:txFillClrLst>
+    <dgm:txEffectClrLst/>
+  </dgm:styleLbl>
+  <dgm:styleLbl name="parChTrans2D4">
+    <dgm:fillClrLst meth="repeat">
+      <a:schemeClr val="accent1"/>
+    </dgm:fillClrLst>
+    <dgm:linClrLst meth="repeat">
+      <a:schemeClr val="accent1"/>
+    </dgm:linClrLst>
+    <dgm:effectClrLst/>
+    <dgm:txLinClrLst/>
+    <dgm:txFillClrLst meth="repeat">
+      <a:schemeClr val="lt1"/>
+    </dgm:txFillClrLst>
+    <dgm:txEffectClrLst/>
+  </dgm:styleLbl>
+  <dgm:styleLbl name="parChTrans1D1">
+    <dgm:fillClrLst meth="repeat">
+      <a:schemeClr val="accent1"/>
+    </dgm:fillClrLst>
+    <dgm:linClrLst meth="repeat">
+      <a:schemeClr val="accent1">
+        <a:shade val="60000"/>
+      </a:schemeClr>
+    </dgm:linClrLst>
+    <dgm:effectClrLst/>
+    <dgm:txLinClrLst/>
+    <dgm:txFillClrLst meth="repeat">
+      <a:schemeClr val="tx1"/>
+    </dgm:txFillClrLst>
+    <dgm:txEffectClrLst/>
+  </dgm:styleLbl>
+  <dgm:styleLbl name="parChTrans1D2">
+    <dgm:fillClrLst meth="repeat">
+      <a:schemeClr val="accent1"/>
+    </dgm:fillClrLst>
+    <dgm:linClrLst meth="repeat">
+      <a:schemeClr val="accent1">
+        <a:shade val="60000"/>
+      </a:schemeClr>
+    </dgm:linClrLst>
+    <dgm:effectClrLst/>
+    <dgm:txLinClrLst/>
+    <dgm:txFillClrLst meth="repeat">
+      <a:schemeClr val="tx1"/>
+    </dgm:txFillClrLst>
+    <dgm:txEffectClrLst/>
+  </dgm:styleLbl>
+  <dgm:styleLbl name="parChTrans1D3">
+    <dgm:fillClrLst meth="repeat">
+      <a:schemeClr val="accent1"/>
+    </dgm:fillClrLst>
+    <dgm:linClrLst meth="repeat">
+      <a:schemeClr val="accent1">
+        <a:shade val="80000"/>
+      </a:schemeClr>
+    </dgm:linClrLst>
+    <dgm:effectClrLst/>
+    <dgm:txLinClrLst/>
+    <dgm:txFillClrLst meth="repeat">
+      <a:schemeClr val="tx1"/>
+    </dgm:txFillClrLst>
+    <dgm:txEffectClrLst/>
+  </dgm:styleLbl>
+  <dgm:styleLbl name="parChTrans1D4">
+    <dgm:fillClrLst meth="repeat">
+      <a:schemeClr val="accent1"/>
+    </dgm:fillClrLst>
+    <dgm:linClrLst meth="repeat">
+      <a:schemeClr val="accent1">
+        <a:shade val="80000"/>
+      </a:schemeClr>
+    </dgm:linClrLst>
+    <dgm:effectClrLst/>
+    <dgm:txLinClrLst/>
+    <dgm:txFillClrLst meth="repeat">
+      <a:schemeClr val="tx1"/>
+    </dgm:txFillClrLst>
+    <dgm:txEffectClrLst/>
+  </dgm:styleLbl>
+  <dgm:styleLbl name="fgAcc1">
+    <dgm:fillClrLst meth="repeat">
+      <a:schemeClr val="lt1">
+        <a:alpha val="90000"/>
+      </a:schemeClr>
+    </dgm:fillClrLst>
+    <dgm:linClrLst meth="repeat">
+      <a:schemeClr val="accent1"/>
+    </dgm:linClrLst>
+    <dgm:effectClrLst/>
+    <dgm:txLinClrLst/>
+    <dgm:txFillClrLst meth="repeat">
+      <a:schemeClr val="dk1"/>
+    </dgm:txFillClrLst>
+    <dgm:txEffectClrLst/>
+  </dgm:styleLbl>
+  <dgm:styleLbl name="conFgAcc1">
+    <dgm:fillClrLst meth="repeat">
+      <a:schemeClr val="lt1">
+        <a:alpha val="90000"/>
+      </a:schemeClr>
+    </dgm:fillClrLst>
+    <dgm:linClrLst meth="repeat">
+      <a:schemeClr val="accent1"/>
+    </dgm:linClrLst>
+    <dgm:effectClrLst/>
+    <dgm:txLinClrLst/>
+    <dgm:txFillClrLst meth="repeat">
+      <a:schemeClr val="dk1"/>
+    </dgm:txFillClrLst>
+    <dgm:txEffectClrLst/>
+  </dgm:styleLbl>
+  <dgm:styleLbl name="alignAcc1">
+    <dgm:fillClrLst meth="repeat">
+      <a:schemeClr val="lt1">
+        <a:alpha val="90000"/>
+      </a:schemeClr>
+    </dgm:fillClrLst>
+    <dgm:linClrLst meth="repeat">
+      <a:schemeClr val="accent1"/>
+    </dgm:linClrLst>
+    <dgm:effectClrLst/>
+    <dgm:txLinClrLst/>
+    <dgm:txFillClrLst meth="repeat">
+      <a:schemeClr val="dk1"/>
+    </dgm:txFillClrLst>
+    <dgm:txEffectClrLst/>
+  </dgm:styleLbl>
+  <dgm:styleLbl name="trAlignAcc1">
+    <dgm:fillClrLst meth="repeat">
+      <a:schemeClr val="lt1">
+        <a:alpha val="40000"/>
+      </a:schemeClr>
+    </dgm:fillClrLst>
+    <dgm:linClrLst meth="repeat">
+      <a:schemeClr val="accent1"/>
+    </dgm:linClrLst>
+    <dgm:effectClrLst/>
+    <dgm:txLinClrLst/>
+    <dgm:txFillClrLst meth="repeat">
+      <a:schemeClr val="dk1"/>
+    </dgm:txFillClrLst>
+    <dgm:txEffectClrLst/>
+  </dgm:styleLbl>
+  <dgm:styleLbl name="bgAcc1">
+    <dgm:fillClrLst meth="repeat">
+      <a:schemeClr val="lt1">
+        <a:alpha val="90000"/>
+      </a:schemeClr>
+    </dgm:fillClrLst>
+    <dgm:linClrLst meth="repeat">
+      <a:schemeClr val="accent1"/>
+    </dgm:linClrLst>
+    <dgm:effectClrLst/>
+    <dgm:txLinClrLst/>
+    <dgm:txFillClrLst meth="repeat">
+      <a:schemeClr val="dk1"/>
+    </dgm:txFillClrLst>
+    <dgm:txEffectClrLst/>
+  </dgm:styleLbl>
+  <dgm:styleLbl name="solidFgAcc1">
+    <dgm:fillClrLst meth="repeat">
+      <a:schemeClr val="lt1"/>
+    </dgm:fillClrLst>
+    <dgm:linClrLst meth="repeat">
+      <a:schemeClr val="accent1"/>
+    </dgm:linClrLst>
+    <dgm:effectClrLst/>
+    <dgm:txLinClrLst/>
+    <dgm:txFillClrLst meth="repeat">
+      <a:schemeClr val="dk1"/>
+    </dgm:txFillClrLst>
+    <dgm:txEffectClrLst/>
+  </dgm:styleLbl>
+  <dgm:styleLbl name="solidAlignAcc1">
+    <dgm:fillClrLst meth="repeat">
+      <a:schemeClr val="lt1"/>
+    </dgm:fillClrLst>
+    <dgm:linClrLst meth="repeat">
+      <a:schemeClr val="accent1"/>
+    </dgm:linClrLst>
+    <dgm:effectClrLst/>
+    <dgm:txLinClrLst/>
+    <dgm:txFillClrLst meth="repeat">
+      <a:schemeClr val="dk1"/>
+    </dgm:txFillClrLst>
+    <dgm:txEffectClrLst/>
+  </dgm:styleLbl>
+  <dgm:styleLbl name="solidBgAcc1">
+    <dgm:fillClrLst meth="repeat">
+      <a:schemeClr val="lt1"/>
+    </dgm:fillClrLst>
+    <dgm:linClrLst meth="repeat">
+      <a:schemeClr val="accent1"/>
+    </dgm:linClrLst>
+    <dgm:effectClrLst/>
+    <dgm:txLinClrLst/>
+    <dgm:txFillClrLst meth="repeat">
+      <a:schemeClr val="dk1"/>
+    </dgm:txFillClrLst>
+    <dgm:txEffectClrLst/>
+  </dgm:styleLbl>
+  <dgm:styleLbl name="fgAccFollowNode1">
+    <dgm:fillClrLst meth="repeat">
+      <a:schemeClr val="accent1">
+        <a:alpha val="90000"/>
+        <a:tint val="40000"/>
+      </a:schemeClr>
+    </dgm:fillClrLst>
+    <dgm:linClrLst meth="repeat">
+      <a:schemeClr val="accent1">
+        <a:alpha val="90000"/>
+        <a:tint val="40000"/>
+      </a:schemeClr>
+    </dgm:linClrLst>
+    <dgm:effectClrLst/>
+    <dgm:txLinClrLst/>
+    <dgm:txFillClrLst meth="repeat">
+      <a:schemeClr val="dk1"/>
+    </dgm:txFillClrLst>
+    <dgm:txEffectClrLst/>
+  </dgm:styleLbl>
+  <dgm:styleLbl name="alignAccFollowNode1">
+    <dgm:fillClrLst meth="repeat">
+      <a:schemeClr val="accent1">
+        <a:alpha val="90000"/>
+        <a:tint val="40000"/>
+      </a:schemeClr>
+    </dgm:fillClrLst>
+    <dgm:linClrLst meth="repeat">
+      <a:schemeClr val="accent1">
+        <a:alpha val="90000"/>
+        <a:tint val="40000"/>
+      </a:schemeClr>
+    </dgm:linClrLst>
+    <dgm:effectClrLst/>
+    <dgm:txLinClrLst/>
+    <dgm:txFillClrLst meth="repeat">
+      <a:schemeClr val="dk1"/>
+    </dgm:txFillClrLst>
+    <dgm:txEffectClrLst/>
+  </dgm:styleLbl>
+  <dgm:styleLbl name="bgAccFollowNode1">
+    <dgm:fillClrLst meth="repeat">
+      <a:schemeClr val="accent1">
+        <a:alpha val="90000"/>
+        <a:tint val="40000"/>
+      </a:schemeClr>
+    </dgm:fillClrLst>
+    <dgm:linClrLst meth="repeat">
+      <a:schemeClr val="accent1">
+        <a:alpha val="90000"/>
+        <a:tint val="40000"/>
+      </a:schemeClr>
+    </dgm:linClrLst>
+    <dgm:effectClrLst/>
+    <dgm:txLinClrLst/>
+    <dgm:txFillClrLst meth="repeat">
+      <a:schemeClr val="dk1"/>
+    </dgm:txFillClrLst>
+    <dgm:txEffectClrLst/>
+  </dgm:styleLbl>
+  <dgm:styleLbl name="fgAcc0">
+    <dgm:fillClrLst meth="repeat">
+      <a:schemeClr val="lt1">
+        <a:alpha val="90000"/>
+      </a:schemeClr>
+    </dgm:fillClrLst>
+    <dgm:linClrLst meth="repeat">
+      <a:schemeClr val="accent1"/>
+    </dgm:linClrLst>
+    <dgm:effectClrLst/>
+    <dgm:txLinClrLst/>
+    <dgm:txFillClrLst meth="repeat">
+      <a:schemeClr val="dk1"/>
+    </dgm:txFillClrLst>
+    <dgm:txEffectClrLst/>
+  </dgm:styleLbl>
+  <dgm:styleLbl name="fgAcc2">
+    <dgm:fillClrLst meth="repeat">
+      <a:schemeClr val="lt1">
+        <a:alpha val="90000"/>
+      </a:schemeClr>
+    </dgm:fillClrLst>
+    <dgm:linClrLst meth="repeat">
+      <a:schemeClr val="accent1"/>
+    </dgm:linClrLst>
+    <dgm:effectClrLst/>
+    <dgm:txLinClrLst/>
+    <dgm:txFillClrLst meth="repeat">
+      <a:schemeClr val="dk1"/>
+    </dgm:txFillClrLst>
+    <dgm:txEffectClrLst/>
+  </dgm:styleLbl>
+  <dgm:styleLbl name="fgAcc3">
+    <dgm:fillClrLst meth="repeat">
+      <a:schemeClr val="lt1">
+        <a:alpha val="90000"/>
+      </a:schemeClr>
+    </dgm:fillClrLst>
+    <dgm:linClrLst meth="repeat">
+      <a:schemeClr val="accent1"/>
+    </dgm:linClrLst>
+    <dgm:effectClrLst/>
+    <dgm:txLinClrLst/>
+    <dgm:txFillClrLst meth="repeat">
+      <a:schemeClr val="dk1"/>
+    </dgm:txFillClrLst>
+    <dgm:txEffectClrLst/>
+  </dgm:styleLbl>
+  <dgm:styleLbl name="fgAcc4">
+    <dgm:fillClrLst meth="repeat">
+      <a:schemeClr val="lt1">
+        <a:alpha val="90000"/>
+      </a:schemeClr>
+    </dgm:fillClrLst>
+    <dgm:linClrLst meth="repeat">
+      <a:schemeClr val="accent1"/>
+    </dgm:linClrLst>
+    <dgm:effectClrLst/>
+    <dgm:txLinClrLst/>
+    <dgm:txFillClrLst meth="repeat">
+      <a:schemeClr val="dk1"/>
+    </dgm:txFillClrLst>
+    <dgm:txEffectClrLst/>
+  </dgm:styleLbl>
+  <dgm:styleLbl name="bgShp">
+    <dgm:fillClrLst meth="repeat">
+      <a:schemeClr val="accent1">
+        <a:tint val="40000"/>
+      </a:schemeClr>
+    </dgm:fillClrLst>
+    <dgm:linClrLst meth="repeat">
+      <a:schemeClr val="accent1"/>
+    </dgm:linClrLst>
+    <dgm:effectClrLst/>
+    <dgm:txLinClrLst/>
+    <dgm:txFillClrLst meth="repeat">
+      <a:schemeClr val="dk1"/>
+    </dgm:txFillClrLst>
+    <dgm:txEffectClrLst/>
+  </dgm:styleLbl>
+  <dgm:styleLbl name="dkBgShp">
+    <dgm:fillClrLst meth="repeat">
+      <a:schemeClr val="accent1">
+        <a:shade val="80000"/>
+      </a:schemeClr>
+    </dgm:fillClrLst>
+    <dgm:linClrLst meth="repeat">
+      <a:schemeClr val="accent1"/>
+    </dgm:linClrLst>
+    <dgm:effectClrLst/>
+    <dgm:txLinClrLst/>
+    <dgm:txFillClrLst meth="repeat">
+      <a:schemeClr val="lt1"/>
+    </dgm:txFillClrLst>
+    <dgm:txEffectClrLst/>
+  </dgm:styleLbl>
+  <dgm:styleLbl name="trBgShp">
+    <dgm:fillClrLst meth="repeat">
+      <a:schemeClr val="accent1">
+        <a:tint val="50000"/>
+        <a:alpha val="40000"/>
+      </a:schemeClr>
+    </dgm:fillClrLst>
+    <dgm:linClrLst meth="repeat">
+      <a:schemeClr val="accent1"/>
+    </dgm:linClrLst>
+    <dgm:effectClrLst/>
+    <dgm:txLinClrLst/>
+    <dgm:txFillClrLst meth="repeat">
+      <a:schemeClr val="lt1"/>
+    </dgm:txFillClrLst>
+    <dgm:txEffectClrLst/>
+  </dgm:styleLbl>
+  <dgm:styleLbl name="fgShp">
+    <dgm:fillClrLst meth="repeat">
+      <a:schemeClr val="accent1">
+        <a:tint val="60000"/>
+      </a:schemeClr>
+    </dgm:fillClrLst>
+    <dgm:linClrLst meth="repeat">
+      <a:schemeClr val="lt1"/>
+    </dgm:linClrLst>
+    <dgm:effectClrLst/>
+    <dgm:txLinClrLst/>
+    <dgm:txFillClrLst meth="repeat">
+      <a:schemeClr val="dk1"/>
+    </dgm:txFillClrLst>
+    <dgm:txEffectClrLst/>
+  </dgm:styleLbl>
+  <dgm:styleLbl name="revTx">
+    <dgm:fillClrLst meth="repeat">
+      <a:schemeClr val="lt1">
+        <a:alpha val="0"/>
+      </a:schemeClr>
+    </dgm:fillClrLst>
+    <dgm:linClrLst meth="repeat">
+      <a:schemeClr val="dk1">
+        <a:alpha val="0"/>
+      </a:schemeClr>
+    </dgm:linClrLst>
+    <dgm:effectClrLst/>
+    <dgm:txLinClrLst/>
+    <dgm:txFillClrLst meth="repeat">
+      <a:schemeClr val="tx1"/>
+    </dgm:txFillClrLst>
+    <dgm:txEffectClrLst/>
+  </dgm:styleLbl>
+</dgm:colorsDef>
+</file>
+
+<file path=ppt/diagrams/colors2.xml><?xml version="1.0" encoding="utf-8"?>
+<dgm:colorsDef xmlns:dgm="http://schemas.openxmlformats.org/drawingml/2006/diagram" xmlns:a="http://schemas.openxmlformats.org/drawingml/2006/main" uniqueId="urn:microsoft.com/office/officeart/2005/8/colors/accent1_2">
+  <dgm:title val=""/>
+  <dgm:desc val=""/>
+  <dgm:catLst>
+    <dgm:cat type="accent1" pri="11200"/>
+  </dgm:catLst>
+  <dgm:styleLbl name="node0">
+    <dgm:fillClrLst meth="repeat">
+      <a:schemeClr val="accent1"/>
+    </dgm:fillClrLst>
+    <dgm:linClrLst meth="repeat">
+      <a:schemeClr val="lt1"/>
+    </dgm:linClrLst>
+    <dgm:effectClrLst/>
+    <dgm:txLinClrLst/>
+    <dgm:txFillClrLst/>
+    <dgm:txEffectClrLst/>
+  </dgm:styleLbl>
+  <dgm:styleLbl name="alignNode1">
+    <dgm:fillClrLst meth="repeat">
+      <a:schemeClr val="accent1"/>
+    </dgm:fillClrLst>
+    <dgm:linClrLst meth="repeat">
+      <a:schemeClr val="accent1"/>
+    </dgm:linClrLst>
+    <dgm:effectClrLst/>
+    <dgm:txLinClrLst/>
+    <dgm:txFillClrLst/>
+    <dgm:txEffectClrLst/>
+  </dgm:styleLbl>
+  <dgm:styleLbl name="node1">
+    <dgm:fillClrLst meth="repeat">
+      <a:schemeClr val="accent1"/>
+    </dgm:fillClrLst>
+    <dgm:linClrLst meth="repeat">
+      <a:schemeClr val="lt1"/>
+    </dgm:linClrLst>
+    <dgm:effectClrLst/>
+    <dgm:txLinClrLst/>
+    <dgm:txFillClrLst/>
+    <dgm:txEffectClrLst/>
+  </dgm:styleLbl>
+  <dgm:styleLbl name="lnNode1">
+    <dgm:fillClrLst meth="repeat">
+      <a:schemeClr val="accent1"/>
+    </dgm:fillClrLst>
+    <dgm:linClrLst meth="repeat">
+      <a:schemeClr val="lt1"/>
+    </dgm:linClrLst>
+    <dgm:effectClrLst/>
+    <dgm:txLinClrLst/>
+    <dgm:txFillClrLst/>
+    <dgm:txEffectClrLst/>
+  </dgm:styleLbl>
+  <dgm:styleLbl name="vennNode1">
+    <dgm:fillClrLst meth="repeat">
+      <a:schemeClr val="accent1">
+        <a:alpha val="50000"/>
+      </a:schemeClr>
+    </dgm:fillClrLst>
+    <dgm:linClrLst meth="repeat">
+      <a:schemeClr val="lt1"/>
+    </dgm:linClrLst>
+    <dgm:effectClrLst/>
+    <dgm:txLinClrLst/>
+    <dgm:txFillClrLst/>
+    <dgm:txEffectClrLst/>
+  </dgm:styleLbl>
+  <dgm:styleLbl name="node2">
+    <dgm:fillClrLst meth="repeat">
+      <a:schemeClr val="accent1"/>
+    </dgm:fillClrLst>
+    <dgm:linClrLst meth="repeat">
+      <a:schemeClr val="lt1"/>
+    </dgm:linClrLst>
+    <dgm:effectClrLst/>
+    <dgm:txLinClrLst/>
+    <dgm:txFillClrLst/>
+    <dgm:txEffectClrLst/>
+  </dgm:styleLbl>
+  <dgm:styleLbl name="node3">
+    <dgm:fillClrLst meth="repeat">
+      <a:schemeClr val="accent1"/>
+    </dgm:fillClrLst>
+    <dgm:linClrLst meth="repeat">
+      <a:schemeClr val="lt1"/>
+    </dgm:linClrLst>
+    <dgm:effectClrLst/>
+    <dgm:txLinClrLst/>
+    <dgm:txFillClrLst/>
+    <dgm:txEffectClrLst/>
+  </dgm:styleLbl>
+  <dgm:styleLbl name="node4">
+    <dgm:fillClrLst meth="repeat">
+      <a:schemeClr val="accent1"/>
+    </dgm:fillClrLst>
+    <dgm:linClrLst meth="repeat">
+      <a:schemeClr val="lt1"/>
+    </dgm:linClrLst>
+    <dgm:effectClrLst/>
+    <dgm:txLinClrLst/>
+    <dgm:txFillClrLst/>
+    <dgm:txEffectClrLst/>
+  </dgm:styleLbl>
+  <dgm:styleLbl name="fgImgPlace1">
+    <dgm:fillClrLst meth="repeat">
+      <a:schemeClr val="accent1">
+        <a:tint val="50000"/>
+      </a:schemeClr>
+    </dgm:fillClrLst>
+    <dgm:linClrLst meth="repeat">
+      <a:schemeClr val="lt1"/>
+    </dgm:linClrLst>
+    <dgm:effectClrLst/>
+    <dgm:txLinClrLst/>
+    <dgm:txFillClrLst meth="repeat">
+      <a:schemeClr val="lt1"/>
+    </dgm:txFillClrLst>
+    <dgm:txEffectClrLst/>
+  </dgm:styleLbl>
+  <dgm:styleLbl name="alignImgPlace1">
+    <dgm:fillClrLst meth="repeat">
+      <a:schemeClr val="accent1">
+        <a:tint val="50000"/>
+      </a:schemeClr>
+    </dgm:fillClrLst>
+    <dgm:linClrLst meth="repeat">
+      <a:schemeClr val="lt1"/>
+    </dgm:linClrLst>
+    <dgm:effectClrLst/>
+    <dgm:txLinClrLst/>
+    <dgm:txFillClrLst meth="repeat">
+      <a:schemeClr val="lt1"/>
+    </dgm:txFillClrLst>
+    <dgm:txEffectClrLst/>
+  </dgm:styleLbl>
+  <dgm:styleLbl name="bgImgPlace1">
+    <dgm:fillClrLst meth="repeat">
+      <a:schemeClr val="accent1">
+        <a:tint val="50000"/>
+      </a:schemeClr>
+    </dgm:fillClrLst>
+    <dgm:linClrLst meth="repeat">
+      <a:schemeClr val="lt1"/>
+    </dgm:linClrLst>
+    <dgm:effectClrLst/>
+    <dgm:txLinClrLst/>
+    <dgm:txFillClrLst meth="repeat">
+      <a:schemeClr val="lt1"/>
+    </dgm:txFillClrLst>
+    <dgm:txEffectClrLst/>
+  </dgm:styleLbl>
+  <dgm:styleLbl name="sibTrans2D1">
+    <dgm:fillClrLst meth="repeat">
+      <a:schemeClr val="accent1">
+        <a:tint val="60000"/>
+      </a:schemeClr>
+    </dgm:fillClrLst>
+    <dgm:linClrLst meth="repeat">
+      <a:schemeClr val="accent1">
+        <a:tint val="60000"/>
+      </a:schemeClr>
+    </dgm:linClrLst>
+    <dgm:effectClrLst/>
+    <dgm:txLinClrLst/>
+    <dgm:txFillClrLst/>
+    <dgm:txEffectClrLst/>
+  </dgm:styleLbl>
+  <dgm:styleLbl name="fgSibTrans2D1">
+    <dgm:fillClrLst meth="repeat">
+      <a:schemeClr val="accent1">
+        <a:tint val="60000"/>
+      </a:schemeClr>
+    </dgm:fillClrLst>
+    <dgm:linClrLst meth="repeat">
+      <a:schemeClr val="accent1">
+        <a:tint val="60000"/>
+      </a:schemeClr>
+    </dgm:linClrLst>
+    <dgm:effectClrLst/>
+    <dgm:txLinClrLst/>
+    <dgm:txFillClrLst/>
+    <dgm:txEffectClrLst/>
+  </dgm:styleLbl>
+  <dgm:styleLbl name="bgSibTrans2D1">
+    <dgm:fillClrLst meth="repeat">
+      <a:schemeClr val="accent1">
+        <a:tint val="60000"/>
+      </a:schemeClr>
+    </dgm:fillClrLst>
+    <dgm:linClrLst meth="repeat">
+      <a:schemeClr val="accent1">
+        <a:tint val="60000"/>
+      </a:schemeClr>
+    </dgm:linClrLst>
+    <dgm:effectClrLst/>
+    <dgm:txLinClrLst/>
+    <dgm:txFillClrLst/>
+    <dgm:txEffectClrLst/>
+  </dgm:styleLbl>
+  <dgm:styleLbl name="sibTrans1D1">
+    <dgm:fillClrLst meth="repeat">
+      <a:schemeClr val="accent1"/>
+    </dgm:fillClrLst>
+    <dgm:linClrLst meth="repeat">
+      <a:schemeClr val="accent1"/>
+    </dgm:linClrLst>
+    <dgm:effectClrLst/>
+    <dgm:txLinClrLst/>
+    <dgm:txFillClrLst meth="repeat">
+      <a:schemeClr val="tx1"/>
+    </dgm:txFillClrLst>
+    <dgm:txEffectClrLst/>
+  </dgm:styleLbl>
+  <dgm:styleLbl name="callout">
+    <dgm:fillClrLst meth="repeat">
+      <a:schemeClr val="accent1"/>
+    </dgm:fillClrLst>
+    <dgm:linClrLst meth="repeat">
+      <a:schemeClr val="accent1">
+        <a:tint val="50000"/>
+      </a:schemeClr>
+    </dgm:linClrLst>
+    <dgm:effectClrLst/>
+    <dgm:txLinClrLst/>
+    <dgm:txFillClrLst meth="repeat">
+      <a:schemeClr val="tx1"/>
+    </dgm:txFillClrLst>
+    <dgm:txEffectClrLst/>
+  </dgm:styleLbl>
+  <dgm:styleLbl name="asst0">
+    <dgm:fillClrLst meth="repeat">
+      <a:schemeClr val="accent1"/>
+    </dgm:fillClrLst>
+    <dgm:linClrLst meth="repeat">
+      <a:schemeClr val="lt1"/>
+    </dgm:linClrLst>
+    <dgm:effectClrLst/>
+    <dgm:txLinClrLst/>
+    <dgm:txFillClrLst/>
+    <dgm:txEffectClrLst/>
+  </dgm:styleLbl>
+  <dgm:styleLbl name="asst1">
+    <dgm:fillClrLst meth="repeat">
+      <a:schemeClr val="accent1"/>
+    </dgm:fillClrLst>
+    <dgm:linClrLst meth="repeat">
+      <a:schemeClr val="lt1"/>
+    </dgm:linClrLst>
+    <dgm:effectClrLst/>
+    <dgm:txLinClrLst/>
+    <dgm:txFillClrLst/>
+    <dgm:txEffectClrLst/>
+  </dgm:styleLbl>
+  <dgm:styleLbl name="asst2">
+    <dgm:fillClrLst meth="repeat">
+      <a:schemeClr val="accent1"/>
+    </dgm:fillClrLst>
+    <dgm:linClrLst meth="repeat">
+      <a:schemeClr val="lt1"/>
+    </dgm:linClrLst>
+    <dgm:effectClrLst/>
+    <dgm:txLinClrLst/>
+    <dgm:txFillClrLst/>
+    <dgm:txEffectClrLst/>
+  </dgm:styleLbl>
+  <dgm:styleLbl name="asst3">
+    <dgm:fillClrLst meth="repeat">
+      <a:schemeClr val="accent1"/>
+    </dgm:fillClrLst>
+    <dgm:linClrLst meth="repeat">
+      <a:schemeClr val="lt1"/>
+    </dgm:linClrLst>
+    <dgm:effectClrLst/>
+    <dgm:txLinClrLst/>
+    <dgm:txFillClrLst/>
+    <dgm:txEffectClrLst/>
+  </dgm:styleLbl>
+  <dgm:styleLbl name="asst4">
+    <dgm:fillClrLst meth="repeat">
+      <a:schemeClr val="accent1"/>
+    </dgm:fillClrLst>
+    <dgm:linClrLst meth="repeat">
+      <a:schemeClr val="lt1"/>
+    </dgm:linClrLst>
+    <dgm:effectClrLst/>
+    <dgm:txLinClrLst/>
+    <dgm:txFillClrLst/>
+    <dgm:txEffectClrLst/>
+  </dgm:styleLbl>
+  <dgm:styleLbl name="parChTrans2D1">
+    <dgm:fillClrLst meth="repeat">
+      <a:schemeClr val="accent1">
+        <a:tint val="60000"/>
+      </a:schemeClr>
+    </dgm:fillClrLst>
+    <dgm:linClrLst meth="repeat">
+      <a:schemeClr val="accent1">
+        <a:tint val="60000"/>
+      </a:schemeClr>
+    </dgm:linClrLst>
+    <dgm:effectClrLst/>
+    <dgm:txLinClrLst/>
+    <dgm:txFillClrLst meth="repeat">
+      <a:schemeClr val="lt1"/>
+    </dgm:txFillClrLst>
+    <dgm:txEffectClrLst/>
+  </dgm:styleLbl>
+  <dgm:styleLbl name="parChTrans2D2">
+    <dgm:fillClrLst meth="repeat">
+      <a:schemeClr val="accent1"/>
+    </dgm:fillClrLst>
+    <dgm:linClrLst meth="repeat">
+      <a:schemeClr val="accent1"/>
+    </dgm:linClrLst>
+    <dgm:effectClrLst/>
+    <dgm:txLinClrLst/>
+    <dgm:txFillClrLst meth="repeat">
+      <a:schemeClr val="lt1"/>
+    </dgm:txFillClrLst>
+    <dgm:txEffectClrLst/>
+  </dgm:styleLbl>
+  <dgm:styleLbl name="parChTrans2D3">
+    <dgm:fillClrLst meth="repeat">
+      <a:schemeClr val="accent1"/>
+    </dgm:fillClrLst>
+    <dgm:linClrLst meth="repeat">
+      <a:schemeClr val="accent1"/>
+    </dgm:linClrLst>
+    <dgm:effectClrLst/>
+    <dgm:txLinClrLst/>
+    <dgm:txFillClrLst meth="repeat">
+      <a:schemeClr val="lt1"/>
+    </dgm:txFillClrLst>
+    <dgm:txEffectClrLst/>
+  </dgm:styleLbl>
+  <dgm:styleLbl name="parChTrans2D4">
+    <dgm:fillClrLst meth="repeat">
+      <a:schemeClr val="accent1"/>
+    </dgm:fillClrLst>
+    <dgm:linClrLst meth="repeat">
+      <a:schemeClr val="accent1"/>
+    </dgm:linClrLst>
+    <dgm:effectClrLst/>
+    <dgm:txLinClrLst/>
+    <dgm:txFillClrLst meth="repeat">
+      <a:schemeClr val="lt1"/>
+    </dgm:txFillClrLst>
+    <dgm:txEffectClrLst/>
+  </dgm:styleLbl>
+  <dgm:styleLbl name="parChTrans1D1">
+    <dgm:fillClrLst meth="repeat">
+      <a:schemeClr val="accent1"/>
+    </dgm:fillClrLst>
+    <dgm:linClrLst meth="repeat">
+      <a:schemeClr val="accent1">
+        <a:shade val="60000"/>
+      </a:schemeClr>
+    </dgm:linClrLst>
+    <dgm:effectClrLst/>
+    <dgm:txLinClrLst/>
+    <dgm:txFillClrLst meth="repeat">
+      <a:schemeClr val="tx1"/>
+    </dgm:txFillClrLst>
+    <dgm:txEffectClrLst/>
+  </dgm:styleLbl>
+  <dgm:styleLbl name="parChTrans1D2">
+    <dgm:fillClrLst meth="repeat">
+      <a:schemeClr val="accent1"/>
+    </dgm:fillClrLst>
+    <dgm:linClrLst meth="repeat">
+      <a:schemeClr val="accent1">
+        <a:shade val="60000"/>
+      </a:schemeClr>
+    </dgm:linClrLst>
+    <dgm:effectClrLst/>
+    <dgm:txLinClrLst/>
+    <dgm:txFillClrLst meth="repeat">
+      <a:schemeClr val="tx1"/>
+    </dgm:txFillClrLst>
+    <dgm:txEffectClrLst/>
+  </dgm:styleLbl>
+  <dgm:styleLbl name="parChTrans1D3">
+    <dgm:fillClrLst meth="repeat">
+      <a:schemeClr val="accent1"/>
+    </dgm:fillClrLst>
+    <dgm:linClrLst meth="repeat">
+      <a:schemeClr val="accent1">
+        <a:shade val="80000"/>
+      </a:schemeClr>
+    </dgm:linClrLst>
+    <dgm:effectClrLst/>
+    <dgm:txLinClrLst/>
+    <dgm:txFillClrLst meth="repeat">
+      <a:schemeClr val="tx1"/>
+    </dgm:txFillClrLst>
+    <dgm:txEffectClrLst/>
+  </dgm:styleLbl>
+  <dgm:styleLbl name="parChTrans1D4">
+    <dgm:fillClrLst meth="repeat">
+      <a:schemeClr val="accent1"/>
+    </dgm:fillClrLst>
+    <dgm:linClrLst meth="repeat">
+      <a:schemeClr val="accent1">
+        <a:shade val="80000"/>
+      </a:schemeClr>
+    </dgm:linClrLst>
+    <dgm:effectClrLst/>
+    <dgm:txLinClrLst/>
+    <dgm:txFillClrLst meth="repeat">
+      <a:schemeClr val="tx1"/>
+    </dgm:txFillClrLst>
+    <dgm:txEffectClrLst/>
+  </dgm:styleLbl>
+  <dgm:styleLbl name="fgAcc1">
+    <dgm:fillClrLst meth="repeat">
+      <a:schemeClr val="lt1">
+        <a:alpha val="90000"/>
+      </a:schemeClr>
+    </dgm:fillClrLst>
+    <dgm:linClrLst meth="repeat">
+      <a:schemeClr val="accent1"/>
+    </dgm:linClrLst>
+    <dgm:effectClrLst/>
+    <dgm:txLinClrLst/>
+    <dgm:txFillClrLst meth="repeat">
+      <a:schemeClr val="dk1"/>
+    </dgm:txFillClrLst>
+    <dgm:txEffectClrLst/>
+  </dgm:styleLbl>
+  <dgm:styleLbl name="conFgAcc1">
+    <dgm:fillClrLst meth="repeat">
+      <a:schemeClr val="lt1">
+        <a:alpha val="90000"/>
+      </a:schemeClr>
+    </dgm:fillClrLst>
+    <dgm:linClrLst meth="repeat">
+      <a:schemeClr val="accent1"/>
+    </dgm:linClrLst>
+    <dgm:effectClrLst/>
+    <dgm:txLinClrLst/>
+    <dgm:txFillClrLst meth="repeat">
+      <a:schemeClr val="dk1"/>
+    </dgm:txFillClrLst>
+    <dgm:txEffectClrLst/>
+  </dgm:styleLbl>
+  <dgm:styleLbl name="alignAcc1">
+    <dgm:fillClrLst meth="repeat">
+      <a:schemeClr val="lt1">
+        <a:alpha val="90000"/>
+      </a:schemeClr>
+    </dgm:fillClrLst>
+    <dgm:linClrLst meth="repeat">
+      <a:schemeClr val="accent1"/>
+    </dgm:linClrLst>
+    <dgm:effectClrLst/>
+    <dgm:txLinClrLst/>
+    <dgm:txFillClrLst meth="repeat">
+      <a:schemeClr val="dk1"/>
+    </dgm:txFillClrLst>
+    <dgm:txEffectClrLst/>
+  </dgm:styleLbl>
+  <dgm:styleLbl name="trAlignAcc1">
+    <dgm:fillClrLst meth="repeat">
+      <a:schemeClr val="lt1">
+        <a:alpha val="40000"/>
+      </a:schemeClr>
+    </dgm:fillClrLst>
+    <dgm:linClrLst meth="repeat">
+      <a:schemeClr val="accent1"/>
+    </dgm:linClrLst>
+    <dgm:effectClrLst/>
+    <dgm:txLinClrLst/>
+    <dgm:txFillClrLst meth="repeat">
+      <a:schemeClr val="dk1"/>
+    </dgm:txFillClrLst>
+    <dgm:txEffectClrLst/>
+  </dgm:styleLbl>
+  <dgm:styleLbl name="bgAcc1">
+    <dgm:fillClrLst meth="repeat">
+      <a:schemeClr val="lt1">
+        <a:alpha val="90000"/>
+      </a:schemeClr>
+    </dgm:fillClrLst>
+    <dgm:linClrLst meth="repeat">
+      <a:schemeClr val="accent1"/>
+    </dgm:linClrLst>
+    <dgm:effectClrLst/>
+    <dgm:txLinClrLst/>
+    <dgm:txFillClrLst meth="repeat">
+      <a:schemeClr val="dk1"/>
+    </dgm:txFillClrLst>
+    <dgm:txEffectClrLst/>
+  </dgm:styleLbl>
+  <dgm:styleLbl name="solidFgAcc1">
+    <dgm:fillClrLst meth="repeat">
+      <a:schemeClr val="lt1"/>
+    </dgm:fillClrLst>
+    <dgm:linClrLst meth="repeat">
+      <a:schemeClr val="accent1"/>
+    </dgm:linClrLst>
+    <dgm:effectClrLst/>
+    <dgm:txLinClrLst/>
+    <dgm:txFillClrLst meth="repeat">
+      <a:schemeClr val="dk1"/>
+    </dgm:txFillClrLst>
+    <dgm:txEffectClrLst/>
+  </dgm:styleLbl>
+  <dgm:styleLbl name="solidAlignAcc1">
+    <dgm:fillClrLst meth="repeat">
+      <a:schemeClr val="lt1"/>
+    </dgm:fillClrLst>
+    <dgm:linClrLst meth="repeat">
+      <a:schemeClr val="accent1"/>
+    </dgm:linClrLst>
+    <dgm:effectClrLst/>
+    <dgm:txLinClrLst/>
+    <dgm:txFillClrLst meth="repeat">
+      <a:schemeClr val="dk1"/>
+    </dgm:txFillClrLst>
+    <dgm:txEffectClrLst/>
+  </dgm:styleLbl>
+  <dgm:styleLbl name="solidBgAcc1">
+    <dgm:fillClrLst meth="repeat">
+      <a:schemeClr val="lt1"/>
+    </dgm:fillClrLst>
+    <dgm:linClrLst meth="repeat">
+      <a:schemeClr val="accent1"/>
+    </dgm:linClrLst>
+    <dgm:effectClrLst/>
+    <dgm:txLinClrLst/>
+    <dgm:txFillClrLst meth="repeat">
+      <a:schemeClr val="dk1"/>
+    </dgm:txFillClrLst>
+    <dgm:txEffectClrLst/>
+  </dgm:styleLbl>
+  <dgm:styleLbl name="fgAccFollowNode1">
+    <dgm:fillClrLst meth="repeat">
+      <a:schemeClr val="accent1">
+        <a:alpha val="90000"/>
+        <a:tint val="40000"/>
+      </a:schemeClr>
+    </dgm:fillClrLst>
+    <dgm:linClrLst meth="repeat">
+      <a:schemeClr val="accent1">
+        <a:alpha val="90000"/>
+        <a:tint val="40000"/>
+      </a:schemeClr>
+    </dgm:linClrLst>
+    <dgm:effectClrLst/>
+    <dgm:txLinClrLst/>
+    <dgm:txFillClrLst meth="repeat">
+      <a:schemeClr val="dk1"/>
+    </dgm:txFillClrLst>
+    <dgm:txEffectClrLst/>
+  </dgm:styleLbl>
+  <dgm:styleLbl name="alignAccFollowNode1">
+    <dgm:fillClrLst meth="repeat">
+      <a:schemeClr val="accent1">
+        <a:alpha val="90000"/>
+        <a:tint val="40000"/>
+      </a:schemeClr>
+    </dgm:fillClrLst>
+    <dgm:linClrLst meth="repeat">
+      <a:schemeClr val="accent1">
+        <a:alpha val="90000"/>
+        <a:tint val="40000"/>
+      </a:schemeClr>
+    </dgm:linClrLst>
+    <dgm:effectClrLst/>
+    <dgm:txLinClrLst/>
+    <dgm:txFillClrLst meth="repeat">
+      <a:schemeClr val="dk1"/>
+    </dgm:txFillClrLst>
+    <dgm:txEffectClrLst/>
+  </dgm:styleLbl>
+  <dgm:styleLbl name="bgAccFollowNode1">
+    <dgm:fillClrLst meth="repeat">
+      <a:schemeClr val="accent1">
+        <a:alpha val="90000"/>
+        <a:tint val="40000"/>
+      </a:schemeClr>
+    </dgm:fillClrLst>
+    <dgm:linClrLst meth="repeat">
+      <a:schemeClr val="accent1">
+        <a:alpha val="90000"/>
+        <a:tint val="40000"/>
+      </a:schemeClr>
+    </dgm:linClrLst>
+    <dgm:effectClrLst/>
+    <dgm:txLinClrLst/>
+    <dgm:txFillClrLst meth="repeat">
+      <a:schemeClr val="dk1"/>
+    </dgm:txFillClrLst>
+    <dgm:txEffectClrLst/>
+  </dgm:styleLbl>
+  <dgm:styleLbl name="fgAcc0">
+    <dgm:fillClrLst meth="repeat">
+      <a:schemeClr val="lt1">
+        <a:alpha val="90000"/>
+      </a:schemeClr>
+    </dgm:fillClrLst>
+    <dgm:linClrLst meth="repeat">
+      <a:schemeClr val="accent1"/>
+    </dgm:linClrLst>
+    <dgm:effectClrLst/>
+    <dgm:txLinClrLst/>
+    <dgm:txFillClrLst meth="repeat">
+      <a:schemeClr val="dk1"/>
+    </dgm:txFillClrLst>
+    <dgm:txEffectClrLst/>
+  </dgm:styleLbl>
+  <dgm:styleLbl name="fgAcc2">
+    <dgm:fillClrLst meth="repeat">
+      <a:schemeClr val="lt1">
+        <a:alpha val="90000"/>
+      </a:schemeClr>
+    </dgm:fillClrLst>
+    <dgm:linClrLst meth="repeat">
+      <a:schemeClr val="accent1"/>
+    </dgm:linClrLst>
+    <dgm:effectClrLst/>
+    <dgm:txLinClrLst/>
+    <dgm:txFillClrLst meth="repeat">
+      <a:schemeClr val="dk1"/>
+    </dgm:txFillClrLst>
+    <dgm:txEffectClrLst/>
+  </dgm:styleLbl>
+  <dgm:styleLbl name="fgAcc3">
+    <dgm:fillClrLst meth="repeat">
+      <a:schemeClr val="lt1">
+        <a:alpha val="90000"/>
+      </a:schemeClr>
+    </dgm:fillClrLst>
+    <dgm:linClrLst meth="repeat">
+      <a:schemeClr val="accent1"/>
+    </dgm:linClrLst>
+    <dgm:effectClrLst/>
+    <dgm:txLinClrLst/>
+    <dgm:txFillClrLst meth="repeat">
+      <a:schemeClr val="dk1"/>
+    </dgm:txFillClrLst>
+    <dgm:txEffectClrLst/>
+  </dgm:styleLbl>
+  <dgm:styleLbl name="fgAcc4">
+    <dgm:fillClrLst meth="repeat">
+      <a:schemeClr val="lt1">
+        <a:alpha val="90000"/>
+      </a:schemeClr>
+    </dgm:fillClrLst>
+    <dgm:linClrLst meth="repeat">
+      <a:schemeClr val="accent1"/>
+    </dgm:linClrLst>
+    <dgm:effectClrLst/>
+    <dgm:txLinClrLst/>
+    <dgm:txFillClrLst meth="repeat">
+      <a:schemeClr val="dk1"/>
+    </dgm:txFillClrLst>
+    <dgm:txEffectClrLst/>
+  </dgm:styleLbl>
+  <dgm:styleLbl name="bgShp">
+    <dgm:fillClrLst meth="repeat">
+      <a:schemeClr val="accent1">
+        <a:tint val="40000"/>
+      </a:schemeClr>
+    </dgm:fillClrLst>
+    <dgm:linClrLst meth="repeat">
+      <a:schemeClr val="accent1"/>
+    </dgm:linClrLst>
+    <dgm:effectClrLst/>
+    <dgm:txLinClrLst/>
+    <dgm:txFillClrLst meth="repeat">
+      <a:schemeClr val="dk1"/>
+    </dgm:txFillClrLst>
+    <dgm:txEffectClrLst/>
+  </dgm:styleLbl>
+  <dgm:styleLbl name="dkBgShp">
+    <dgm:fillClrLst meth="repeat">
+      <a:schemeClr val="accent1">
+        <a:shade val="80000"/>
+      </a:schemeClr>
+    </dgm:fillClrLst>
+    <dgm:linClrLst meth="repeat">
+      <a:schemeClr val="accent1"/>
+    </dgm:linClrLst>
+    <dgm:effectClrLst/>
+    <dgm:txLinClrLst/>
+    <dgm:txFillClrLst meth="repeat">
+      <a:schemeClr val="lt1"/>
+    </dgm:txFillClrLst>
+    <dgm:txEffectClrLst/>
+  </dgm:styleLbl>
+  <dgm:styleLbl name="trBgShp">
+    <dgm:fillClrLst meth="repeat">
+      <a:schemeClr val="accent1">
+        <a:tint val="50000"/>
+        <a:alpha val="40000"/>
+      </a:schemeClr>
+    </dgm:fillClrLst>
+    <dgm:linClrLst meth="repeat">
+      <a:schemeClr val="accent1"/>
+    </dgm:linClrLst>
+    <dgm:effectClrLst/>
+    <dgm:txLinClrLst/>
+    <dgm:txFillClrLst meth="repeat">
+      <a:schemeClr val="lt1"/>
+    </dgm:txFillClrLst>
+    <dgm:txEffectClrLst/>
+  </dgm:styleLbl>
+  <dgm:styleLbl name="fgShp">
+    <dgm:fillClrLst meth="repeat">
+      <a:schemeClr val="accent1">
+        <a:tint val="60000"/>
+      </a:schemeClr>
+    </dgm:fillClrLst>
+    <dgm:linClrLst meth="repeat">
+      <a:schemeClr val="lt1"/>
+    </dgm:linClrLst>
+    <dgm:effectClrLst/>
+    <dgm:txLinClrLst/>
+    <dgm:txFillClrLst meth="repeat">
+      <a:schemeClr val="dk1"/>
+    </dgm:txFillClrLst>
+    <dgm:txEffectClrLst/>
+  </dgm:styleLbl>
+  <dgm:styleLbl name="revTx">
+    <dgm:fillClrLst meth="repeat">
+      <a:schemeClr val="lt1">
+        <a:alpha val="0"/>
+      </a:schemeClr>
+    </dgm:fillClrLst>
+    <dgm:linClrLst meth="repeat">
+      <a:schemeClr val="dk1">
+        <a:alpha val="0"/>
+      </a:schemeClr>
+    </dgm:linClrLst>
+    <dgm:effectClrLst/>
+    <dgm:txLinClrLst/>
+    <dgm:txFillClrLst meth="repeat">
+      <a:schemeClr val="tx1"/>
+    </dgm:txFillClrLst>
+    <dgm:txEffectClrLst/>
+  </dgm:styleLbl>
+</dgm:colorsDef>
+</file>
+
+<file path=ppt/diagrams/colors3.xml><?xml version="1.0" encoding="utf-8"?>
 <dgm:colorsDef xmlns:dgm="http://schemas.openxmlformats.org/drawingml/2006/diagram" xmlns:a="http://schemas.openxmlformats.org/drawingml/2006/main" uniqueId="urn:microsoft.com/office/officeart/2005/8/colors/accent1_2">
   <dgm:title val=""/>
   <dgm:desc val=""/>
@@ -881,6 +2385,13 @@
             <a:schemeClr val="tx1"/>
           </a:solidFill>
         </a:ln>
+        <a:effectLst>
+          <a:outerShdw blurRad="50800" dist="76200" dir="5400000" algn="t" rotWithShape="0">
+            <a:prstClr val="black">
+              <a:alpha val="40000"/>
+            </a:prstClr>
+          </a:outerShdw>
+        </a:effectLst>
       </dgm:spPr>
       <dgm:t>
         <a:bodyPr/>
@@ -930,6 +2441,13 @@
             <a:schemeClr val="tx1"/>
           </a:solidFill>
         </a:ln>
+        <a:effectLst>
+          <a:outerShdw blurRad="50800" dist="76200" dir="5400000" algn="t" rotWithShape="0">
+            <a:prstClr val="black">
+              <a:alpha val="40000"/>
+            </a:prstClr>
+          </a:outerShdw>
+        </a:effectLst>
       </dgm:spPr>
       <dgm:t>
         <a:bodyPr/>
@@ -959,6 +2477,13 @@
             <a:schemeClr val="tx1"/>
           </a:solidFill>
         </a:ln>
+        <a:effectLst>
+          <a:outerShdw blurRad="50800" dist="76200" dir="5400000" algn="t" rotWithShape="0">
+            <a:prstClr val="black">
+              <a:alpha val="40000"/>
+            </a:prstClr>
+          </a:outerShdw>
+        </a:effectLst>
       </dgm:spPr>
       <dgm:t>
         <a:bodyPr/>
@@ -993,6 +2518,13 @@
             <a:schemeClr val="tx1"/>
           </a:solidFill>
         </a:ln>
+        <a:effectLst>
+          <a:outerShdw blurRad="50800" dist="76200" dir="5400000" algn="t" rotWithShape="0">
+            <a:prstClr val="black">
+              <a:alpha val="40000"/>
+            </a:prstClr>
+          </a:outerShdw>
+        </a:effectLst>
       </dgm:spPr>
       <dgm:t>
         <a:bodyPr/>
@@ -1004,7 +2536,15 @@
                 <a:schemeClr val="bg1"/>
               </a:solidFill>
             </a:rPr>
-            <a:t>4.3 Generate initial draft</a:t>
+            <a:t>4.3 </a:t>
+          </a:r>
+          <a:r>
+            <a:rPr lang="en-US" dirty="0" smtClean="0">
+              <a:solidFill>
+                <a:schemeClr val="bg1"/>
+              </a:solidFill>
+            </a:rPr>
+            <a:t>Generate draft CPS</a:t>
           </a:r>
           <a:endParaRPr lang="en-US" dirty="0">
             <a:solidFill>
@@ -1022,6 +2562,13 @@
             <a:schemeClr val="tx1"/>
           </a:solidFill>
         </a:ln>
+        <a:effectLst>
+          <a:outerShdw blurRad="50800" dist="76200" dir="5400000" algn="t" rotWithShape="0">
+            <a:prstClr val="black">
+              <a:alpha val="40000"/>
+            </a:prstClr>
+          </a:outerShdw>
+        </a:effectLst>
       </dgm:spPr>
       <dgm:t>
         <a:bodyPr/>
@@ -1056,6 +2603,13 @@
             <a:schemeClr val="tx1"/>
           </a:solidFill>
         </a:ln>
+        <a:effectLst>
+          <a:outerShdw blurRad="50800" dist="76200" dir="5400000" algn="t" rotWithShape="0">
+            <a:prstClr val="black">
+              <a:alpha val="40000"/>
+            </a:prstClr>
+          </a:outerShdw>
+        </a:effectLst>
       </dgm:spPr>
       <dgm:t>
         <a:bodyPr/>
@@ -1085,6 +2639,13 @@
             <a:schemeClr val="tx1"/>
           </a:solidFill>
         </a:ln>
+        <a:effectLst>
+          <a:outerShdw blurRad="50800" dist="76200" dir="5400000" algn="t" rotWithShape="0">
+            <a:prstClr val="black">
+              <a:alpha val="40000"/>
+            </a:prstClr>
+          </a:outerShdw>
+        </a:effectLst>
       </dgm:spPr>
       <dgm:t>
         <a:bodyPr/>
@@ -1119,6 +2680,13 @@
             <a:schemeClr val="tx1"/>
           </a:solidFill>
         </a:ln>
+        <a:effectLst>
+          <a:outerShdw blurRad="50800" dist="76200" dir="5400000" algn="t" rotWithShape="0">
+            <a:prstClr val="black">
+              <a:alpha val="40000"/>
+            </a:prstClr>
+          </a:outerShdw>
+        </a:effectLst>
       </dgm:spPr>
       <dgm:t>
         <a:bodyPr/>
@@ -1148,6 +2716,13 @@
             <a:schemeClr val="tx1"/>
           </a:solidFill>
         </a:ln>
+        <a:effectLst>
+          <a:outerShdw blurRad="50800" dist="76200" dir="5400000" algn="t" rotWithShape="0">
+            <a:prstClr val="black">
+              <a:alpha val="40000"/>
+            </a:prstClr>
+          </a:outerShdw>
+        </a:effectLst>
       </dgm:spPr>
       <dgm:t>
         <a:bodyPr/>
@@ -1182,6 +2757,13 @@
             <a:schemeClr val="tx1"/>
           </a:solidFill>
         </a:ln>
+        <a:effectLst>
+          <a:outerShdw blurRad="50800" dist="76200" dir="5400000" algn="t" rotWithShape="0">
+            <a:prstClr val="black">
+              <a:alpha val="40000"/>
+            </a:prstClr>
+          </a:outerShdw>
+        </a:effectLst>
       </dgm:spPr>
       <dgm:t>
         <a:bodyPr/>
@@ -1211,6 +2793,13 @@
             <a:schemeClr val="tx1"/>
           </a:solidFill>
         </a:ln>
+        <a:effectLst>
+          <a:outerShdw blurRad="50800" dist="76200" dir="5400000" algn="t" rotWithShape="0">
+            <a:prstClr val="black">
+              <a:alpha val="40000"/>
+            </a:prstClr>
+          </a:outerShdw>
+        </a:effectLst>
       </dgm:spPr>
       <dgm:t>
         <a:bodyPr/>
@@ -1245,6 +2834,13 @@
             <a:schemeClr val="tx1"/>
           </a:solidFill>
         </a:ln>
+        <a:effectLst>
+          <a:outerShdw blurRad="50800" dist="76200" dir="5400000" algn="t" rotWithShape="0">
+            <a:prstClr val="black">
+              <a:alpha val="40000"/>
+            </a:prstClr>
+          </a:outerShdw>
+        </a:effectLst>
       </dgm:spPr>
       <dgm:t>
         <a:bodyPr/>
@@ -1274,6 +2870,13 @@
             <a:schemeClr val="tx1"/>
           </a:solidFill>
         </a:ln>
+        <a:effectLst>
+          <a:outerShdw blurRad="50800" dist="76200" dir="5400000" algn="t" rotWithShape="0">
+            <a:prstClr val="black">
+              <a:alpha val="40000"/>
+            </a:prstClr>
+          </a:outerShdw>
+        </a:effectLst>
       </dgm:spPr>
       <dgm:t>
         <a:bodyPr/>
@@ -1308,6 +2911,13 @@
             <a:schemeClr val="tx1"/>
           </a:solidFill>
         </a:ln>
+        <a:effectLst>
+          <a:outerShdw blurRad="50800" dist="76200" dir="5400000" algn="t" rotWithShape="0">
+            <a:prstClr val="black">
+              <a:alpha val="40000"/>
+            </a:prstClr>
+          </a:outerShdw>
+        </a:effectLst>
       </dgm:spPr>
       <dgm:t>
         <a:bodyPr/>
@@ -1337,6 +2947,13 @@
             <a:schemeClr val="tx1"/>
           </a:solidFill>
         </a:ln>
+        <a:effectLst>
+          <a:outerShdw blurRad="50800" dist="76200" dir="5400000" algn="t" rotWithShape="0">
+            <a:prstClr val="black">
+              <a:alpha val="40000"/>
+            </a:prstClr>
+          </a:outerShdw>
+        </a:effectLst>
       </dgm:spPr>
       <dgm:t>
         <a:bodyPr/>
@@ -1371,6 +2988,13 @@
             <a:schemeClr val="tx1"/>
           </a:solidFill>
         </a:ln>
+        <a:effectLst>
+          <a:outerShdw blurRad="50800" dist="76200" dir="5400000" algn="t" rotWithShape="0">
+            <a:prstClr val="black">
+              <a:alpha val="40000"/>
+            </a:prstClr>
+          </a:outerShdw>
+        </a:effectLst>
       </dgm:spPr>
       <dgm:t>
         <a:bodyPr/>
@@ -1400,6 +3024,13 @@
             <a:schemeClr val="tx1"/>
           </a:solidFill>
         </a:ln>
+        <a:effectLst>
+          <a:outerShdw blurRad="50800" dist="76200" dir="5400000" algn="t" rotWithShape="0">
+            <a:prstClr val="black">
+              <a:alpha val="40000"/>
+            </a:prstClr>
+          </a:outerShdw>
+        </a:effectLst>
       </dgm:spPr>
       <dgm:t>
         <a:bodyPr/>
@@ -1434,6 +3065,13 @@
             <a:schemeClr val="tx1"/>
           </a:solidFill>
         </a:ln>
+        <a:effectLst>
+          <a:outerShdw blurRad="50800" dist="76200" dir="5400000" algn="t" rotWithShape="0">
+            <a:prstClr val="black">
+              <a:alpha val="40000"/>
+            </a:prstClr>
+          </a:outerShdw>
+        </a:effectLst>
       </dgm:spPr>
       <dgm:t>
         <a:bodyPr/>
@@ -1463,6 +3101,13 @@
             <a:schemeClr val="tx1"/>
           </a:solidFill>
         </a:ln>
+        <a:effectLst>
+          <a:outerShdw blurRad="50800" dist="76200" dir="5400000" algn="t" rotWithShape="0">
+            <a:prstClr val="black">
+              <a:alpha val="40000"/>
+            </a:prstClr>
+          </a:outerShdw>
+        </a:effectLst>
       </dgm:spPr>
       <dgm:t>
         <a:bodyPr/>
@@ -1494,6 +3139,13 @@
         </dgm:presLayoutVars>
       </dgm:prSet>
       <dgm:spPr/>
+      <dgm:t>
+        <a:bodyPr/>
+        <a:lstStyle/>
+        <a:p>
+          <a:endParaRPr lang="en-US"/>
+        </a:p>
+      </dgm:t>
     </dgm:pt>
     <dgm:pt modelId="{E815623F-DEAB-484A-ADBA-102C2BEF7E2B}" type="pres">
       <dgm:prSet presAssocID="{FEF3CAEF-25E6-7348-939F-EDB2EFD457BF}" presName="root" presStyleCnt="0"/>
@@ -1517,6 +3169,13 @@
     <dgm:pt modelId="{2D0A0A03-F618-E041-835A-7F030453FBE5}" type="pres">
       <dgm:prSet presAssocID="{FEF3CAEF-25E6-7348-939F-EDB2EFD457BF}" presName="rootConnector" presStyleLbl="node1" presStyleIdx="0" presStyleCnt="1"/>
       <dgm:spPr/>
+      <dgm:t>
+        <a:bodyPr/>
+        <a:lstStyle/>
+        <a:p>
+          <a:endParaRPr lang="en-US"/>
+        </a:p>
+      </dgm:t>
     </dgm:pt>
     <dgm:pt modelId="{791248D6-EDC1-BD46-85FA-8894E615C639}" type="pres">
       <dgm:prSet presAssocID="{FEF3CAEF-25E6-7348-939F-EDB2EFD457BF}" presName="childShape" presStyleCnt="0"/>
@@ -1525,6 +3184,13 @@
     <dgm:pt modelId="{F337E408-8110-604C-A33A-B39709FFE910}" type="pres">
       <dgm:prSet presAssocID="{48ADF062-D402-5F4F-9006-C674389CF425}" presName="Name13" presStyleLbl="parChTrans1D2" presStyleIdx="0" presStyleCnt="9"/>
       <dgm:spPr/>
+      <dgm:t>
+        <a:bodyPr/>
+        <a:lstStyle/>
+        <a:p>
+          <a:endParaRPr lang="en-US"/>
+        </a:p>
+      </dgm:t>
     </dgm:pt>
     <dgm:pt modelId="{68DED082-6400-584C-95F1-92F1564CB3EF}" type="pres">
       <dgm:prSet presAssocID="{C32B7192-DDE6-0D41-926E-013F55A7E558}" presName="childText" presStyleLbl="bgAcc1" presStyleIdx="0" presStyleCnt="9" custScaleX="65371" custScaleY="53737">
@@ -1544,6 +3210,13 @@
     <dgm:pt modelId="{62BCD62D-EF73-914E-83DB-D4548DEF5D6D}" type="pres">
       <dgm:prSet presAssocID="{E1652EEB-8723-A84E-AA87-7CBCBC442117}" presName="Name13" presStyleLbl="parChTrans1D2" presStyleIdx="1" presStyleCnt="9"/>
       <dgm:spPr/>
+      <dgm:t>
+        <a:bodyPr/>
+        <a:lstStyle/>
+        <a:p>
+          <a:endParaRPr lang="en-US"/>
+        </a:p>
+      </dgm:t>
     </dgm:pt>
     <dgm:pt modelId="{0E0C75C6-2576-4B46-83A8-0CB5AB955934}" type="pres">
       <dgm:prSet presAssocID="{898BE703-CF52-BD4A-9BD4-F878F4954B5E}" presName="childText" presStyleLbl="bgAcc1" presStyleIdx="1" presStyleCnt="9" custScaleX="64891" custScaleY="57704">
@@ -1563,6 +3236,13 @@
     <dgm:pt modelId="{15F731F9-722C-6044-BE9B-2CCE99D4C9DC}" type="pres">
       <dgm:prSet presAssocID="{4806F5DB-4B93-E04D-B9D1-F1781765C176}" presName="Name13" presStyleLbl="parChTrans1D2" presStyleIdx="2" presStyleCnt="9"/>
       <dgm:spPr/>
+      <dgm:t>
+        <a:bodyPr/>
+        <a:lstStyle/>
+        <a:p>
+          <a:endParaRPr lang="en-US"/>
+        </a:p>
+      </dgm:t>
     </dgm:pt>
     <dgm:pt modelId="{979EDCEC-4683-C847-A843-20097F473C71}" type="pres">
       <dgm:prSet presAssocID="{0A956F8D-F435-1C4C-9B7F-DBBF166680A3}" presName="childText" presStyleLbl="bgAcc1" presStyleIdx="2" presStyleCnt="9" custScaleX="67219" custScaleY="55028">
@@ -1582,21 +3262,42 @@
     <dgm:pt modelId="{DD823EBE-5C30-0449-AAAD-5A094FA535A1}" type="pres">
       <dgm:prSet presAssocID="{2B9D71DF-6896-F24C-A3D5-9316F10BBF8D}" presName="Name13" presStyleLbl="parChTrans1D2" presStyleIdx="3" presStyleCnt="9"/>
       <dgm:spPr/>
+      <dgm:t>
+        <a:bodyPr/>
+        <a:lstStyle/>
+        <a:p>
+          <a:endParaRPr lang="en-US"/>
+        </a:p>
+      </dgm:t>
     </dgm:pt>
     <dgm:pt modelId="{82E060AE-535A-724B-BB00-92DB03BE1FBE}" type="pres">
-      <dgm:prSet presAssocID="{7367D075-344A-2141-A7F8-EBD63433CE2F}" presName="childText" presStyleLbl="bgAcc1" presStyleIdx="3" presStyleCnt="9" custScaleX="69767" custScaleY="59977">
+      <dgm:prSet presAssocID="{7367D075-344A-2141-A7F8-EBD63433CE2F}" presName="childText" presStyleLbl="bgAcc1" presStyleIdx="3" presStyleCnt="9" custScaleX="69767" custScaleY="59977" custLinFactNeighborX="-1062" custLinFactNeighborY="73062">
         <dgm:presLayoutVars>
           <dgm:bulletEnabled val="1"/>
         </dgm:presLayoutVars>
       </dgm:prSet>
       <dgm:spPr/>
+      <dgm:t>
+        <a:bodyPr/>
+        <a:lstStyle/>
+        <a:p>
+          <a:endParaRPr lang="en-US"/>
+        </a:p>
+      </dgm:t>
     </dgm:pt>
     <dgm:pt modelId="{4A467909-D056-2B40-8155-30A656979B53}" type="pres">
       <dgm:prSet presAssocID="{558F6761-C41D-9E44-9F5F-98A29215D105}" presName="Name13" presStyleLbl="parChTrans1D2" presStyleIdx="4" presStyleCnt="9"/>
       <dgm:spPr/>
+      <dgm:t>
+        <a:bodyPr/>
+        <a:lstStyle/>
+        <a:p>
+          <a:endParaRPr lang="en-US"/>
+        </a:p>
+      </dgm:t>
     </dgm:pt>
     <dgm:pt modelId="{6F082CB6-2A64-4249-883F-F94FD8B00341}" type="pres">
-      <dgm:prSet presAssocID="{75842918-9E48-E949-98D3-D83C244350DD}" presName="childText" presStyleLbl="bgAcc1" presStyleIdx="4" presStyleCnt="9" custScaleX="68244" custScaleY="54720" custLinFactNeighborY="4840">
+      <dgm:prSet presAssocID="{75842918-9E48-E949-98D3-D83C244350DD}" presName="childText" presStyleLbl="bgAcc1" presStyleIdx="4" presStyleCnt="9" custScaleX="68244" custScaleY="54720" custLinFactNeighborX="-1062" custLinFactNeighborY="-85213">
         <dgm:presLayoutVars>
           <dgm:bulletEnabled val="1"/>
         </dgm:presLayoutVars>
@@ -1613,6 +3314,13 @@
     <dgm:pt modelId="{46408C14-F8FE-F34A-A90E-FC3D7812467E}" type="pres">
       <dgm:prSet presAssocID="{82C48C52-868B-8049-A4E3-0C7A2CAB551C}" presName="Name13" presStyleLbl="parChTrans1D2" presStyleIdx="5" presStyleCnt="9"/>
       <dgm:spPr/>
+      <dgm:t>
+        <a:bodyPr/>
+        <a:lstStyle/>
+        <a:p>
+          <a:endParaRPr lang="en-US"/>
+        </a:p>
+      </dgm:t>
     </dgm:pt>
     <dgm:pt modelId="{C9E9505F-12F2-9642-950E-E9CF5A8C0D15}" type="pres">
       <dgm:prSet presAssocID="{CEA352FD-85BE-DF46-B800-E34D323D5677}" presName="childText" presStyleLbl="bgAcc1" presStyleIdx="5" presStyleCnt="9" custScaleX="68266" custScaleY="55805">
@@ -1632,6 +3340,13 @@
     <dgm:pt modelId="{41836F19-72E9-C64C-8072-F369F3FA0CAB}" type="pres">
       <dgm:prSet presAssocID="{0C214053-75B7-2347-B8FE-3FA4B6290FF7}" presName="Name13" presStyleLbl="parChTrans1D2" presStyleIdx="6" presStyleCnt="9"/>
       <dgm:spPr/>
+      <dgm:t>
+        <a:bodyPr/>
+        <a:lstStyle/>
+        <a:p>
+          <a:endParaRPr lang="en-US"/>
+        </a:p>
+      </dgm:t>
     </dgm:pt>
     <dgm:pt modelId="{164B8E77-379C-2C49-BEDB-3D36A59BEF59}" type="pres">
       <dgm:prSet presAssocID="{A5DAD216-D4A4-9E43-80A9-84054C95E259}" presName="childText" presStyleLbl="bgAcc1" presStyleIdx="6" presStyleCnt="9" custScaleX="68604" custScaleY="58199" custLinFactNeighborY="2627">
@@ -1651,6 +3366,13 @@
     <dgm:pt modelId="{0CA02DDC-2351-5D42-A4F8-6FB9A41D94C0}" type="pres">
       <dgm:prSet presAssocID="{525013BD-D873-D249-8274-A06F9E735BAE}" presName="Name13" presStyleLbl="parChTrans1D2" presStyleIdx="7" presStyleCnt="9"/>
       <dgm:spPr/>
+      <dgm:t>
+        <a:bodyPr/>
+        <a:lstStyle/>
+        <a:p>
+          <a:endParaRPr lang="en-US"/>
+        </a:p>
+      </dgm:t>
     </dgm:pt>
     <dgm:pt modelId="{80988B16-4E11-9E49-B15F-857B5A65B116}" type="pres">
       <dgm:prSet presAssocID="{A643932E-DACB-BB4B-988B-781C6533E232}" presName="childText" presStyleLbl="bgAcc1" presStyleIdx="7" presStyleCnt="9" custScaleX="69092" custScaleY="59915">
@@ -1670,6 +3392,13 @@
     <dgm:pt modelId="{B7C1F590-45C5-554C-8279-47C65C94F67A}" type="pres">
       <dgm:prSet presAssocID="{69C9BFE8-4C3C-664B-B77F-040133D1FA43}" presName="Name13" presStyleLbl="parChTrans1D2" presStyleIdx="8" presStyleCnt="9"/>
       <dgm:spPr/>
+      <dgm:t>
+        <a:bodyPr/>
+        <a:lstStyle/>
+        <a:p>
+          <a:endParaRPr lang="en-US"/>
+        </a:p>
+      </dgm:t>
     </dgm:pt>
     <dgm:pt modelId="{59CC6A62-3826-E940-8EA9-ED81055DE0E1}" type="pres">
       <dgm:prSet presAssocID="{567FEA91-C4B9-C845-816D-220554A84138}" presName="childText" presStyleLbl="bgAcc1" presStyleIdx="8" presStyleCnt="9" custScaleX="69767" custScaleY="62595" custLinFactNeighborY="-1395">
@@ -1688,37 +3417,37 @@
     </dgm:pt>
   </dgm:ptLst>
   <dgm:cxnLst>
+    <dgm:cxn modelId="{029CA965-F4C8-3D4E-B3A1-2B786E3CE769}" srcId="{FEF3CAEF-25E6-7348-939F-EDB2EFD457BF}" destId="{567FEA91-C4B9-C845-816D-220554A84138}" srcOrd="8" destOrd="0" parTransId="{69C9BFE8-4C3C-664B-B77F-040133D1FA43}" sibTransId="{F3207989-4E52-1849-A925-2AF7CC65BCC3}"/>
+    <dgm:cxn modelId="{186C282E-3741-2A40-BD0E-A775021F01C1}" type="presOf" srcId="{2B9D71DF-6896-F24C-A3D5-9316F10BBF8D}" destId="{DD823EBE-5C30-0449-AAAD-5A094FA535A1}" srcOrd="0" destOrd="0" presId="urn:microsoft.com/office/officeart/2005/8/layout/hierarchy3"/>
+    <dgm:cxn modelId="{B6343932-E045-014A-A34A-DED24A17F9F6}" srcId="{FEF3CAEF-25E6-7348-939F-EDB2EFD457BF}" destId="{75842918-9E48-E949-98D3-D83C244350DD}" srcOrd="4" destOrd="0" parTransId="{558F6761-C41D-9E44-9F5F-98A29215D105}" sibTransId="{59DA29D6-E186-7F42-8028-561677A86880}"/>
+    <dgm:cxn modelId="{9EE558DD-A761-8945-8E9B-8D6BEE42FB15}" type="presOf" srcId="{898BE703-CF52-BD4A-9BD4-F878F4954B5E}" destId="{0E0C75C6-2576-4B46-83A8-0CB5AB955934}" srcOrd="0" destOrd="0" presId="urn:microsoft.com/office/officeart/2005/8/layout/hierarchy3"/>
+    <dgm:cxn modelId="{9EEFE636-04F4-BB47-914E-8FC328EACF89}" type="presOf" srcId="{7367D075-344A-2141-A7F8-EBD63433CE2F}" destId="{82E060AE-535A-724B-BB00-92DB03BE1FBE}" srcOrd="0" destOrd="0" presId="urn:microsoft.com/office/officeart/2005/8/layout/hierarchy3"/>
+    <dgm:cxn modelId="{39FEE5E8-14A5-744A-A053-690029AF6ABB}" srcId="{FEF3CAEF-25E6-7348-939F-EDB2EFD457BF}" destId="{A5DAD216-D4A4-9E43-80A9-84054C95E259}" srcOrd="6" destOrd="0" parTransId="{0C214053-75B7-2347-B8FE-3FA4B6290FF7}" sibTransId="{80E0290F-4745-044A-BB46-931B43FA3975}"/>
+    <dgm:cxn modelId="{26A97A9E-D5E3-9247-9CE5-4F7DDFC705F4}" type="presOf" srcId="{567FEA91-C4B9-C845-816D-220554A84138}" destId="{59CC6A62-3826-E940-8EA9-ED81055DE0E1}" srcOrd="0" destOrd="0" presId="urn:microsoft.com/office/officeart/2005/8/layout/hierarchy3"/>
+    <dgm:cxn modelId="{E511ED8D-64F1-0048-8D93-CB99FCCC3A9A}" type="presOf" srcId="{82C48C52-868B-8049-A4E3-0C7A2CAB551C}" destId="{46408C14-F8FE-F34A-A90E-FC3D7812467E}" srcOrd="0" destOrd="0" presId="urn:microsoft.com/office/officeart/2005/8/layout/hierarchy3"/>
+    <dgm:cxn modelId="{0C3061C4-7C33-7A46-ABE8-48D25273EF88}" type="presOf" srcId="{FEF3CAEF-25E6-7348-939F-EDB2EFD457BF}" destId="{2D0A0A03-F618-E041-835A-7F030453FBE5}" srcOrd="1" destOrd="0" presId="urn:microsoft.com/office/officeart/2005/8/layout/hierarchy3"/>
     <dgm:cxn modelId="{384EEA70-D629-D04D-9533-F07E7BDB4619}" type="presOf" srcId="{A643932E-DACB-BB4B-988B-781C6533E232}" destId="{80988B16-4E11-9E49-B15F-857B5A65B116}" srcOrd="0" destOrd="0" presId="urn:microsoft.com/office/officeart/2005/8/layout/hierarchy3"/>
+    <dgm:cxn modelId="{DDC46F15-6252-1F48-AEC3-16E03C64C7FD}" type="presOf" srcId="{558F6761-C41D-9E44-9F5F-98A29215D105}" destId="{4A467909-D056-2B40-8155-30A656979B53}" srcOrd="0" destOrd="0" presId="urn:microsoft.com/office/officeart/2005/8/layout/hierarchy3"/>
+    <dgm:cxn modelId="{E40CB661-200D-A44F-85A7-EFAA4D50963F}" type="presOf" srcId="{A5DAD216-D4A4-9E43-80A9-84054C95E259}" destId="{164B8E77-379C-2C49-BEDB-3D36A59BEF59}" srcOrd="0" destOrd="0" presId="urn:microsoft.com/office/officeart/2005/8/layout/hierarchy3"/>
+    <dgm:cxn modelId="{465E541A-4873-5B42-80E4-EE1E63EACC24}" type="presOf" srcId="{69C9BFE8-4C3C-664B-B77F-040133D1FA43}" destId="{B7C1F590-45C5-554C-8279-47C65C94F67A}" srcOrd="0" destOrd="0" presId="urn:microsoft.com/office/officeart/2005/8/layout/hierarchy3"/>
+    <dgm:cxn modelId="{32C1C624-24FA-6D4F-AD8B-EEABCE1CA021}" srcId="{FEF3CAEF-25E6-7348-939F-EDB2EFD457BF}" destId="{7367D075-344A-2141-A7F8-EBD63433CE2F}" srcOrd="3" destOrd="0" parTransId="{2B9D71DF-6896-F24C-A3D5-9316F10BBF8D}" sibTransId="{3D529736-DF47-A743-B0CA-A1AC19C1F623}"/>
+    <dgm:cxn modelId="{90D54097-0936-1B4F-863B-FD3F2DF24EDC}" type="presOf" srcId="{E1652EEB-8723-A84E-AA87-7CBCBC442117}" destId="{62BCD62D-EF73-914E-83DB-D4548DEF5D6D}" srcOrd="0" destOrd="0" presId="urn:microsoft.com/office/officeart/2005/8/layout/hierarchy3"/>
+    <dgm:cxn modelId="{F0C5689A-942B-844F-AEB7-81655C4370E0}" srcId="{FEF3CAEF-25E6-7348-939F-EDB2EFD457BF}" destId="{CEA352FD-85BE-DF46-B800-E34D323D5677}" srcOrd="5" destOrd="0" parTransId="{82C48C52-868B-8049-A4E3-0C7A2CAB551C}" sibTransId="{CDD0793B-C925-7B4B-8E55-965C15BE9E64}"/>
+    <dgm:cxn modelId="{0B2757E4-C20E-E14B-BE87-D6AA8D89EA1B}" type="presOf" srcId="{525013BD-D873-D249-8274-A06F9E735BAE}" destId="{0CA02DDC-2351-5D42-A4F8-6FB9A41D94C0}" srcOrd="0" destOrd="0" presId="urn:microsoft.com/office/officeart/2005/8/layout/hierarchy3"/>
+    <dgm:cxn modelId="{2BCE4B16-2DE3-334E-B828-6457635D236B}" type="presOf" srcId="{FEF3CAEF-25E6-7348-939F-EDB2EFD457BF}" destId="{27226BDC-03CC-7D4D-9712-EBE27C2CE90B}" srcOrd="0" destOrd="0" presId="urn:microsoft.com/office/officeart/2005/8/layout/hierarchy3"/>
+    <dgm:cxn modelId="{20CB6BD8-0DBE-ED4F-8A1F-48099BDF1CFD}" srcId="{5642CC11-95AD-3A43-A9D2-3A695B319A2B}" destId="{FEF3CAEF-25E6-7348-939F-EDB2EFD457BF}" srcOrd="0" destOrd="0" parTransId="{5082D68F-B93D-FD4E-B8ED-B8C3A64EBB19}" sibTransId="{D77282AB-E305-8647-882F-2DA3543F70B1}"/>
+    <dgm:cxn modelId="{F19BEC14-7FE5-FB43-BE4E-43C6C3AECBD8}" srcId="{FEF3CAEF-25E6-7348-939F-EDB2EFD457BF}" destId="{898BE703-CF52-BD4A-9BD4-F878F4954B5E}" srcOrd="1" destOrd="0" parTransId="{E1652EEB-8723-A84E-AA87-7CBCBC442117}" sibTransId="{291A6204-5B3C-6348-B9E9-10C16C3E1897}"/>
+    <dgm:cxn modelId="{CC11121B-42D7-864D-8C9A-FA12DB61135B}" type="presOf" srcId="{5642CC11-95AD-3A43-A9D2-3A695B319A2B}" destId="{A5D4EBE5-1470-054C-8CF6-335D66E9AA93}" srcOrd="0" destOrd="0" presId="urn:microsoft.com/office/officeart/2005/8/layout/hierarchy3"/>
     <dgm:cxn modelId="{05AF22BC-E5BA-A04D-B3A1-0B85E4D10439}" srcId="{FEF3CAEF-25E6-7348-939F-EDB2EFD457BF}" destId="{0A956F8D-F435-1C4C-9B7F-DBBF166680A3}" srcOrd="2" destOrd="0" parTransId="{4806F5DB-4B93-E04D-B9D1-F1781765C176}" sibTransId="{BAB395D9-D42E-C340-A720-D45B85E51825}"/>
-    <dgm:cxn modelId="{32C1C624-24FA-6D4F-AD8B-EEABCE1CA021}" srcId="{FEF3CAEF-25E6-7348-939F-EDB2EFD457BF}" destId="{7367D075-344A-2141-A7F8-EBD63433CE2F}" srcOrd="3" destOrd="0" parTransId="{2B9D71DF-6896-F24C-A3D5-9316F10BBF8D}" sibTransId="{3D529736-DF47-A743-B0CA-A1AC19C1F623}"/>
-    <dgm:cxn modelId="{465E541A-4873-5B42-80E4-EE1E63EACC24}" type="presOf" srcId="{69C9BFE8-4C3C-664B-B77F-040133D1FA43}" destId="{B7C1F590-45C5-554C-8279-47C65C94F67A}" srcOrd="0" destOrd="0" presId="urn:microsoft.com/office/officeart/2005/8/layout/hierarchy3"/>
-    <dgm:cxn modelId="{CC11121B-42D7-864D-8C9A-FA12DB61135B}" type="presOf" srcId="{5642CC11-95AD-3A43-A9D2-3A695B319A2B}" destId="{A5D4EBE5-1470-054C-8CF6-335D66E9AA93}" srcOrd="0" destOrd="0" presId="urn:microsoft.com/office/officeart/2005/8/layout/hierarchy3"/>
-    <dgm:cxn modelId="{A2A9BC6F-A99E-0A46-8A72-108FCED5C787}" srcId="{FEF3CAEF-25E6-7348-939F-EDB2EFD457BF}" destId="{A643932E-DACB-BB4B-988B-781C6533E232}" srcOrd="7" destOrd="0" parTransId="{525013BD-D873-D249-8274-A06F9E735BAE}" sibTransId="{2CA23253-E7DE-4D4C-84C3-2D3E85E2698E}"/>
-    <dgm:cxn modelId="{20CB6BD8-0DBE-ED4F-8A1F-48099BDF1CFD}" srcId="{5642CC11-95AD-3A43-A9D2-3A695B319A2B}" destId="{FEF3CAEF-25E6-7348-939F-EDB2EFD457BF}" srcOrd="0" destOrd="0" parTransId="{5082D68F-B93D-FD4E-B8ED-B8C3A64EBB19}" sibTransId="{D77282AB-E305-8647-882F-2DA3543F70B1}"/>
+    <dgm:cxn modelId="{E2458AB9-8271-3C49-9C14-A428711F4DB6}" type="presOf" srcId="{0A956F8D-F435-1C4C-9B7F-DBBF166680A3}" destId="{979EDCEC-4683-C847-A843-20097F473C71}" srcOrd="0" destOrd="0" presId="urn:microsoft.com/office/officeart/2005/8/layout/hierarchy3"/>
+    <dgm:cxn modelId="{C3A57CF4-D817-4545-B83F-1136971F3CF8}" type="presOf" srcId="{C32B7192-DDE6-0D41-926E-013F55A7E558}" destId="{68DED082-6400-584C-95F1-92F1564CB3EF}" srcOrd="0" destOrd="0" presId="urn:microsoft.com/office/officeart/2005/8/layout/hierarchy3"/>
+    <dgm:cxn modelId="{696FE193-4344-A548-BA78-7A2B933509DB}" srcId="{FEF3CAEF-25E6-7348-939F-EDB2EFD457BF}" destId="{C32B7192-DDE6-0D41-926E-013F55A7E558}" srcOrd="0" destOrd="0" parTransId="{48ADF062-D402-5F4F-9006-C674389CF425}" sibTransId="{805D2346-E852-0B42-B17F-93D03B7668B0}"/>
+    <dgm:cxn modelId="{7DFC3000-4440-C94E-99C7-4BD3DCC5E385}" type="presOf" srcId="{75842918-9E48-E949-98D3-D83C244350DD}" destId="{6F082CB6-2A64-4249-883F-F94FD8B00341}" srcOrd="0" destOrd="0" presId="urn:microsoft.com/office/officeart/2005/8/layout/hierarchy3"/>
     <dgm:cxn modelId="{30954BD0-221F-B64E-8B5E-284C96DC89FE}" type="presOf" srcId="{0C214053-75B7-2347-B8FE-3FA4B6290FF7}" destId="{41836F19-72E9-C64C-8072-F369F3FA0CAB}" srcOrd="0" destOrd="0" presId="urn:microsoft.com/office/officeart/2005/8/layout/hierarchy3"/>
     <dgm:cxn modelId="{0BDA68BF-C537-6541-9469-324C2368E4EE}" type="presOf" srcId="{CEA352FD-85BE-DF46-B800-E34D323D5677}" destId="{C9E9505F-12F2-9642-950E-E9CF5A8C0D15}" srcOrd="0" destOrd="0" presId="urn:microsoft.com/office/officeart/2005/8/layout/hierarchy3"/>
-    <dgm:cxn modelId="{2BCE4B16-2DE3-334E-B828-6457635D236B}" type="presOf" srcId="{FEF3CAEF-25E6-7348-939F-EDB2EFD457BF}" destId="{27226BDC-03CC-7D4D-9712-EBE27C2CE90B}" srcOrd="0" destOrd="0" presId="urn:microsoft.com/office/officeart/2005/8/layout/hierarchy3"/>
-    <dgm:cxn modelId="{90D54097-0936-1B4F-863B-FD3F2DF24EDC}" type="presOf" srcId="{E1652EEB-8723-A84E-AA87-7CBCBC442117}" destId="{62BCD62D-EF73-914E-83DB-D4548DEF5D6D}" srcOrd="0" destOrd="0" presId="urn:microsoft.com/office/officeart/2005/8/layout/hierarchy3"/>
-    <dgm:cxn modelId="{0B2757E4-C20E-E14B-BE87-D6AA8D89EA1B}" type="presOf" srcId="{525013BD-D873-D249-8274-A06F9E735BAE}" destId="{0CA02DDC-2351-5D42-A4F8-6FB9A41D94C0}" srcOrd="0" destOrd="0" presId="urn:microsoft.com/office/officeart/2005/8/layout/hierarchy3"/>
-    <dgm:cxn modelId="{186C282E-3741-2A40-BD0E-A775021F01C1}" type="presOf" srcId="{2B9D71DF-6896-F24C-A3D5-9316F10BBF8D}" destId="{DD823EBE-5C30-0449-AAAD-5A094FA535A1}" srcOrd="0" destOrd="0" presId="urn:microsoft.com/office/officeart/2005/8/layout/hierarchy3"/>
-    <dgm:cxn modelId="{B6343932-E045-014A-A34A-DED24A17F9F6}" srcId="{FEF3CAEF-25E6-7348-939F-EDB2EFD457BF}" destId="{75842918-9E48-E949-98D3-D83C244350DD}" srcOrd="4" destOrd="0" parTransId="{558F6761-C41D-9E44-9F5F-98A29215D105}" sibTransId="{59DA29D6-E186-7F42-8028-561677A86880}"/>
-    <dgm:cxn modelId="{029CA965-F4C8-3D4E-B3A1-2B786E3CE769}" srcId="{FEF3CAEF-25E6-7348-939F-EDB2EFD457BF}" destId="{567FEA91-C4B9-C845-816D-220554A84138}" srcOrd="8" destOrd="0" parTransId="{69C9BFE8-4C3C-664B-B77F-040133D1FA43}" sibTransId="{F3207989-4E52-1849-A925-2AF7CC65BCC3}"/>
+    <dgm:cxn modelId="{60607D79-364E-7244-A805-7BA2659BD35A}" type="presOf" srcId="{48ADF062-D402-5F4F-9006-C674389CF425}" destId="{F337E408-8110-604C-A33A-B39709FFE910}" srcOrd="0" destOrd="0" presId="urn:microsoft.com/office/officeart/2005/8/layout/hierarchy3"/>
     <dgm:cxn modelId="{CFE99D3E-896E-9141-9462-44CE3E4DB89A}" type="presOf" srcId="{4806F5DB-4B93-E04D-B9D1-F1781765C176}" destId="{15F731F9-722C-6044-BE9B-2CCE99D4C9DC}" srcOrd="0" destOrd="0" presId="urn:microsoft.com/office/officeart/2005/8/layout/hierarchy3"/>
-    <dgm:cxn modelId="{C3A57CF4-D817-4545-B83F-1136971F3CF8}" type="presOf" srcId="{C32B7192-DDE6-0D41-926E-013F55A7E558}" destId="{68DED082-6400-584C-95F1-92F1564CB3EF}" srcOrd="0" destOrd="0" presId="urn:microsoft.com/office/officeart/2005/8/layout/hierarchy3"/>
-    <dgm:cxn modelId="{E40CB661-200D-A44F-85A7-EFAA4D50963F}" type="presOf" srcId="{A5DAD216-D4A4-9E43-80A9-84054C95E259}" destId="{164B8E77-379C-2C49-BEDB-3D36A59BEF59}" srcOrd="0" destOrd="0" presId="urn:microsoft.com/office/officeart/2005/8/layout/hierarchy3"/>
-    <dgm:cxn modelId="{60607D79-364E-7244-A805-7BA2659BD35A}" type="presOf" srcId="{48ADF062-D402-5F4F-9006-C674389CF425}" destId="{F337E408-8110-604C-A33A-B39709FFE910}" srcOrd="0" destOrd="0" presId="urn:microsoft.com/office/officeart/2005/8/layout/hierarchy3"/>
-    <dgm:cxn modelId="{0C3061C4-7C33-7A46-ABE8-48D25273EF88}" type="presOf" srcId="{FEF3CAEF-25E6-7348-939F-EDB2EFD457BF}" destId="{2D0A0A03-F618-E041-835A-7F030453FBE5}" srcOrd="1" destOrd="0" presId="urn:microsoft.com/office/officeart/2005/8/layout/hierarchy3"/>
-    <dgm:cxn modelId="{39FEE5E8-14A5-744A-A053-690029AF6ABB}" srcId="{FEF3CAEF-25E6-7348-939F-EDB2EFD457BF}" destId="{A5DAD216-D4A4-9E43-80A9-84054C95E259}" srcOrd="6" destOrd="0" parTransId="{0C214053-75B7-2347-B8FE-3FA4B6290FF7}" sibTransId="{80E0290F-4745-044A-BB46-931B43FA3975}"/>
-    <dgm:cxn modelId="{E2458AB9-8271-3C49-9C14-A428711F4DB6}" type="presOf" srcId="{0A956F8D-F435-1C4C-9B7F-DBBF166680A3}" destId="{979EDCEC-4683-C847-A843-20097F473C71}" srcOrd="0" destOrd="0" presId="urn:microsoft.com/office/officeart/2005/8/layout/hierarchy3"/>
-    <dgm:cxn modelId="{E511ED8D-64F1-0048-8D93-CB99FCCC3A9A}" type="presOf" srcId="{82C48C52-868B-8049-A4E3-0C7A2CAB551C}" destId="{46408C14-F8FE-F34A-A90E-FC3D7812467E}" srcOrd="0" destOrd="0" presId="urn:microsoft.com/office/officeart/2005/8/layout/hierarchy3"/>
-    <dgm:cxn modelId="{26A97A9E-D5E3-9247-9CE5-4F7DDFC705F4}" type="presOf" srcId="{567FEA91-C4B9-C845-816D-220554A84138}" destId="{59CC6A62-3826-E940-8EA9-ED81055DE0E1}" srcOrd="0" destOrd="0" presId="urn:microsoft.com/office/officeart/2005/8/layout/hierarchy3"/>
-    <dgm:cxn modelId="{F0C5689A-942B-844F-AEB7-81655C4370E0}" srcId="{FEF3CAEF-25E6-7348-939F-EDB2EFD457BF}" destId="{CEA352FD-85BE-DF46-B800-E34D323D5677}" srcOrd="5" destOrd="0" parTransId="{82C48C52-868B-8049-A4E3-0C7A2CAB551C}" sibTransId="{CDD0793B-C925-7B4B-8E55-965C15BE9E64}"/>
-    <dgm:cxn modelId="{9EE558DD-A761-8945-8E9B-8D6BEE42FB15}" type="presOf" srcId="{898BE703-CF52-BD4A-9BD4-F878F4954B5E}" destId="{0E0C75C6-2576-4B46-83A8-0CB5AB955934}" srcOrd="0" destOrd="0" presId="urn:microsoft.com/office/officeart/2005/8/layout/hierarchy3"/>
-    <dgm:cxn modelId="{696FE193-4344-A548-BA78-7A2B933509DB}" srcId="{FEF3CAEF-25E6-7348-939F-EDB2EFD457BF}" destId="{C32B7192-DDE6-0D41-926E-013F55A7E558}" srcOrd="0" destOrd="0" parTransId="{48ADF062-D402-5F4F-9006-C674389CF425}" sibTransId="{805D2346-E852-0B42-B17F-93D03B7668B0}"/>
-    <dgm:cxn modelId="{7DFC3000-4440-C94E-99C7-4BD3DCC5E385}" type="presOf" srcId="{75842918-9E48-E949-98D3-D83C244350DD}" destId="{6F082CB6-2A64-4249-883F-F94FD8B00341}" srcOrd="0" destOrd="0" presId="urn:microsoft.com/office/officeart/2005/8/layout/hierarchy3"/>
-    <dgm:cxn modelId="{9EEFE636-04F4-BB47-914E-8FC328EACF89}" type="presOf" srcId="{7367D075-344A-2141-A7F8-EBD63433CE2F}" destId="{82E060AE-535A-724B-BB00-92DB03BE1FBE}" srcOrd="0" destOrd="0" presId="urn:microsoft.com/office/officeart/2005/8/layout/hierarchy3"/>
-    <dgm:cxn modelId="{F19BEC14-7FE5-FB43-BE4E-43C6C3AECBD8}" srcId="{FEF3CAEF-25E6-7348-939F-EDB2EFD457BF}" destId="{898BE703-CF52-BD4A-9BD4-F878F4954B5E}" srcOrd="1" destOrd="0" parTransId="{E1652EEB-8723-A84E-AA87-7CBCBC442117}" sibTransId="{291A6204-5B3C-6348-B9E9-10C16C3E1897}"/>
-    <dgm:cxn modelId="{DDC46F15-6252-1F48-AEC3-16E03C64C7FD}" type="presOf" srcId="{558F6761-C41D-9E44-9F5F-98A29215D105}" destId="{4A467909-D056-2B40-8155-30A656979B53}" srcOrd="0" destOrd="0" presId="urn:microsoft.com/office/officeart/2005/8/layout/hierarchy3"/>
+    <dgm:cxn modelId="{A2A9BC6F-A99E-0A46-8A72-108FCED5C787}" srcId="{FEF3CAEF-25E6-7348-939F-EDB2EFD457BF}" destId="{A643932E-DACB-BB4B-988B-781C6533E232}" srcOrd="7" destOrd="0" parTransId="{525013BD-D873-D249-8274-A06F9E735BAE}" sibTransId="{2CA23253-E7DE-4D4C-84C3-2D3E85E2698E}"/>
     <dgm:cxn modelId="{79CF8A25-C0E7-8A48-A28F-93646BE4E9C8}" type="presParOf" srcId="{A5D4EBE5-1470-054C-8CF6-335D66E9AA93}" destId="{E815623F-DEAB-484A-ADBA-102C2BEF7E2B}" srcOrd="0" destOrd="0" presId="urn:microsoft.com/office/officeart/2005/8/layout/hierarchy3"/>
     <dgm:cxn modelId="{77A04BAE-A5BE-5245-A9B3-A71218343063}" type="presParOf" srcId="{E815623F-DEAB-484A-ADBA-102C2BEF7E2B}" destId="{C78C8A38-5003-0242-8BC5-6588D6FC4EF0}" srcOrd="0" destOrd="0" presId="urn:microsoft.com/office/officeart/2005/8/layout/hierarchy3"/>
     <dgm:cxn modelId="{527BDD37-0026-C543-ACA2-65DED17435B9}" type="presParOf" srcId="{C78C8A38-5003-0242-8BC5-6588D6FC4EF0}" destId="{27226BDC-03CC-7D4D-9712-EBE27C2CE90B}" srcOrd="0" destOrd="0" presId="urn:microsoft.com/office/officeart/2005/8/layout/hierarchy3"/>
@@ -1768,6 +3497,1047 @@
 </dgm:dataModel>
 </file>
 
+<file path=ppt/diagrams/data2.xml><?xml version="1.0" encoding="utf-8"?>
+<dgm:dataModel xmlns:dgm="http://schemas.openxmlformats.org/drawingml/2006/diagram" xmlns:a="http://schemas.openxmlformats.org/drawingml/2006/main">
+  <dgm:ptLst>
+    <dgm:pt modelId="{6E40BCDC-D5F9-BF47-9925-789207C196F1}" type="doc">
+      <dgm:prSet loTypeId="urn:microsoft.com/office/officeart/2005/8/layout/hierarchy3" loCatId="" qsTypeId="urn:microsoft.com/office/officeart/2005/8/quickstyle/3D1" qsCatId="3D" csTypeId="urn:microsoft.com/office/officeart/2005/8/colors/accent1_2" csCatId="accent1" phldr="1"/>
+      <dgm:spPr/>
+      <dgm:t>
+        <a:bodyPr/>
+        <a:lstStyle/>
+        <a:p>
+          <a:endParaRPr lang="en-US"/>
+        </a:p>
+      </dgm:t>
+    </dgm:pt>
+    <dgm:pt modelId="{3BB09CFE-E1A5-0B49-8C68-AB4D557B7341}">
+      <dgm:prSet phldrT="[Text]"/>
+      <dgm:spPr>
+        <a:solidFill>
+          <a:schemeClr val="accent2">
+            <a:lumMod val="75000"/>
+          </a:schemeClr>
+        </a:solidFill>
+        <a:ln>
+          <a:solidFill>
+            <a:schemeClr val="tx1"/>
+          </a:solidFill>
+        </a:ln>
+        <a:effectLst>
+          <a:outerShdw blurRad="50800" dist="76200" dir="5400000" algn="t" rotWithShape="0">
+            <a:prstClr val="black">
+              <a:alpha val="40000"/>
+            </a:prstClr>
+          </a:outerShdw>
+        </a:effectLst>
+      </dgm:spPr>
+      <dgm:t>
+        <a:bodyPr/>
+        <a:lstStyle/>
+        <a:p>
+          <a:r>
+            <a:rPr lang="en-US" smtClean="0">
+              <a:solidFill>
+                <a:schemeClr val="bg1"/>
+              </a:solidFill>
+            </a:rPr>
+            <a:t>4.3 Generate initial draft</a:t>
+          </a:r>
+          <a:endParaRPr lang="en-US" dirty="0">
+            <a:solidFill>
+              <a:schemeClr val="bg1"/>
+            </a:solidFill>
+          </a:endParaRPr>
+        </a:p>
+      </dgm:t>
+    </dgm:pt>
+    <dgm:pt modelId="{94EC2089-75EB-3E41-9243-3505449532BD}" type="parTrans" cxnId="{F073174C-A266-9E44-99EB-E8DCB4EEC61F}">
+      <dgm:prSet/>
+      <dgm:spPr/>
+      <dgm:t>
+        <a:bodyPr/>
+        <a:lstStyle/>
+        <a:p>
+          <a:endParaRPr lang="en-US"/>
+        </a:p>
+      </dgm:t>
+    </dgm:pt>
+    <dgm:pt modelId="{41479FD3-2972-1042-9986-8445A3951EA6}" type="sibTrans" cxnId="{F073174C-A266-9E44-99EB-E8DCB4EEC61F}">
+      <dgm:prSet/>
+      <dgm:spPr/>
+      <dgm:t>
+        <a:bodyPr/>
+        <a:lstStyle/>
+        <a:p>
+          <a:endParaRPr lang="en-US"/>
+        </a:p>
+      </dgm:t>
+    </dgm:pt>
+    <dgm:pt modelId="{F8694217-8B7C-A34B-8454-37140439DBBF}">
+      <dgm:prSet phldrT="[Text]"/>
+      <dgm:spPr>
+        <a:solidFill>
+          <a:schemeClr val="accent2">
+            <a:lumMod val="75000"/>
+          </a:schemeClr>
+        </a:solidFill>
+        <a:ln>
+          <a:solidFill>
+            <a:schemeClr val="tx1"/>
+          </a:solidFill>
+        </a:ln>
+        <a:effectLst>
+          <a:outerShdw blurRad="50800" dist="76200" dir="5400000" algn="t" rotWithShape="0">
+            <a:prstClr val="black">
+              <a:alpha val="40000"/>
+            </a:prstClr>
+          </a:outerShdw>
+        </a:effectLst>
+      </dgm:spPr>
+      <dgm:t>
+        <a:bodyPr/>
+        <a:lstStyle/>
+        <a:p>
+          <a:r>
+            <a:rPr lang="en-US" smtClean="0">
+              <a:solidFill>
+                <a:schemeClr val="bg1"/>
+              </a:solidFill>
+            </a:rPr>
+            <a:t>4.3.1 Check Eligibility </a:t>
+          </a:r>
+          <a:endParaRPr lang="en-US" dirty="0">
+            <a:solidFill>
+              <a:schemeClr val="bg1"/>
+            </a:solidFill>
+          </a:endParaRPr>
+        </a:p>
+      </dgm:t>
+    </dgm:pt>
+    <dgm:pt modelId="{1BE0CFFF-205E-674F-901B-4F6928571C69}" type="parTrans" cxnId="{39CD9A8C-BE1B-6841-A46A-D8F87A340F2B}">
+      <dgm:prSet/>
+      <dgm:spPr>
+        <a:solidFill>
+          <a:schemeClr val="accent2">
+            <a:lumMod val="75000"/>
+          </a:schemeClr>
+        </a:solidFill>
+        <a:ln>
+          <a:solidFill>
+            <a:schemeClr val="tx1"/>
+          </a:solidFill>
+        </a:ln>
+        <a:effectLst>
+          <a:outerShdw blurRad="50800" dist="76200" dir="5400000" algn="t" rotWithShape="0">
+            <a:prstClr val="black">
+              <a:alpha val="40000"/>
+            </a:prstClr>
+          </a:outerShdw>
+        </a:effectLst>
+      </dgm:spPr>
+      <dgm:t>
+        <a:bodyPr/>
+        <a:lstStyle/>
+        <a:p>
+          <a:endParaRPr lang="en-US">
+            <a:solidFill>
+              <a:schemeClr val="bg1"/>
+            </a:solidFill>
+          </a:endParaRPr>
+        </a:p>
+      </dgm:t>
+    </dgm:pt>
+    <dgm:pt modelId="{47C914CF-F5BA-EC46-A96A-5760E28058B9}" type="sibTrans" cxnId="{39CD9A8C-BE1B-6841-A46A-D8F87A340F2B}">
+      <dgm:prSet/>
+      <dgm:spPr/>
+      <dgm:t>
+        <a:bodyPr/>
+        <a:lstStyle/>
+        <a:p>
+          <a:endParaRPr lang="en-US"/>
+        </a:p>
+      </dgm:t>
+    </dgm:pt>
+    <dgm:pt modelId="{7BB62172-FFEB-0C46-93C8-881DF4088BC1}">
+      <dgm:prSet phldrT="[Text]"/>
+      <dgm:spPr>
+        <a:solidFill>
+          <a:schemeClr val="accent2">
+            <a:lumMod val="75000"/>
+          </a:schemeClr>
+        </a:solidFill>
+        <a:ln>
+          <a:solidFill>
+            <a:schemeClr val="tx1"/>
+          </a:solidFill>
+        </a:ln>
+        <a:effectLst>
+          <a:outerShdw blurRad="50800" dist="76200" dir="5400000" algn="t" rotWithShape="0">
+            <a:prstClr val="black">
+              <a:alpha val="40000"/>
+            </a:prstClr>
+          </a:outerShdw>
+        </a:effectLst>
+      </dgm:spPr>
+      <dgm:t>
+        <a:bodyPr/>
+        <a:lstStyle/>
+        <a:p>
+          <a:r>
+            <a:rPr lang="en-US" smtClean="0">
+              <a:solidFill>
+                <a:schemeClr val="bg1"/>
+              </a:solidFill>
+            </a:rPr>
+            <a:t>4.3.2 Assign Foundations if any  </a:t>
+          </a:r>
+          <a:endParaRPr lang="en-US" dirty="0">
+            <a:solidFill>
+              <a:schemeClr val="bg1"/>
+            </a:solidFill>
+          </a:endParaRPr>
+        </a:p>
+      </dgm:t>
+    </dgm:pt>
+    <dgm:pt modelId="{08835348-2276-E44A-94C9-65D16668927E}" type="parTrans" cxnId="{09F02C71-FE00-5749-91AC-328F61F9704C}">
+      <dgm:prSet/>
+      <dgm:spPr>
+        <a:solidFill>
+          <a:schemeClr val="accent2">
+            <a:lumMod val="75000"/>
+          </a:schemeClr>
+        </a:solidFill>
+        <a:ln>
+          <a:solidFill>
+            <a:schemeClr val="tx1"/>
+          </a:solidFill>
+        </a:ln>
+        <a:effectLst>
+          <a:outerShdw blurRad="50800" dist="76200" dir="5400000" algn="t" rotWithShape="0">
+            <a:prstClr val="black">
+              <a:alpha val="40000"/>
+            </a:prstClr>
+          </a:outerShdw>
+        </a:effectLst>
+      </dgm:spPr>
+      <dgm:t>
+        <a:bodyPr/>
+        <a:lstStyle/>
+        <a:p>
+          <a:endParaRPr lang="en-US">
+            <a:solidFill>
+              <a:schemeClr val="bg1"/>
+            </a:solidFill>
+          </a:endParaRPr>
+        </a:p>
+      </dgm:t>
+    </dgm:pt>
+    <dgm:pt modelId="{F92A07AA-ABA8-9C41-8449-28927C7B2B69}" type="sibTrans" cxnId="{09F02C71-FE00-5749-91AC-328F61F9704C}">
+      <dgm:prSet/>
+      <dgm:spPr/>
+      <dgm:t>
+        <a:bodyPr/>
+        <a:lstStyle/>
+        <a:p>
+          <a:endParaRPr lang="en-US"/>
+        </a:p>
+      </dgm:t>
+    </dgm:pt>
+    <dgm:pt modelId="{7F2B3F70-6334-6B4D-9571-998DF719B68C}">
+      <dgm:prSet/>
+      <dgm:spPr>
+        <a:solidFill>
+          <a:schemeClr val="accent2">
+            <a:lumMod val="75000"/>
+          </a:schemeClr>
+        </a:solidFill>
+        <a:ln>
+          <a:solidFill>
+            <a:schemeClr val="tx1"/>
+          </a:solidFill>
+        </a:ln>
+        <a:effectLst>
+          <a:outerShdw blurRad="50800" dist="76200" dir="5400000" algn="t" rotWithShape="0">
+            <a:prstClr val="black">
+              <a:alpha val="40000"/>
+            </a:prstClr>
+          </a:outerShdw>
+        </a:effectLst>
+      </dgm:spPr>
+      <dgm:t>
+        <a:bodyPr/>
+        <a:lstStyle/>
+        <a:p>
+          <a:r>
+            <a:rPr lang="en-US" dirty="0" smtClean="0">
+              <a:solidFill>
+                <a:schemeClr val="bg1"/>
+              </a:solidFill>
+            </a:rPr>
+            <a:t>4.3.4 Approve Initial draft</a:t>
+          </a:r>
+          <a:endParaRPr lang="en-US" dirty="0">
+            <a:solidFill>
+              <a:schemeClr val="bg1"/>
+            </a:solidFill>
+          </a:endParaRPr>
+        </a:p>
+      </dgm:t>
+    </dgm:pt>
+    <dgm:pt modelId="{3B35EB9A-14CD-BD4F-8CE7-6794F26473EA}" type="parTrans" cxnId="{462B25C8-D7F8-EC4D-B482-2A23C38B200E}">
+      <dgm:prSet/>
+      <dgm:spPr>
+        <a:solidFill>
+          <a:schemeClr val="accent2">
+            <a:lumMod val="75000"/>
+          </a:schemeClr>
+        </a:solidFill>
+        <a:ln>
+          <a:solidFill>
+            <a:schemeClr val="tx1"/>
+          </a:solidFill>
+        </a:ln>
+        <a:effectLst>
+          <a:outerShdw blurRad="50800" dist="76200" dir="5400000" algn="t" rotWithShape="0">
+            <a:prstClr val="black">
+              <a:alpha val="40000"/>
+            </a:prstClr>
+          </a:outerShdw>
+        </a:effectLst>
+      </dgm:spPr>
+      <dgm:t>
+        <a:bodyPr/>
+        <a:lstStyle/>
+        <a:p>
+          <a:endParaRPr lang="en-US">
+            <a:solidFill>
+              <a:schemeClr val="bg1"/>
+            </a:solidFill>
+          </a:endParaRPr>
+        </a:p>
+      </dgm:t>
+    </dgm:pt>
+    <dgm:pt modelId="{BA30C744-AA43-FC47-9532-5E3FD2D4021B}" type="sibTrans" cxnId="{462B25C8-D7F8-EC4D-B482-2A23C38B200E}">
+      <dgm:prSet/>
+      <dgm:spPr/>
+      <dgm:t>
+        <a:bodyPr/>
+        <a:lstStyle/>
+        <a:p>
+          <a:endParaRPr lang="en-US"/>
+        </a:p>
+      </dgm:t>
+    </dgm:pt>
+    <dgm:pt modelId="{74A58901-CAC8-CA44-96A0-4383A8AF80CB}">
+      <dgm:prSet/>
+      <dgm:spPr>
+        <a:solidFill>
+          <a:schemeClr val="accent2">
+            <a:lumMod val="75000"/>
+          </a:schemeClr>
+        </a:solidFill>
+        <a:ln>
+          <a:solidFill>
+            <a:schemeClr val="tx1"/>
+          </a:solidFill>
+        </a:ln>
+        <a:effectLst>
+          <a:outerShdw blurRad="50800" dist="76200" dir="5400000" algn="t" rotWithShape="0">
+            <a:prstClr val="black">
+              <a:alpha val="40000"/>
+            </a:prstClr>
+          </a:outerShdw>
+        </a:effectLst>
+      </dgm:spPr>
+      <dgm:t>
+        <a:bodyPr/>
+        <a:lstStyle/>
+        <a:p>
+          <a:r>
+            <a:rPr lang="en-US" smtClean="0">
+              <a:solidFill>
+                <a:schemeClr val="bg1"/>
+              </a:solidFill>
+            </a:rPr>
+            <a:t>4.3.3 Provide  elective options  </a:t>
+          </a:r>
+          <a:endParaRPr lang="en-US" dirty="0">
+            <a:solidFill>
+              <a:schemeClr val="bg1"/>
+            </a:solidFill>
+          </a:endParaRPr>
+        </a:p>
+      </dgm:t>
+    </dgm:pt>
+    <dgm:pt modelId="{9EFE27B8-3B3B-7B4D-846F-C7F404D157F3}" type="parTrans" cxnId="{1B248F7F-F1F8-9C46-BBFE-269047AB4FBE}">
+      <dgm:prSet/>
+      <dgm:spPr>
+        <a:solidFill>
+          <a:schemeClr val="accent2">
+            <a:lumMod val="75000"/>
+          </a:schemeClr>
+        </a:solidFill>
+        <a:ln>
+          <a:solidFill>
+            <a:schemeClr val="tx1"/>
+          </a:solidFill>
+        </a:ln>
+        <a:effectLst>
+          <a:outerShdw blurRad="50800" dist="76200" dir="5400000" algn="t" rotWithShape="0">
+            <a:prstClr val="black">
+              <a:alpha val="40000"/>
+            </a:prstClr>
+          </a:outerShdw>
+        </a:effectLst>
+      </dgm:spPr>
+      <dgm:t>
+        <a:bodyPr/>
+        <a:lstStyle/>
+        <a:p>
+          <a:endParaRPr lang="en-US">
+            <a:solidFill>
+              <a:schemeClr val="bg1"/>
+            </a:solidFill>
+          </a:endParaRPr>
+        </a:p>
+      </dgm:t>
+    </dgm:pt>
+    <dgm:pt modelId="{017992CA-8F5E-CC4F-AED5-58FA9B307D32}" type="sibTrans" cxnId="{1B248F7F-F1F8-9C46-BBFE-269047AB4FBE}">
+      <dgm:prSet/>
+      <dgm:spPr/>
+      <dgm:t>
+        <a:bodyPr/>
+        <a:lstStyle/>
+        <a:p>
+          <a:endParaRPr lang="en-US"/>
+        </a:p>
+      </dgm:t>
+    </dgm:pt>
+    <dgm:pt modelId="{064CB800-20FD-0C41-84CD-1CDB29CE5757}" type="pres">
+      <dgm:prSet presAssocID="{6E40BCDC-D5F9-BF47-9925-789207C196F1}" presName="diagram" presStyleCnt="0">
+        <dgm:presLayoutVars>
+          <dgm:chPref val="1"/>
+          <dgm:dir/>
+          <dgm:animOne val="branch"/>
+          <dgm:animLvl val="lvl"/>
+          <dgm:resizeHandles/>
+        </dgm:presLayoutVars>
+      </dgm:prSet>
+      <dgm:spPr/>
+    </dgm:pt>
+    <dgm:pt modelId="{A4FBA670-016F-EF40-B5E6-39BEE6E8FDCE}" type="pres">
+      <dgm:prSet presAssocID="{3BB09CFE-E1A5-0B49-8C68-AB4D557B7341}" presName="root" presStyleCnt="0"/>
+      <dgm:spPr/>
+    </dgm:pt>
+    <dgm:pt modelId="{89F3615D-F25A-0748-B7DF-DE63A8C2C011}" type="pres">
+      <dgm:prSet presAssocID="{3BB09CFE-E1A5-0B49-8C68-AB4D557B7341}" presName="rootComposite" presStyleCnt="0"/>
+      <dgm:spPr/>
+    </dgm:pt>
+    <dgm:pt modelId="{E0ED28E4-511E-6248-9B03-BC2BC3252CCB}" type="pres">
+      <dgm:prSet presAssocID="{3BB09CFE-E1A5-0B49-8C68-AB4D557B7341}" presName="rootText" presStyleLbl="node1" presStyleIdx="0" presStyleCnt="1"/>
+      <dgm:spPr/>
+      <dgm:t>
+        <a:bodyPr/>
+        <a:lstStyle/>
+        <a:p>
+          <a:endParaRPr lang="en-US"/>
+        </a:p>
+      </dgm:t>
+    </dgm:pt>
+    <dgm:pt modelId="{A4AA7259-C5CD-4647-902D-B3C58D3AC09B}" type="pres">
+      <dgm:prSet presAssocID="{3BB09CFE-E1A5-0B49-8C68-AB4D557B7341}" presName="rootConnector" presStyleLbl="node1" presStyleIdx="0" presStyleCnt="1"/>
+      <dgm:spPr/>
+    </dgm:pt>
+    <dgm:pt modelId="{BC493E29-8991-5C4F-965E-659AFC03EFA2}" type="pres">
+      <dgm:prSet presAssocID="{3BB09CFE-E1A5-0B49-8C68-AB4D557B7341}" presName="childShape" presStyleCnt="0"/>
+      <dgm:spPr/>
+    </dgm:pt>
+    <dgm:pt modelId="{741974B6-6294-184C-B266-70F9C421F75B}" type="pres">
+      <dgm:prSet presAssocID="{1BE0CFFF-205E-674F-901B-4F6928571C69}" presName="Name13" presStyleLbl="parChTrans1D2" presStyleIdx="0" presStyleCnt="4"/>
+      <dgm:spPr/>
+    </dgm:pt>
+    <dgm:pt modelId="{C414401F-666D-1C42-9C10-8477100DA616}" type="pres">
+      <dgm:prSet presAssocID="{F8694217-8B7C-A34B-8454-37140439DBBF}" presName="childText" presStyleLbl="bgAcc1" presStyleIdx="0" presStyleCnt="4">
+        <dgm:presLayoutVars>
+          <dgm:bulletEnabled val="1"/>
+        </dgm:presLayoutVars>
+      </dgm:prSet>
+      <dgm:spPr/>
+      <dgm:t>
+        <a:bodyPr/>
+        <a:lstStyle/>
+        <a:p>
+          <a:endParaRPr lang="en-US"/>
+        </a:p>
+      </dgm:t>
+    </dgm:pt>
+    <dgm:pt modelId="{E7E6FAE1-4DCF-9248-B7C9-F93CCAF56B5C}" type="pres">
+      <dgm:prSet presAssocID="{08835348-2276-E44A-94C9-65D16668927E}" presName="Name13" presStyleLbl="parChTrans1D2" presStyleIdx="1" presStyleCnt="4"/>
+      <dgm:spPr/>
+    </dgm:pt>
+    <dgm:pt modelId="{C3DE4238-3744-E949-A885-4E0A0421E121}" type="pres">
+      <dgm:prSet presAssocID="{7BB62172-FFEB-0C46-93C8-881DF4088BC1}" presName="childText" presStyleLbl="bgAcc1" presStyleIdx="1" presStyleCnt="4">
+        <dgm:presLayoutVars>
+          <dgm:bulletEnabled val="1"/>
+        </dgm:presLayoutVars>
+      </dgm:prSet>
+      <dgm:spPr/>
+      <dgm:t>
+        <a:bodyPr/>
+        <a:lstStyle/>
+        <a:p>
+          <a:endParaRPr lang="en-US"/>
+        </a:p>
+      </dgm:t>
+    </dgm:pt>
+    <dgm:pt modelId="{4C5BEE88-F9D5-F343-955F-8B5AD9BAA716}" type="pres">
+      <dgm:prSet presAssocID="{9EFE27B8-3B3B-7B4D-846F-C7F404D157F3}" presName="Name13" presStyleLbl="parChTrans1D2" presStyleIdx="2" presStyleCnt="4"/>
+      <dgm:spPr/>
+    </dgm:pt>
+    <dgm:pt modelId="{70B24149-491F-C14B-B06D-999C58308CD7}" type="pres">
+      <dgm:prSet presAssocID="{74A58901-CAC8-CA44-96A0-4383A8AF80CB}" presName="childText" presStyleLbl="bgAcc1" presStyleIdx="2" presStyleCnt="4">
+        <dgm:presLayoutVars>
+          <dgm:bulletEnabled val="1"/>
+        </dgm:presLayoutVars>
+      </dgm:prSet>
+      <dgm:spPr/>
+      <dgm:t>
+        <a:bodyPr/>
+        <a:lstStyle/>
+        <a:p>
+          <a:endParaRPr lang="en-US"/>
+        </a:p>
+      </dgm:t>
+    </dgm:pt>
+    <dgm:pt modelId="{15313C50-63FF-124F-B461-B81F2B08F94E}" type="pres">
+      <dgm:prSet presAssocID="{3B35EB9A-14CD-BD4F-8CE7-6794F26473EA}" presName="Name13" presStyleLbl="parChTrans1D2" presStyleIdx="3" presStyleCnt="4"/>
+      <dgm:spPr/>
+    </dgm:pt>
+    <dgm:pt modelId="{FC7E61FB-7E70-874F-B844-5E02C30D5DDB}" type="pres">
+      <dgm:prSet presAssocID="{7F2B3F70-6334-6B4D-9571-998DF719B68C}" presName="childText" presStyleLbl="bgAcc1" presStyleIdx="3" presStyleCnt="4">
+        <dgm:presLayoutVars>
+          <dgm:bulletEnabled val="1"/>
+        </dgm:presLayoutVars>
+      </dgm:prSet>
+      <dgm:spPr/>
+      <dgm:t>
+        <a:bodyPr/>
+        <a:lstStyle/>
+        <a:p>
+          <a:endParaRPr lang="en-US"/>
+        </a:p>
+      </dgm:t>
+    </dgm:pt>
+  </dgm:ptLst>
+  <dgm:cxnLst>
+    <dgm:cxn modelId="{A4E5D5E1-4E22-BA46-B2B0-E05687CD0F9B}" type="presOf" srcId="{6E40BCDC-D5F9-BF47-9925-789207C196F1}" destId="{064CB800-20FD-0C41-84CD-1CDB29CE5757}" srcOrd="0" destOrd="0" presId="urn:microsoft.com/office/officeart/2005/8/layout/hierarchy3"/>
+    <dgm:cxn modelId="{D1E16ADA-42AE-FC43-B642-8B33F9DCE9D7}" type="presOf" srcId="{3B35EB9A-14CD-BD4F-8CE7-6794F26473EA}" destId="{15313C50-63FF-124F-B461-B81F2B08F94E}" srcOrd="0" destOrd="0" presId="urn:microsoft.com/office/officeart/2005/8/layout/hierarchy3"/>
+    <dgm:cxn modelId="{09F02C71-FE00-5749-91AC-328F61F9704C}" srcId="{3BB09CFE-E1A5-0B49-8C68-AB4D557B7341}" destId="{7BB62172-FFEB-0C46-93C8-881DF4088BC1}" srcOrd="1" destOrd="0" parTransId="{08835348-2276-E44A-94C9-65D16668927E}" sibTransId="{F92A07AA-ABA8-9C41-8449-28927C7B2B69}"/>
+    <dgm:cxn modelId="{E3045CE8-E004-7F46-BED1-E15541E10D2F}" type="presOf" srcId="{F8694217-8B7C-A34B-8454-37140439DBBF}" destId="{C414401F-666D-1C42-9C10-8477100DA616}" srcOrd="0" destOrd="0" presId="urn:microsoft.com/office/officeart/2005/8/layout/hierarchy3"/>
+    <dgm:cxn modelId="{818F95FD-6DE5-9C45-9D54-297423048F72}" type="presOf" srcId="{08835348-2276-E44A-94C9-65D16668927E}" destId="{E7E6FAE1-4DCF-9248-B7C9-F93CCAF56B5C}" srcOrd="0" destOrd="0" presId="urn:microsoft.com/office/officeart/2005/8/layout/hierarchy3"/>
+    <dgm:cxn modelId="{68C5871A-62B9-A240-97AF-002FC6515EAF}" type="presOf" srcId="{9EFE27B8-3B3B-7B4D-846F-C7F404D157F3}" destId="{4C5BEE88-F9D5-F343-955F-8B5AD9BAA716}" srcOrd="0" destOrd="0" presId="urn:microsoft.com/office/officeart/2005/8/layout/hierarchy3"/>
+    <dgm:cxn modelId="{414D40E1-E138-8545-B149-ECCA607FE453}" type="presOf" srcId="{3BB09CFE-E1A5-0B49-8C68-AB4D557B7341}" destId="{E0ED28E4-511E-6248-9B03-BC2BC3252CCB}" srcOrd="0" destOrd="0" presId="urn:microsoft.com/office/officeart/2005/8/layout/hierarchy3"/>
+    <dgm:cxn modelId="{78B9C6F5-5899-FA47-AAED-E1BE1CF84FD9}" type="presOf" srcId="{7F2B3F70-6334-6B4D-9571-998DF719B68C}" destId="{FC7E61FB-7E70-874F-B844-5E02C30D5DDB}" srcOrd="0" destOrd="0" presId="urn:microsoft.com/office/officeart/2005/8/layout/hierarchy3"/>
+    <dgm:cxn modelId="{D2E2B173-6A2C-B249-A8AD-CD48B060E6EC}" type="presOf" srcId="{3BB09CFE-E1A5-0B49-8C68-AB4D557B7341}" destId="{A4AA7259-C5CD-4647-902D-B3C58D3AC09B}" srcOrd="1" destOrd="0" presId="urn:microsoft.com/office/officeart/2005/8/layout/hierarchy3"/>
+    <dgm:cxn modelId="{B73BDB07-EC85-D94D-8984-CB66054C2BD1}" type="presOf" srcId="{74A58901-CAC8-CA44-96A0-4383A8AF80CB}" destId="{70B24149-491F-C14B-B06D-999C58308CD7}" srcOrd="0" destOrd="0" presId="urn:microsoft.com/office/officeart/2005/8/layout/hierarchy3"/>
+    <dgm:cxn modelId="{E876BA65-9607-8849-85B5-E59771D60A78}" type="presOf" srcId="{1BE0CFFF-205E-674F-901B-4F6928571C69}" destId="{741974B6-6294-184C-B266-70F9C421F75B}" srcOrd="0" destOrd="0" presId="urn:microsoft.com/office/officeart/2005/8/layout/hierarchy3"/>
+    <dgm:cxn modelId="{39CD9A8C-BE1B-6841-A46A-D8F87A340F2B}" srcId="{3BB09CFE-E1A5-0B49-8C68-AB4D557B7341}" destId="{F8694217-8B7C-A34B-8454-37140439DBBF}" srcOrd="0" destOrd="0" parTransId="{1BE0CFFF-205E-674F-901B-4F6928571C69}" sibTransId="{47C914CF-F5BA-EC46-A96A-5760E28058B9}"/>
+    <dgm:cxn modelId="{1B248F7F-F1F8-9C46-BBFE-269047AB4FBE}" srcId="{3BB09CFE-E1A5-0B49-8C68-AB4D557B7341}" destId="{74A58901-CAC8-CA44-96A0-4383A8AF80CB}" srcOrd="2" destOrd="0" parTransId="{9EFE27B8-3B3B-7B4D-846F-C7F404D157F3}" sibTransId="{017992CA-8F5E-CC4F-AED5-58FA9B307D32}"/>
+    <dgm:cxn modelId="{F073174C-A266-9E44-99EB-E8DCB4EEC61F}" srcId="{6E40BCDC-D5F9-BF47-9925-789207C196F1}" destId="{3BB09CFE-E1A5-0B49-8C68-AB4D557B7341}" srcOrd="0" destOrd="0" parTransId="{94EC2089-75EB-3E41-9243-3505449532BD}" sibTransId="{41479FD3-2972-1042-9986-8445A3951EA6}"/>
+    <dgm:cxn modelId="{6413B8E1-8F11-2948-85A5-2A42320995F5}" type="presOf" srcId="{7BB62172-FFEB-0C46-93C8-881DF4088BC1}" destId="{C3DE4238-3744-E949-A885-4E0A0421E121}" srcOrd="0" destOrd="0" presId="urn:microsoft.com/office/officeart/2005/8/layout/hierarchy3"/>
+    <dgm:cxn modelId="{462B25C8-D7F8-EC4D-B482-2A23C38B200E}" srcId="{3BB09CFE-E1A5-0B49-8C68-AB4D557B7341}" destId="{7F2B3F70-6334-6B4D-9571-998DF719B68C}" srcOrd="3" destOrd="0" parTransId="{3B35EB9A-14CD-BD4F-8CE7-6794F26473EA}" sibTransId="{BA30C744-AA43-FC47-9532-5E3FD2D4021B}"/>
+    <dgm:cxn modelId="{14E16286-2CA1-5041-BA92-40E7E39E664C}" type="presParOf" srcId="{064CB800-20FD-0C41-84CD-1CDB29CE5757}" destId="{A4FBA670-016F-EF40-B5E6-39BEE6E8FDCE}" srcOrd="0" destOrd="0" presId="urn:microsoft.com/office/officeart/2005/8/layout/hierarchy3"/>
+    <dgm:cxn modelId="{37C91A98-672A-B648-BB72-0A0B30189198}" type="presParOf" srcId="{A4FBA670-016F-EF40-B5E6-39BEE6E8FDCE}" destId="{89F3615D-F25A-0748-B7DF-DE63A8C2C011}" srcOrd="0" destOrd="0" presId="urn:microsoft.com/office/officeart/2005/8/layout/hierarchy3"/>
+    <dgm:cxn modelId="{E0C9EBF4-FC93-0640-BC26-EDE30BA7A8B7}" type="presParOf" srcId="{89F3615D-F25A-0748-B7DF-DE63A8C2C011}" destId="{E0ED28E4-511E-6248-9B03-BC2BC3252CCB}" srcOrd="0" destOrd="0" presId="urn:microsoft.com/office/officeart/2005/8/layout/hierarchy3"/>
+    <dgm:cxn modelId="{EAE1FB21-2E39-D44A-BFAB-F9F94C15745B}" type="presParOf" srcId="{89F3615D-F25A-0748-B7DF-DE63A8C2C011}" destId="{A4AA7259-C5CD-4647-902D-B3C58D3AC09B}" srcOrd="1" destOrd="0" presId="urn:microsoft.com/office/officeart/2005/8/layout/hierarchy3"/>
+    <dgm:cxn modelId="{24622F17-9471-F347-AE45-F4157F492EC8}" type="presParOf" srcId="{A4FBA670-016F-EF40-B5E6-39BEE6E8FDCE}" destId="{BC493E29-8991-5C4F-965E-659AFC03EFA2}" srcOrd="1" destOrd="0" presId="urn:microsoft.com/office/officeart/2005/8/layout/hierarchy3"/>
+    <dgm:cxn modelId="{5C67317C-98CF-5147-9693-BBFF968E6A56}" type="presParOf" srcId="{BC493E29-8991-5C4F-965E-659AFC03EFA2}" destId="{741974B6-6294-184C-B266-70F9C421F75B}" srcOrd="0" destOrd="0" presId="urn:microsoft.com/office/officeart/2005/8/layout/hierarchy3"/>
+    <dgm:cxn modelId="{BF25AA3E-CAAC-DF46-BD62-B02599AD1252}" type="presParOf" srcId="{BC493E29-8991-5C4F-965E-659AFC03EFA2}" destId="{C414401F-666D-1C42-9C10-8477100DA616}" srcOrd="1" destOrd="0" presId="urn:microsoft.com/office/officeart/2005/8/layout/hierarchy3"/>
+    <dgm:cxn modelId="{0AA4487B-9D49-DA46-9132-C9231D28EBC2}" type="presParOf" srcId="{BC493E29-8991-5C4F-965E-659AFC03EFA2}" destId="{E7E6FAE1-4DCF-9248-B7C9-F93CCAF56B5C}" srcOrd="2" destOrd="0" presId="urn:microsoft.com/office/officeart/2005/8/layout/hierarchy3"/>
+    <dgm:cxn modelId="{D693732A-AAE1-4649-B5A8-4525A7C648E3}" type="presParOf" srcId="{BC493E29-8991-5C4F-965E-659AFC03EFA2}" destId="{C3DE4238-3744-E949-A885-4E0A0421E121}" srcOrd="3" destOrd="0" presId="urn:microsoft.com/office/officeart/2005/8/layout/hierarchy3"/>
+    <dgm:cxn modelId="{0A526ECD-D1DD-F04B-87FB-E979B15439F4}" type="presParOf" srcId="{BC493E29-8991-5C4F-965E-659AFC03EFA2}" destId="{4C5BEE88-F9D5-F343-955F-8B5AD9BAA716}" srcOrd="4" destOrd="0" presId="urn:microsoft.com/office/officeart/2005/8/layout/hierarchy3"/>
+    <dgm:cxn modelId="{95943458-408E-BB46-96C7-55C32BFB6530}" type="presParOf" srcId="{BC493E29-8991-5C4F-965E-659AFC03EFA2}" destId="{70B24149-491F-C14B-B06D-999C58308CD7}" srcOrd="5" destOrd="0" presId="urn:microsoft.com/office/officeart/2005/8/layout/hierarchy3"/>
+    <dgm:cxn modelId="{1C557A71-F2CB-6443-9B74-10ABA7B9ADDD}" type="presParOf" srcId="{BC493E29-8991-5C4F-965E-659AFC03EFA2}" destId="{15313C50-63FF-124F-B461-B81F2B08F94E}" srcOrd="6" destOrd="0" presId="urn:microsoft.com/office/officeart/2005/8/layout/hierarchy3"/>
+    <dgm:cxn modelId="{D9A16D00-FF8F-F849-ADBF-E512EA557858}" type="presParOf" srcId="{BC493E29-8991-5C4F-965E-659AFC03EFA2}" destId="{FC7E61FB-7E70-874F-B844-5E02C30D5DDB}" srcOrd="7" destOrd="0" presId="urn:microsoft.com/office/officeart/2005/8/layout/hierarchy3"/>
+  </dgm:cxnLst>
+  <dgm:bg/>
+  <dgm:whole/>
+  <dgm:extLst>
+    <a:ext uri="http://schemas.microsoft.com/office/drawing/2008/diagram">
+      <dsp:dataModelExt xmlns:dsp="http://schemas.microsoft.com/office/drawing/2008/diagram" relId="rId7" minVer="http://schemas.openxmlformats.org/drawingml/2006/diagram"/>
+    </a:ext>
+  </dgm:extLst>
+</dgm:dataModel>
+</file>
+
+<file path=ppt/diagrams/data3.xml><?xml version="1.0" encoding="utf-8"?>
+<dgm:dataModel xmlns:dgm="http://schemas.openxmlformats.org/drawingml/2006/diagram" xmlns:a="http://schemas.openxmlformats.org/drawingml/2006/main">
+  <dgm:ptLst>
+    <dgm:pt modelId="{9DCB94FE-8158-1E4E-85B8-5739DDBFE9E6}" type="doc">
+      <dgm:prSet loTypeId="urn:microsoft.com/office/officeart/2005/8/layout/hierarchy3" loCatId="" qsTypeId="urn:microsoft.com/office/officeart/2005/8/quickstyle/3D1" qsCatId="3D" csTypeId="urn:microsoft.com/office/officeart/2005/8/colors/accent1_2" csCatId="accent1" phldr="1"/>
+      <dgm:spPr/>
+      <dgm:t>
+        <a:bodyPr/>
+        <a:lstStyle/>
+        <a:p>
+          <a:endParaRPr lang="en-US"/>
+        </a:p>
+      </dgm:t>
+    </dgm:pt>
+    <dgm:pt modelId="{14E49659-A234-294E-B53A-3BEAC81A718E}">
+      <dgm:prSet phldrT="[Text]"/>
+      <dgm:spPr>
+        <a:solidFill>
+          <a:schemeClr val="accent2">
+            <a:lumMod val="75000"/>
+          </a:schemeClr>
+        </a:solidFill>
+        <a:ln>
+          <a:solidFill>
+            <a:schemeClr val="tx1"/>
+          </a:solidFill>
+        </a:ln>
+        <a:effectLst>
+          <a:outerShdw blurRad="50800" dist="76200" dir="5400000" algn="t" rotWithShape="0">
+            <a:prstClr val="black">
+              <a:alpha val="40000"/>
+            </a:prstClr>
+          </a:outerShdw>
+        </a:effectLst>
+      </dgm:spPr>
+      <dgm:t>
+        <a:bodyPr/>
+        <a:lstStyle/>
+        <a:p>
+          <a:r>
+            <a:rPr lang="en-US" dirty="0" smtClean="0">
+              <a:solidFill>
+                <a:schemeClr val="bg1"/>
+              </a:solidFill>
+            </a:rPr>
+            <a:t>4.5 Generate final CPS</a:t>
+          </a:r>
+          <a:endParaRPr lang="en-US" dirty="0">
+            <a:solidFill>
+              <a:schemeClr val="bg1"/>
+            </a:solidFill>
+          </a:endParaRPr>
+        </a:p>
+      </dgm:t>
+    </dgm:pt>
+    <dgm:pt modelId="{FEFC3982-A795-F948-BEC5-D26B5813117A}" type="parTrans" cxnId="{B90F77C0-5F31-7F4E-96CD-860E50489632}">
+      <dgm:prSet/>
+      <dgm:spPr/>
+      <dgm:t>
+        <a:bodyPr/>
+        <a:lstStyle/>
+        <a:p>
+          <a:endParaRPr lang="en-US"/>
+        </a:p>
+      </dgm:t>
+    </dgm:pt>
+    <dgm:pt modelId="{193B2631-5009-1A49-AA2A-EDCF85B839D4}" type="sibTrans" cxnId="{B90F77C0-5F31-7F4E-96CD-860E50489632}">
+      <dgm:prSet/>
+      <dgm:spPr/>
+      <dgm:t>
+        <a:bodyPr/>
+        <a:lstStyle/>
+        <a:p>
+          <a:endParaRPr lang="en-US"/>
+        </a:p>
+      </dgm:t>
+    </dgm:pt>
+    <dgm:pt modelId="{0DA36621-CF53-564C-8794-52221DAEA075}">
+      <dgm:prSet phldrT="[Text]"/>
+      <dgm:spPr>
+        <a:solidFill>
+          <a:schemeClr val="accent2">
+            <a:lumMod val="75000"/>
+          </a:schemeClr>
+        </a:solidFill>
+        <a:ln>
+          <a:solidFill>
+            <a:schemeClr val="tx1"/>
+          </a:solidFill>
+        </a:ln>
+        <a:effectLst>
+          <a:outerShdw blurRad="50800" dist="76200" dir="5400000" algn="t" rotWithShape="0">
+            <a:prstClr val="black">
+              <a:alpha val="40000"/>
+            </a:prstClr>
+          </a:outerShdw>
+        </a:effectLst>
+      </dgm:spPr>
+      <dgm:t>
+        <a:bodyPr/>
+        <a:lstStyle/>
+        <a:p>
+          <a:r>
+            <a:rPr lang="en-US" dirty="0" smtClean="0">
+              <a:solidFill>
+                <a:schemeClr val="bg1"/>
+              </a:solidFill>
+            </a:rPr>
+            <a:t>4.5.1 View Student Draft CPS </a:t>
+          </a:r>
+          <a:endParaRPr lang="en-US" dirty="0">
+            <a:solidFill>
+              <a:schemeClr val="bg1"/>
+            </a:solidFill>
+          </a:endParaRPr>
+        </a:p>
+      </dgm:t>
+    </dgm:pt>
+    <dgm:pt modelId="{E4072ADF-5CFA-FF42-83BA-AD01E03DAB66}" type="parTrans" cxnId="{714DC6DC-4127-974A-B829-AD91DF782DFA}">
+      <dgm:prSet/>
+      <dgm:spPr>
+        <a:solidFill>
+          <a:schemeClr val="accent2">
+            <a:lumMod val="75000"/>
+          </a:schemeClr>
+        </a:solidFill>
+        <a:ln>
+          <a:solidFill>
+            <a:schemeClr val="tx1"/>
+          </a:solidFill>
+        </a:ln>
+        <a:effectLst>
+          <a:outerShdw blurRad="50800" dist="76200" dir="5400000" algn="t" rotWithShape="0">
+            <a:prstClr val="black">
+              <a:alpha val="40000"/>
+            </a:prstClr>
+          </a:outerShdw>
+        </a:effectLst>
+      </dgm:spPr>
+      <dgm:t>
+        <a:bodyPr/>
+        <a:lstStyle/>
+        <a:p>
+          <a:endParaRPr lang="en-US">
+            <a:solidFill>
+              <a:schemeClr val="bg1"/>
+            </a:solidFill>
+          </a:endParaRPr>
+        </a:p>
+      </dgm:t>
+    </dgm:pt>
+    <dgm:pt modelId="{6F0D59FA-68D6-AB44-98CC-C9A65B30B05D}" type="sibTrans" cxnId="{714DC6DC-4127-974A-B829-AD91DF782DFA}">
+      <dgm:prSet/>
+      <dgm:spPr/>
+      <dgm:t>
+        <a:bodyPr/>
+        <a:lstStyle/>
+        <a:p>
+          <a:endParaRPr lang="en-US"/>
+        </a:p>
+      </dgm:t>
+    </dgm:pt>
+    <dgm:pt modelId="{76C7AFB8-AD68-7641-AC1C-014B5E8A8EDB}">
+      <dgm:prSet phldrT="[Text]"/>
+      <dgm:spPr>
+        <a:solidFill>
+          <a:schemeClr val="accent2">
+            <a:lumMod val="75000"/>
+          </a:schemeClr>
+        </a:solidFill>
+        <a:ln>
+          <a:solidFill>
+            <a:schemeClr val="tx1"/>
+          </a:solidFill>
+        </a:ln>
+        <a:effectLst>
+          <a:outerShdw blurRad="50800" dist="76200" dir="5400000" algn="t" rotWithShape="0">
+            <a:prstClr val="black">
+              <a:alpha val="40000"/>
+            </a:prstClr>
+          </a:outerShdw>
+        </a:effectLst>
+      </dgm:spPr>
+      <dgm:t>
+        <a:bodyPr/>
+        <a:lstStyle/>
+        <a:p>
+          <a:r>
+            <a:rPr lang="en-US" dirty="0" smtClean="0">
+              <a:solidFill>
+                <a:schemeClr val="bg1"/>
+              </a:solidFill>
+            </a:rPr>
+            <a:t>4.5.2 Verify in accordance with rubrics</a:t>
+          </a:r>
+        </a:p>
+        <a:p>
+          <a:endParaRPr lang="en-US" dirty="0">
+            <a:solidFill>
+              <a:schemeClr val="bg1"/>
+            </a:solidFill>
+          </a:endParaRPr>
+        </a:p>
+      </dgm:t>
+    </dgm:pt>
+    <dgm:pt modelId="{8BCFC5C7-19AA-B544-9DC3-5287704EC073}" type="parTrans" cxnId="{C51253C9-C8F3-2743-BE0E-C43D916B71D4}">
+      <dgm:prSet/>
+      <dgm:spPr>
+        <a:solidFill>
+          <a:schemeClr val="accent2">
+            <a:lumMod val="75000"/>
+          </a:schemeClr>
+        </a:solidFill>
+        <a:ln>
+          <a:solidFill>
+            <a:schemeClr val="tx1"/>
+          </a:solidFill>
+        </a:ln>
+        <a:effectLst>
+          <a:outerShdw blurRad="50800" dist="76200" dir="5400000" algn="t" rotWithShape="0">
+            <a:prstClr val="black">
+              <a:alpha val="40000"/>
+            </a:prstClr>
+          </a:outerShdw>
+        </a:effectLst>
+      </dgm:spPr>
+      <dgm:t>
+        <a:bodyPr/>
+        <a:lstStyle/>
+        <a:p>
+          <a:endParaRPr lang="en-US">
+            <a:solidFill>
+              <a:schemeClr val="bg1"/>
+            </a:solidFill>
+          </a:endParaRPr>
+        </a:p>
+      </dgm:t>
+    </dgm:pt>
+    <dgm:pt modelId="{20BC1245-BF05-FD40-A14E-AAF42A550DCF}" type="sibTrans" cxnId="{C51253C9-C8F3-2743-BE0E-C43D916B71D4}">
+      <dgm:prSet/>
+      <dgm:spPr/>
+      <dgm:t>
+        <a:bodyPr/>
+        <a:lstStyle/>
+        <a:p>
+          <a:endParaRPr lang="en-US"/>
+        </a:p>
+      </dgm:t>
+    </dgm:pt>
+    <dgm:pt modelId="{0510DF19-D8EF-6147-9869-3377510995F2}">
+      <dgm:prSet/>
+      <dgm:spPr>
+        <a:solidFill>
+          <a:schemeClr val="accent2">
+            <a:lumMod val="75000"/>
+          </a:schemeClr>
+        </a:solidFill>
+        <a:ln>
+          <a:solidFill>
+            <a:schemeClr val="tx1"/>
+          </a:solidFill>
+        </a:ln>
+        <a:effectLst>
+          <a:outerShdw blurRad="50800" dist="76200" dir="5400000" algn="t" rotWithShape="0">
+            <a:prstClr val="black">
+              <a:alpha val="40000"/>
+            </a:prstClr>
+          </a:outerShdw>
+        </a:effectLst>
+      </dgm:spPr>
+      <dgm:t>
+        <a:bodyPr/>
+        <a:lstStyle/>
+        <a:p>
+          <a:r>
+            <a:rPr lang="en-US" dirty="0" smtClean="0">
+              <a:solidFill>
+                <a:schemeClr val="bg1"/>
+              </a:solidFill>
+            </a:rPr>
+            <a:t>4.5.3 Approve Draft CPS</a:t>
+          </a:r>
+          <a:endParaRPr lang="en-US" dirty="0">
+            <a:solidFill>
+              <a:schemeClr val="bg1"/>
+            </a:solidFill>
+          </a:endParaRPr>
+        </a:p>
+      </dgm:t>
+    </dgm:pt>
+    <dgm:pt modelId="{6F592269-C4F4-2B40-88CB-C000E0698AE2}" type="parTrans" cxnId="{3EA24614-135F-E74F-9F69-82DC3A62CA16}">
+      <dgm:prSet/>
+      <dgm:spPr>
+        <a:solidFill>
+          <a:schemeClr val="accent2">
+            <a:lumMod val="75000"/>
+          </a:schemeClr>
+        </a:solidFill>
+        <a:ln>
+          <a:solidFill>
+            <a:schemeClr val="tx1"/>
+          </a:solidFill>
+        </a:ln>
+        <a:effectLst>
+          <a:outerShdw blurRad="50800" dist="76200" dir="5400000" algn="t" rotWithShape="0">
+            <a:prstClr val="black">
+              <a:alpha val="40000"/>
+            </a:prstClr>
+          </a:outerShdw>
+        </a:effectLst>
+      </dgm:spPr>
+      <dgm:t>
+        <a:bodyPr/>
+        <a:lstStyle/>
+        <a:p>
+          <a:endParaRPr lang="en-US">
+            <a:solidFill>
+              <a:schemeClr val="bg1"/>
+            </a:solidFill>
+          </a:endParaRPr>
+        </a:p>
+      </dgm:t>
+    </dgm:pt>
+    <dgm:pt modelId="{3B57B79A-D39E-4A4B-AEB6-D1081D95F016}" type="sibTrans" cxnId="{3EA24614-135F-E74F-9F69-82DC3A62CA16}">
+      <dgm:prSet/>
+      <dgm:spPr/>
+      <dgm:t>
+        <a:bodyPr/>
+        <a:lstStyle/>
+        <a:p>
+          <a:endParaRPr lang="en-US"/>
+        </a:p>
+      </dgm:t>
+    </dgm:pt>
+    <dgm:pt modelId="{A5D94F4C-2E05-534D-8334-57B39F15E6C5}" type="pres">
+      <dgm:prSet presAssocID="{9DCB94FE-8158-1E4E-85B8-5739DDBFE9E6}" presName="diagram" presStyleCnt="0">
+        <dgm:presLayoutVars>
+          <dgm:chPref val="1"/>
+          <dgm:dir/>
+          <dgm:animOne val="branch"/>
+          <dgm:animLvl val="lvl"/>
+          <dgm:resizeHandles/>
+        </dgm:presLayoutVars>
+      </dgm:prSet>
+      <dgm:spPr/>
+    </dgm:pt>
+    <dgm:pt modelId="{D144B83E-7D28-EE47-8111-06DC573654BB}" type="pres">
+      <dgm:prSet presAssocID="{14E49659-A234-294E-B53A-3BEAC81A718E}" presName="root" presStyleCnt="0"/>
+      <dgm:spPr/>
+    </dgm:pt>
+    <dgm:pt modelId="{9FD9A0C1-C387-3B4C-A940-CE152694D02E}" type="pres">
+      <dgm:prSet presAssocID="{14E49659-A234-294E-B53A-3BEAC81A718E}" presName="rootComposite" presStyleCnt="0"/>
+      <dgm:spPr/>
+    </dgm:pt>
+    <dgm:pt modelId="{67DFB469-3716-E14A-B69D-A49EC070E527}" type="pres">
+      <dgm:prSet presAssocID="{14E49659-A234-294E-B53A-3BEAC81A718E}" presName="rootText" presStyleLbl="node1" presStyleIdx="0" presStyleCnt="1"/>
+      <dgm:spPr/>
+      <dgm:t>
+        <a:bodyPr/>
+        <a:lstStyle/>
+        <a:p>
+          <a:endParaRPr lang="en-US"/>
+        </a:p>
+      </dgm:t>
+    </dgm:pt>
+    <dgm:pt modelId="{F7AB2AC7-2425-A646-A715-7B29D560B119}" type="pres">
+      <dgm:prSet presAssocID="{14E49659-A234-294E-B53A-3BEAC81A718E}" presName="rootConnector" presStyleLbl="node1" presStyleIdx="0" presStyleCnt="1"/>
+      <dgm:spPr/>
+    </dgm:pt>
+    <dgm:pt modelId="{4CFE4CE1-8CE8-4F47-BDED-E063D675F555}" type="pres">
+      <dgm:prSet presAssocID="{14E49659-A234-294E-B53A-3BEAC81A718E}" presName="childShape" presStyleCnt="0"/>
+      <dgm:spPr/>
+    </dgm:pt>
+    <dgm:pt modelId="{393AD860-B486-FC48-984F-7683F7D21359}" type="pres">
+      <dgm:prSet presAssocID="{E4072ADF-5CFA-FF42-83BA-AD01E03DAB66}" presName="Name13" presStyleLbl="parChTrans1D2" presStyleIdx="0" presStyleCnt="3"/>
+      <dgm:spPr/>
+    </dgm:pt>
+    <dgm:pt modelId="{FB19C887-BF7F-3D40-A846-41259A5A4BA3}" type="pres">
+      <dgm:prSet presAssocID="{0DA36621-CF53-564C-8794-52221DAEA075}" presName="childText" presStyleLbl="bgAcc1" presStyleIdx="0" presStyleCnt="3">
+        <dgm:presLayoutVars>
+          <dgm:bulletEnabled val="1"/>
+        </dgm:presLayoutVars>
+      </dgm:prSet>
+      <dgm:spPr/>
+      <dgm:t>
+        <a:bodyPr/>
+        <a:lstStyle/>
+        <a:p>
+          <a:endParaRPr lang="en-US"/>
+        </a:p>
+      </dgm:t>
+    </dgm:pt>
+    <dgm:pt modelId="{9ECB9AF4-D7FD-8C40-A823-823B5A8B7455}" type="pres">
+      <dgm:prSet presAssocID="{8BCFC5C7-19AA-B544-9DC3-5287704EC073}" presName="Name13" presStyleLbl="parChTrans1D2" presStyleIdx="1" presStyleCnt="3"/>
+      <dgm:spPr/>
+    </dgm:pt>
+    <dgm:pt modelId="{3579B351-9021-D64C-AB9A-BA0B7279E5FF}" type="pres">
+      <dgm:prSet presAssocID="{76C7AFB8-AD68-7641-AC1C-014B5E8A8EDB}" presName="childText" presStyleLbl="bgAcc1" presStyleIdx="1" presStyleCnt="3">
+        <dgm:presLayoutVars>
+          <dgm:bulletEnabled val="1"/>
+        </dgm:presLayoutVars>
+      </dgm:prSet>
+      <dgm:spPr/>
+      <dgm:t>
+        <a:bodyPr/>
+        <a:lstStyle/>
+        <a:p>
+          <a:endParaRPr lang="en-US"/>
+        </a:p>
+      </dgm:t>
+    </dgm:pt>
+    <dgm:pt modelId="{58148C2E-04D1-0F42-AB16-2802B7275109}" type="pres">
+      <dgm:prSet presAssocID="{6F592269-C4F4-2B40-88CB-C000E0698AE2}" presName="Name13" presStyleLbl="parChTrans1D2" presStyleIdx="2" presStyleCnt="3"/>
+      <dgm:spPr/>
+    </dgm:pt>
+    <dgm:pt modelId="{7D2FFF0B-1016-8D4F-AB31-B0C0D635C500}" type="pres">
+      <dgm:prSet presAssocID="{0510DF19-D8EF-6147-9869-3377510995F2}" presName="childText" presStyleLbl="bgAcc1" presStyleIdx="2" presStyleCnt="3" custLinFactNeighborY="3165">
+        <dgm:presLayoutVars>
+          <dgm:bulletEnabled val="1"/>
+        </dgm:presLayoutVars>
+      </dgm:prSet>
+      <dgm:spPr/>
+      <dgm:t>
+        <a:bodyPr/>
+        <a:lstStyle/>
+        <a:p>
+          <a:endParaRPr lang="en-US"/>
+        </a:p>
+      </dgm:t>
+    </dgm:pt>
+  </dgm:ptLst>
+  <dgm:cxnLst>
+    <dgm:cxn modelId="{714DC6DC-4127-974A-B829-AD91DF782DFA}" srcId="{14E49659-A234-294E-B53A-3BEAC81A718E}" destId="{0DA36621-CF53-564C-8794-52221DAEA075}" srcOrd="0" destOrd="0" parTransId="{E4072ADF-5CFA-FF42-83BA-AD01E03DAB66}" sibTransId="{6F0D59FA-68D6-AB44-98CC-C9A65B30B05D}"/>
+    <dgm:cxn modelId="{C95BC8EC-4DE1-564B-9C9C-CCB69BC09533}" type="presOf" srcId="{6F592269-C4F4-2B40-88CB-C000E0698AE2}" destId="{58148C2E-04D1-0F42-AB16-2802B7275109}" srcOrd="0" destOrd="0" presId="urn:microsoft.com/office/officeart/2005/8/layout/hierarchy3"/>
+    <dgm:cxn modelId="{3ACDAB01-B211-C345-BC0C-AAB282910E0C}" type="presOf" srcId="{E4072ADF-5CFA-FF42-83BA-AD01E03DAB66}" destId="{393AD860-B486-FC48-984F-7683F7D21359}" srcOrd="0" destOrd="0" presId="urn:microsoft.com/office/officeart/2005/8/layout/hierarchy3"/>
+    <dgm:cxn modelId="{3D5E0CF0-E431-ED47-B55C-E368664A04EB}" type="presOf" srcId="{9DCB94FE-8158-1E4E-85B8-5739DDBFE9E6}" destId="{A5D94F4C-2E05-534D-8334-57B39F15E6C5}" srcOrd="0" destOrd="0" presId="urn:microsoft.com/office/officeart/2005/8/layout/hierarchy3"/>
+    <dgm:cxn modelId="{4B76973F-5B6E-014B-9BF0-FE636EC2B50E}" type="presOf" srcId="{14E49659-A234-294E-B53A-3BEAC81A718E}" destId="{F7AB2AC7-2425-A646-A715-7B29D560B119}" srcOrd="1" destOrd="0" presId="urn:microsoft.com/office/officeart/2005/8/layout/hierarchy3"/>
+    <dgm:cxn modelId="{D37E598A-3720-5E44-99C5-3F71EEBB0108}" type="presOf" srcId="{0DA36621-CF53-564C-8794-52221DAEA075}" destId="{FB19C887-BF7F-3D40-A846-41259A5A4BA3}" srcOrd="0" destOrd="0" presId="urn:microsoft.com/office/officeart/2005/8/layout/hierarchy3"/>
+    <dgm:cxn modelId="{75DD539B-A2DF-6747-9255-6B8393A76E56}" type="presOf" srcId="{0510DF19-D8EF-6147-9869-3377510995F2}" destId="{7D2FFF0B-1016-8D4F-AB31-B0C0D635C500}" srcOrd="0" destOrd="0" presId="urn:microsoft.com/office/officeart/2005/8/layout/hierarchy3"/>
+    <dgm:cxn modelId="{77247E8C-AE6E-E945-BC49-DA92162429AA}" type="presOf" srcId="{8BCFC5C7-19AA-B544-9DC3-5287704EC073}" destId="{9ECB9AF4-D7FD-8C40-A823-823B5A8B7455}" srcOrd="0" destOrd="0" presId="urn:microsoft.com/office/officeart/2005/8/layout/hierarchy3"/>
+    <dgm:cxn modelId="{59704702-A0A3-7548-BB08-1676470B8162}" type="presOf" srcId="{14E49659-A234-294E-B53A-3BEAC81A718E}" destId="{67DFB469-3716-E14A-B69D-A49EC070E527}" srcOrd="0" destOrd="0" presId="urn:microsoft.com/office/officeart/2005/8/layout/hierarchy3"/>
+    <dgm:cxn modelId="{31E00F48-F4E2-3D45-A0C1-391139314D0B}" type="presOf" srcId="{76C7AFB8-AD68-7641-AC1C-014B5E8A8EDB}" destId="{3579B351-9021-D64C-AB9A-BA0B7279E5FF}" srcOrd="0" destOrd="0" presId="urn:microsoft.com/office/officeart/2005/8/layout/hierarchy3"/>
+    <dgm:cxn modelId="{3EA24614-135F-E74F-9F69-82DC3A62CA16}" srcId="{14E49659-A234-294E-B53A-3BEAC81A718E}" destId="{0510DF19-D8EF-6147-9869-3377510995F2}" srcOrd="2" destOrd="0" parTransId="{6F592269-C4F4-2B40-88CB-C000E0698AE2}" sibTransId="{3B57B79A-D39E-4A4B-AEB6-D1081D95F016}"/>
+    <dgm:cxn modelId="{C51253C9-C8F3-2743-BE0E-C43D916B71D4}" srcId="{14E49659-A234-294E-B53A-3BEAC81A718E}" destId="{76C7AFB8-AD68-7641-AC1C-014B5E8A8EDB}" srcOrd="1" destOrd="0" parTransId="{8BCFC5C7-19AA-B544-9DC3-5287704EC073}" sibTransId="{20BC1245-BF05-FD40-A14E-AAF42A550DCF}"/>
+    <dgm:cxn modelId="{B90F77C0-5F31-7F4E-96CD-860E50489632}" srcId="{9DCB94FE-8158-1E4E-85B8-5739DDBFE9E6}" destId="{14E49659-A234-294E-B53A-3BEAC81A718E}" srcOrd="0" destOrd="0" parTransId="{FEFC3982-A795-F948-BEC5-D26B5813117A}" sibTransId="{193B2631-5009-1A49-AA2A-EDCF85B839D4}"/>
+    <dgm:cxn modelId="{72F38050-3216-DD48-8421-74F912306070}" type="presParOf" srcId="{A5D94F4C-2E05-534D-8334-57B39F15E6C5}" destId="{D144B83E-7D28-EE47-8111-06DC573654BB}" srcOrd="0" destOrd="0" presId="urn:microsoft.com/office/officeart/2005/8/layout/hierarchy3"/>
+    <dgm:cxn modelId="{B7ACC549-C785-6D47-9EAC-E16EE82AE21E}" type="presParOf" srcId="{D144B83E-7D28-EE47-8111-06DC573654BB}" destId="{9FD9A0C1-C387-3B4C-A940-CE152694D02E}" srcOrd="0" destOrd="0" presId="urn:microsoft.com/office/officeart/2005/8/layout/hierarchy3"/>
+    <dgm:cxn modelId="{846CF5D2-6EBB-C344-9C97-74769E2680E1}" type="presParOf" srcId="{9FD9A0C1-C387-3B4C-A940-CE152694D02E}" destId="{67DFB469-3716-E14A-B69D-A49EC070E527}" srcOrd="0" destOrd="0" presId="urn:microsoft.com/office/officeart/2005/8/layout/hierarchy3"/>
+    <dgm:cxn modelId="{6FB1C8E5-2064-CA41-8DE3-766771E75E55}" type="presParOf" srcId="{9FD9A0C1-C387-3B4C-A940-CE152694D02E}" destId="{F7AB2AC7-2425-A646-A715-7B29D560B119}" srcOrd="1" destOrd="0" presId="urn:microsoft.com/office/officeart/2005/8/layout/hierarchy3"/>
+    <dgm:cxn modelId="{70F9D33B-969F-6546-905E-0619EADECC4E}" type="presParOf" srcId="{D144B83E-7D28-EE47-8111-06DC573654BB}" destId="{4CFE4CE1-8CE8-4F47-BDED-E063D675F555}" srcOrd="1" destOrd="0" presId="urn:microsoft.com/office/officeart/2005/8/layout/hierarchy3"/>
+    <dgm:cxn modelId="{053D220B-CE49-2B47-BE49-F9AF7A9EAB63}" type="presParOf" srcId="{4CFE4CE1-8CE8-4F47-BDED-E063D675F555}" destId="{393AD860-B486-FC48-984F-7683F7D21359}" srcOrd="0" destOrd="0" presId="urn:microsoft.com/office/officeart/2005/8/layout/hierarchy3"/>
+    <dgm:cxn modelId="{15DEAFAD-7672-D74A-ADFF-730F125E9C3B}" type="presParOf" srcId="{4CFE4CE1-8CE8-4F47-BDED-E063D675F555}" destId="{FB19C887-BF7F-3D40-A846-41259A5A4BA3}" srcOrd="1" destOrd="0" presId="urn:microsoft.com/office/officeart/2005/8/layout/hierarchy3"/>
+    <dgm:cxn modelId="{534A2342-3BD2-104B-B812-5576BB92CAC9}" type="presParOf" srcId="{4CFE4CE1-8CE8-4F47-BDED-E063D675F555}" destId="{9ECB9AF4-D7FD-8C40-A823-823B5A8B7455}" srcOrd="2" destOrd="0" presId="urn:microsoft.com/office/officeart/2005/8/layout/hierarchy3"/>
+    <dgm:cxn modelId="{194879A5-A2DD-0D44-8685-9D424B816570}" type="presParOf" srcId="{4CFE4CE1-8CE8-4F47-BDED-E063D675F555}" destId="{3579B351-9021-D64C-AB9A-BA0B7279E5FF}" srcOrd="3" destOrd="0" presId="urn:microsoft.com/office/officeart/2005/8/layout/hierarchy3"/>
+    <dgm:cxn modelId="{789DB494-084B-BA4E-90D3-9DB732C941FF}" type="presParOf" srcId="{4CFE4CE1-8CE8-4F47-BDED-E063D675F555}" destId="{58148C2E-04D1-0F42-AB16-2802B7275109}" srcOrd="4" destOrd="0" presId="urn:microsoft.com/office/officeart/2005/8/layout/hierarchy3"/>
+    <dgm:cxn modelId="{565B3A8C-40AF-2446-8AFE-830B8076B327}" type="presParOf" srcId="{4CFE4CE1-8CE8-4F47-BDED-E063D675F555}" destId="{7D2FFF0B-1016-8D4F-AB31-B0C0D635C500}" srcOrd="5" destOrd="0" presId="urn:microsoft.com/office/officeart/2005/8/layout/hierarchy3"/>
+  </dgm:cxnLst>
+  <dgm:bg/>
+  <dgm:whole/>
+  <dgm:extLst>
+    <a:ext uri="http://schemas.microsoft.com/office/drawing/2008/diagram">
+      <dsp:dataModelExt xmlns:dsp="http://schemas.microsoft.com/office/drawing/2008/diagram" relId="rId6" minVer="http://schemas.openxmlformats.org/drawingml/2006/diagram"/>
+    </a:ext>
+  </dgm:extLst>
+</dgm:dataModel>
+</file>
+
 <file path=ppt/diagrams/drawing1.xml><?xml version="1.0" encoding="utf-8"?>
 <dsp:drawing xmlns:dgm="http://schemas.openxmlformats.org/drawingml/2006/diagram" xmlns:dsp="http://schemas.microsoft.com/office/drawing/2008/diagram" xmlns:a="http://schemas.openxmlformats.org/drawingml/2006/main">
   <dsp:spTree>
@@ -1801,7 +4571,13 @@
             <a:schemeClr val="tx1"/>
           </a:solidFill>
         </a:ln>
-        <a:effectLst/>
+        <a:effectLst>
+          <a:outerShdw blurRad="50800" dist="76200" dir="5400000" algn="t" rotWithShape="0">
+            <a:prstClr val="black">
+              <a:alpha val="40000"/>
+            </a:prstClr>
+          </a:outerShdw>
+        </a:effectLst>
         <a:scene3d>
           <a:camera prst="orthographicFront"/>
           <a:lightRig rig="flat" dir="t"/>
@@ -1892,7 +4668,13 @@
           <a:prstDash val="solid"/>
           <a:miter lim="800000"/>
         </a:ln>
-        <a:effectLst/>
+        <a:effectLst>
+          <a:outerShdw blurRad="50800" dist="76200" dir="5400000" algn="t" rotWithShape="0">
+            <a:prstClr val="black">
+              <a:alpha val="40000"/>
+            </a:prstClr>
+          </a:outerShdw>
+        </a:effectLst>
         <a:scene3d>
           <a:camera prst="orthographicFront"/>
           <a:lightRig rig="flat" dir="t"/>
@@ -1940,7 +4722,13 @@
           <a:prstDash val="solid"/>
           <a:miter lim="800000"/>
         </a:ln>
-        <a:effectLst/>
+        <a:effectLst>
+          <a:outerShdw blurRad="50800" dist="76200" dir="5400000" algn="t" rotWithShape="0">
+            <a:prstClr val="black">
+              <a:alpha val="40000"/>
+            </a:prstClr>
+          </a:outerShdw>
+        </a:effectLst>
         <a:scene3d>
           <a:camera prst="orthographicFront"/>
           <a:lightRig rig="flat" dir="t"/>
@@ -2036,7 +4824,13 @@
           <a:prstDash val="solid"/>
           <a:miter lim="800000"/>
         </a:ln>
-        <a:effectLst/>
+        <a:effectLst>
+          <a:outerShdw blurRad="50800" dist="76200" dir="5400000" algn="t" rotWithShape="0">
+            <a:prstClr val="black">
+              <a:alpha val="40000"/>
+            </a:prstClr>
+          </a:outerShdw>
+        </a:effectLst>
         <a:scene3d>
           <a:camera prst="orthographicFront"/>
           <a:lightRig rig="flat" dir="t"/>
@@ -2084,7 +4878,13 @@
           <a:prstDash val="solid"/>
           <a:miter lim="800000"/>
         </a:ln>
-        <a:effectLst/>
+        <a:effectLst>
+          <a:outerShdw blurRad="50800" dist="76200" dir="5400000" algn="t" rotWithShape="0">
+            <a:prstClr val="black">
+              <a:alpha val="40000"/>
+            </a:prstClr>
+          </a:outerShdw>
+        </a:effectLst>
         <a:scene3d>
           <a:camera prst="orthographicFront"/>
           <a:lightRig rig="flat" dir="t"/>
@@ -2180,7 +4980,13 @@
           <a:prstDash val="solid"/>
           <a:miter lim="800000"/>
         </a:ln>
-        <a:effectLst/>
+        <a:effectLst>
+          <a:outerShdw blurRad="50800" dist="76200" dir="5400000" algn="t" rotWithShape="0">
+            <a:prstClr val="black">
+              <a:alpha val="40000"/>
+            </a:prstClr>
+          </a:outerShdw>
+        </a:effectLst>
         <a:scene3d>
           <a:camera prst="orthographicFront"/>
           <a:lightRig rig="flat" dir="t"/>
@@ -2228,7 +5034,13 @@
           <a:prstDash val="solid"/>
           <a:miter lim="800000"/>
         </a:ln>
-        <a:effectLst/>
+        <a:effectLst>
+          <a:outerShdw blurRad="50800" dist="76200" dir="5400000" algn="t" rotWithShape="0">
+            <a:prstClr val="black">
+              <a:alpha val="40000"/>
+            </a:prstClr>
+          </a:outerShdw>
+        </a:effectLst>
         <a:scene3d>
           <a:camera prst="orthographicFront"/>
           <a:lightRig rig="flat" dir="t"/>
@@ -2272,7 +5084,15 @@
                 <a:schemeClr val="bg1"/>
               </a:solidFill>
             </a:rPr>
-            <a:t>4.3 Generate initial draft</a:t>
+            <a:t>4.3 </a:t>
+          </a:r>
+          <a:r>
+            <a:rPr lang="en-US" sz="900" kern="1200" dirty="0" smtClean="0">
+              <a:solidFill>
+                <a:schemeClr val="bg1"/>
+              </a:solidFill>
+            </a:rPr>
+            <a:t>Generate draft CPS</a:t>
           </a:r>
           <a:endParaRPr lang="en-US" sz="900" kern="1200" dirty="0">
             <a:solidFill>
@@ -2294,7 +5114,7 @@
       <dsp:spPr>
         <a:xfrm>
           <a:off x="5626675" y="610407"/>
-          <a:ext cx="111550" cy="2492848"/>
+          <a:ext cx="97262" cy="3107211"/>
         </a:xfrm>
         <a:custGeom>
           <a:avLst/>
@@ -2308,10 +5128,10 @@
                 <a:pt x="0" y="0"/>
               </a:moveTo>
               <a:lnTo>
-                <a:pt x="0" y="2492848"/>
+                <a:pt x="0" y="3107211"/>
               </a:lnTo>
               <a:lnTo>
-                <a:pt x="111550" y="2492848"/>
+                <a:pt x="97262" y="3107211"/>
               </a:lnTo>
             </a:path>
           </a:pathLst>
@@ -2324,7 +5144,13 @@
           <a:prstDash val="solid"/>
           <a:miter lim="800000"/>
         </a:ln>
-        <a:effectLst/>
+        <a:effectLst>
+          <a:outerShdw blurRad="50800" dist="76200" dir="5400000" algn="t" rotWithShape="0">
+            <a:prstClr val="black">
+              <a:alpha val="40000"/>
+            </a:prstClr>
+          </a:outerShdw>
+        </a:effectLst>
         <a:scene3d>
           <a:camera prst="orthographicFront"/>
           <a:lightRig rig="flat" dir="t"/>
@@ -2351,7 +5177,7 @@
       </dsp:nvSpPr>
       <dsp:spPr>
         <a:xfrm>
-          <a:off x="5738226" y="2851089"/>
+          <a:off x="5723937" y="3465452"/>
           <a:ext cx="938649" cy="504333"/>
         </a:xfrm>
         <a:prstGeom prst="roundRect">
@@ -2372,7 +5198,13 @@
           <a:prstDash val="solid"/>
           <a:miter lim="800000"/>
         </a:ln>
-        <a:effectLst/>
+        <a:effectLst>
+          <a:outerShdw blurRad="50800" dist="76200" dir="5400000" algn="t" rotWithShape="0">
+            <a:prstClr val="black">
+              <a:alpha val="40000"/>
+            </a:prstClr>
+          </a:outerShdw>
+        </a:effectLst>
         <a:scene3d>
           <a:camera prst="orthographicFront"/>
           <a:lightRig rig="flat" dir="t"/>
@@ -2426,7 +5258,7 @@
         </a:p>
       </dsp:txBody>
       <dsp:txXfrm>
-        <a:off x="5752997" y="2865860"/>
+        <a:off x="5738708" y="3480223"/>
         <a:ext cx="909107" cy="474791"/>
       </dsp:txXfrm>
     </dsp:sp>
@@ -2438,7 +5270,7 @@
       <dsp:spPr>
         <a:xfrm>
           <a:off x="5626675" y="610407"/>
-          <a:ext cx="111550" cy="3225998"/>
+          <a:ext cx="97262" cy="2468761"/>
         </a:xfrm>
         <a:custGeom>
           <a:avLst/>
@@ -2452,10 +5284,10 @@
                 <a:pt x="0" y="0"/>
               </a:moveTo>
               <a:lnTo>
-                <a:pt x="0" y="3225998"/>
+                <a:pt x="0" y="2468761"/>
               </a:lnTo>
               <a:lnTo>
-                <a:pt x="111550" y="3225998"/>
+                <a:pt x="97262" y="2468761"/>
               </a:lnTo>
             </a:path>
           </a:pathLst>
@@ -2468,7 +5300,13 @@
           <a:prstDash val="solid"/>
           <a:miter lim="800000"/>
         </a:ln>
-        <a:effectLst/>
+        <a:effectLst>
+          <a:outerShdw blurRad="50800" dist="76200" dir="5400000" algn="t" rotWithShape="0">
+            <a:prstClr val="black">
+              <a:alpha val="40000"/>
+            </a:prstClr>
+          </a:outerShdw>
+        </a:effectLst>
         <a:scene3d>
           <a:camera prst="orthographicFront"/>
           <a:lightRig rig="flat" dir="t"/>
@@ -2495,7 +5333,7 @@
       </dsp:nvSpPr>
       <dsp:spPr>
         <a:xfrm>
-          <a:off x="5738226" y="3606341"/>
+          <a:off x="5723937" y="2849104"/>
           <a:ext cx="918159" cy="460128"/>
         </a:xfrm>
         <a:prstGeom prst="roundRect">
@@ -2516,7 +5354,13 @@
           <a:prstDash val="solid"/>
           <a:miter lim="800000"/>
         </a:ln>
-        <a:effectLst/>
+        <a:effectLst>
+          <a:outerShdw blurRad="50800" dist="76200" dir="5400000" algn="t" rotWithShape="0">
+            <a:prstClr val="black">
+              <a:alpha val="40000"/>
+            </a:prstClr>
+          </a:outerShdw>
+        </a:effectLst>
         <a:scene3d>
           <a:camera prst="orthographicFront"/>
           <a:lightRig rig="flat" dir="t"/>
@@ -2570,7 +5414,7 @@
         </a:p>
       </dsp:txBody>
       <dsp:txXfrm>
-        <a:off x="5751703" y="3619818"/>
+        <a:off x="5737414" y="2862581"/>
         <a:ext cx="891205" cy="433174"/>
       </dsp:txXfrm>
     </dsp:sp>
@@ -2612,7 +5456,13 @@
           <a:prstDash val="solid"/>
           <a:miter lim="800000"/>
         </a:ln>
-        <a:effectLst/>
+        <a:effectLst>
+          <a:outerShdw blurRad="50800" dist="76200" dir="5400000" algn="t" rotWithShape="0">
+            <a:prstClr val="black">
+              <a:alpha val="40000"/>
+            </a:prstClr>
+          </a:outerShdw>
+        </a:effectLst>
         <a:scene3d>
           <a:camera prst="orthographicFront"/>
           <a:lightRig rig="flat" dir="t"/>
@@ -2660,7 +5510,13 @@
           <a:prstDash val="solid"/>
           <a:miter lim="800000"/>
         </a:ln>
-        <a:effectLst/>
+        <a:effectLst>
+          <a:outerShdw blurRad="50800" dist="76200" dir="5400000" algn="t" rotWithShape="0">
+            <a:prstClr val="black">
+              <a:alpha val="40000"/>
+            </a:prstClr>
+          </a:outerShdw>
+        </a:effectLst>
         <a:scene3d>
           <a:camera prst="orthographicFront"/>
           <a:lightRig rig="flat" dir="t"/>
@@ -2756,7 +5612,13 @@
           <a:prstDash val="solid"/>
           <a:miter lim="800000"/>
         </a:ln>
-        <a:effectLst/>
+        <a:effectLst>
+          <a:outerShdw blurRad="50800" dist="76200" dir="5400000" algn="t" rotWithShape="0">
+            <a:prstClr val="black">
+              <a:alpha val="40000"/>
+            </a:prstClr>
+          </a:outerShdw>
+        </a:effectLst>
         <a:scene3d>
           <a:camera prst="orthographicFront"/>
           <a:lightRig rig="flat" dir="t"/>
@@ -2804,7 +5666,13 @@
           <a:prstDash val="solid"/>
           <a:miter lim="800000"/>
         </a:ln>
-        <a:effectLst/>
+        <a:effectLst>
+          <a:outerShdw blurRad="50800" dist="76200" dir="5400000" algn="t" rotWithShape="0">
+            <a:prstClr val="black">
+              <a:alpha val="40000"/>
+            </a:prstClr>
+          </a:outerShdw>
+        </a:effectLst>
         <a:scene3d>
           <a:camera prst="orthographicFront"/>
           <a:lightRig rig="flat" dir="t"/>
@@ -2900,7 +5768,13 @@
           <a:prstDash val="solid"/>
           <a:miter lim="800000"/>
         </a:ln>
-        <a:effectLst/>
+        <a:effectLst>
+          <a:outerShdw blurRad="50800" dist="76200" dir="5400000" algn="t" rotWithShape="0">
+            <a:prstClr val="black">
+              <a:alpha val="40000"/>
+            </a:prstClr>
+          </a:outerShdw>
+        </a:effectLst>
         <a:scene3d>
           <a:camera prst="orthographicFront"/>
           <a:lightRig rig="flat" dir="t"/>
@@ -2948,7 +5822,13 @@
           <a:prstDash val="solid"/>
           <a:miter lim="800000"/>
         </a:ln>
-        <a:effectLst/>
+        <a:effectLst>
+          <a:outerShdw blurRad="50800" dist="76200" dir="5400000" algn="t" rotWithShape="0">
+            <a:prstClr val="black">
+              <a:alpha val="40000"/>
+            </a:prstClr>
+          </a:outerShdw>
+        </a:effectLst>
         <a:scene3d>
           <a:camera prst="orthographicFront"/>
           <a:lightRig rig="flat" dir="t"/>
@@ -3044,7 +5924,13 @@
           <a:prstDash val="solid"/>
           <a:miter lim="800000"/>
         </a:ln>
-        <a:effectLst/>
+        <a:effectLst>
+          <a:outerShdw blurRad="50800" dist="76200" dir="5400000" algn="t" rotWithShape="0">
+            <a:prstClr val="black">
+              <a:alpha val="40000"/>
+            </a:prstClr>
+          </a:outerShdw>
+        </a:effectLst>
         <a:scene3d>
           <a:camera prst="orthographicFront"/>
           <a:lightRig rig="flat" dir="t"/>
@@ -3092,7 +5978,13 @@
           <a:prstDash val="solid"/>
           <a:miter lim="800000"/>
         </a:ln>
-        <a:effectLst/>
+        <a:effectLst>
+          <a:outerShdw blurRad="50800" dist="76200" dir="5400000" algn="t" rotWithShape="0">
+            <a:prstClr val="black">
+              <a:alpha val="40000"/>
+            </a:prstClr>
+          </a:outerShdw>
+        </a:effectLst>
         <a:scene3d>
           <a:camera prst="orthographicFront"/>
           <a:lightRig rig="flat" dir="t"/>
@@ -3154,7 +6046,1897 @@
 </dsp:drawing>
 </file>
 
+<file path=ppt/diagrams/drawing2.xml><?xml version="1.0" encoding="utf-8"?>
+<dsp:drawing xmlns:dgm="http://schemas.openxmlformats.org/drawingml/2006/diagram" xmlns:dsp="http://schemas.microsoft.com/office/drawing/2008/diagram" xmlns:a="http://schemas.openxmlformats.org/drawingml/2006/main">
+  <dsp:spTree>
+    <dsp:nvGrpSpPr>
+      <dsp:cNvPr id="0" name=""/>
+      <dsp:cNvGrpSpPr/>
+    </dsp:nvGrpSpPr>
+    <dsp:grpSpPr/>
+    <dsp:sp modelId="{E0ED28E4-511E-6248-9B03-BC2BC3252CCB}">
+      <dsp:nvSpPr>
+        <dsp:cNvPr id="0" name=""/>
+        <dsp:cNvSpPr/>
+      </dsp:nvSpPr>
+      <dsp:spPr>
+        <a:xfrm>
+          <a:off x="3161109" y="661"/>
+          <a:ext cx="1805781" cy="902890"/>
+        </a:xfrm>
+        <a:prstGeom prst="roundRect">
+          <a:avLst>
+            <a:gd name="adj" fmla="val 10000"/>
+          </a:avLst>
+        </a:prstGeom>
+        <a:solidFill>
+          <a:schemeClr val="accent2">
+            <a:lumMod val="75000"/>
+          </a:schemeClr>
+        </a:solidFill>
+        <a:ln>
+          <a:solidFill>
+            <a:schemeClr val="tx1"/>
+          </a:solidFill>
+        </a:ln>
+        <a:effectLst>
+          <a:outerShdw blurRad="50800" dist="76200" dir="5400000" algn="t" rotWithShape="0">
+            <a:prstClr val="black">
+              <a:alpha val="40000"/>
+            </a:prstClr>
+          </a:outerShdw>
+        </a:effectLst>
+        <a:scene3d>
+          <a:camera prst="orthographicFront"/>
+          <a:lightRig rig="flat" dir="t"/>
+        </a:scene3d>
+        <a:sp3d prstMaterial="plastic">
+          <a:bevelT w="120900" h="88900"/>
+          <a:bevelB w="88900" h="31750" prst="angle"/>
+        </a:sp3d>
+      </dsp:spPr>
+      <dsp:style>
+        <a:lnRef idx="0">
+          <a:scrgbClr r="0" g="0" b="0"/>
+        </a:lnRef>
+        <a:fillRef idx="3">
+          <a:scrgbClr r="0" g="0" b="0"/>
+        </a:fillRef>
+        <a:effectRef idx="2">
+          <a:scrgbClr r="0" g="0" b="0"/>
+        </a:effectRef>
+        <a:fontRef idx="minor">
+          <a:schemeClr val="lt1"/>
+        </a:fontRef>
+      </dsp:style>
+      <dsp:txBody>
+        <a:bodyPr spcFirstLastPara="0" vert="horz" wrap="square" lIns="45720" tIns="30480" rIns="45720" bIns="30480" numCol="1" spcCol="1270" anchor="ctr" anchorCtr="0">
+          <a:noAutofit/>
+        </a:bodyPr>
+        <a:lstStyle/>
+        <a:p>
+          <a:pPr lvl="0" algn="ctr" defTabSz="1066800">
+            <a:lnSpc>
+              <a:spcPct val="90000"/>
+            </a:lnSpc>
+            <a:spcBef>
+              <a:spcPct val="0"/>
+            </a:spcBef>
+            <a:spcAft>
+              <a:spcPct val="35000"/>
+            </a:spcAft>
+          </a:pPr>
+          <a:r>
+            <a:rPr lang="en-US" sz="2400" kern="1200" smtClean="0">
+              <a:solidFill>
+                <a:schemeClr val="bg1"/>
+              </a:solidFill>
+            </a:rPr>
+            <a:t>4.3 Generate initial draft</a:t>
+          </a:r>
+          <a:endParaRPr lang="en-US" sz="2400" kern="1200" dirty="0">
+            <a:solidFill>
+              <a:schemeClr val="bg1"/>
+            </a:solidFill>
+          </a:endParaRPr>
+        </a:p>
+      </dsp:txBody>
+      <dsp:txXfrm>
+        <a:off x="3187554" y="27106"/>
+        <a:ext cx="1752891" cy="850000"/>
+      </dsp:txXfrm>
+    </dsp:sp>
+    <dsp:sp modelId="{741974B6-6294-184C-B266-70F9C421F75B}">
+      <dsp:nvSpPr>
+        <dsp:cNvPr id="0" name=""/>
+        <dsp:cNvSpPr/>
+      </dsp:nvSpPr>
+      <dsp:spPr>
+        <a:xfrm>
+          <a:off x="3341687" y="903552"/>
+          <a:ext cx="180578" cy="677167"/>
+        </a:xfrm>
+        <a:custGeom>
+          <a:avLst/>
+          <a:gdLst/>
+          <a:ahLst/>
+          <a:cxnLst/>
+          <a:rect l="0" t="0" r="0" b="0"/>
+          <a:pathLst>
+            <a:path>
+              <a:moveTo>
+                <a:pt x="0" y="0"/>
+              </a:moveTo>
+              <a:lnTo>
+                <a:pt x="0" y="677167"/>
+              </a:lnTo>
+              <a:lnTo>
+                <a:pt x="180578" y="677167"/>
+              </a:lnTo>
+            </a:path>
+          </a:pathLst>
+        </a:custGeom>
+        <a:noFill/>
+        <a:ln w="12700" cap="flat" cmpd="sng" algn="ctr">
+          <a:solidFill>
+            <a:schemeClr val="tx1"/>
+          </a:solidFill>
+          <a:prstDash val="solid"/>
+          <a:miter lim="800000"/>
+        </a:ln>
+        <a:effectLst>
+          <a:outerShdw blurRad="50800" dist="76200" dir="5400000" algn="t" rotWithShape="0">
+            <a:prstClr val="black">
+              <a:alpha val="40000"/>
+            </a:prstClr>
+          </a:outerShdw>
+        </a:effectLst>
+        <a:scene3d>
+          <a:camera prst="orthographicFront"/>
+          <a:lightRig rig="flat" dir="t"/>
+        </a:scene3d>
+        <a:sp3d prstMaterial="matte"/>
+      </dsp:spPr>
+      <dsp:style>
+        <a:lnRef idx="2">
+          <a:scrgbClr r="0" g="0" b="0"/>
+        </a:lnRef>
+        <a:fillRef idx="0">
+          <a:scrgbClr r="0" g="0" b="0"/>
+        </a:fillRef>
+        <a:effectRef idx="0">
+          <a:scrgbClr r="0" g="0" b="0"/>
+        </a:effectRef>
+        <a:fontRef idx="minor"/>
+      </dsp:style>
+    </dsp:sp>
+    <dsp:sp modelId="{C414401F-666D-1C42-9C10-8477100DA616}">
+      <dsp:nvSpPr>
+        <dsp:cNvPr id="0" name=""/>
+        <dsp:cNvSpPr/>
+      </dsp:nvSpPr>
+      <dsp:spPr>
+        <a:xfrm>
+          <a:off x="3522265" y="1129274"/>
+          <a:ext cx="1444624" cy="902890"/>
+        </a:xfrm>
+        <a:prstGeom prst="roundRect">
+          <a:avLst>
+            <a:gd name="adj" fmla="val 10000"/>
+          </a:avLst>
+        </a:prstGeom>
+        <a:solidFill>
+          <a:schemeClr val="accent2">
+            <a:lumMod val="75000"/>
+          </a:schemeClr>
+        </a:solidFill>
+        <a:ln w="6350" cap="flat" cmpd="sng" algn="ctr">
+          <a:solidFill>
+            <a:schemeClr val="tx1"/>
+          </a:solidFill>
+          <a:prstDash val="solid"/>
+          <a:miter lim="800000"/>
+        </a:ln>
+        <a:effectLst>
+          <a:outerShdw blurRad="50800" dist="76200" dir="5400000" algn="t" rotWithShape="0">
+            <a:prstClr val="black">
+              <a:alpha val="40000"/>
+            </a:prstClr>
+          </a:outerShdw>
+        </a:effectLst>
+        <a:scene3d>
+          <a:camera prst="orthographicFront"/>
+          <a:lightRig rig="flat" dir="t"/>
+        </a:scene3d>
+        <a:sp3d z="-190500" extrusionH="12700" prstMaterial="plastic">
+          <a:bevelT w="50800" h="50800"/>
+        </a:sp3d>
+      </dsp:spPr>
+      <dsp:style>
+        <a:lnRef idx="1">
+          <a:scrgbClr r="0" g="0" b="0"/>
+        </a:lnRef>
+        <a:fillRef idx="1">
+          <a:scrgbClr r="0" g="0" b="0"/>
+        </a:fillRef>
+        <a:effectRef idx="2">
+          <a:scrgbClr r="0" g="0" b="0"/>
+        </a:effectRef>
+        <a:fontRef idx="minor"/>
+      </dsp:style>
+      <dsp:txBody>
+        <a:bodyPr spcFirstLastPara="0" vert="horz" wrap="square" lIns="36195" tIns="24130" rIns="36195" bIns="24130" numCol="1" spcCol="1270" anchor="ctr" anchorCtr="0">
+          <a:noAutofit/>
+        </a:bodyPr>
+        <a:lstStyle/>
+        <a:p>
+          <a:pPr lvl="0" algn="ctr" defTabSz="844550">
+            <a:lnSpc>
+              <a:spcPct val="90000"/>
+            </a:lnSpc>
+            <a:spcBef>
+              <a:spcPct val="0"/>
+            </a:spcBef>
+            <a:spcAft>
+              <a:spcPct val="35000"/>
+            </a:spcAft>
+          </a:pPr>
+          <a:r>
+            <a:rPr lang="en-US" sz="1900" kern="1200" smtClean="0">
+              <a:solidFill>
+                <a:schemeClr val="bg1"/>
+              </a:solidFill>
+            </a:rPr>
+            <a:t>4.3.1 Check Eligibility </a:t>
+          </a:r>
+          <a:endParaRPr lang="en-US" sz="1900" kern="1200" dirty="0">
+            <a:solidFill>
+              <a:schemeClr val="bg1"/>
+            </a:solidFill>
+          </a:endParaRPr>
+        </a:p>
+      </dsp:txBody>
+      <dsp:txXfrm>
+        <a:off x="3548710" y="1155719"/>
+        <a:ext cx="1391734" cy="850000"/>
+      </dsp:txXfrm>
+    </dsp:sp>
+    <dsp:sp modelId="{E7E6FAE1-4DCF-9248-B7C9-F93CCAF56B5C}">
+      <dsp:nvSpPr>
+        <dsp:cNvPr id="0" name=""/>
+        <dsp:cNvSpPr/>
+      </dsp:nvSpPr>
+      <dsp:spPr>
+        <a:xfrm>
+          <a:off x="3341687" y="903552"/>
+          <a:ext cx="180578" cy="1805781"/>
+        </a:xfrm>
+        <a:custGeom>
+          <a:avLst/>
+          <a:gdLst/>
+          <a:ahLst/>
+          <a:cxnLst/>
+          <a:rect l="0" t="0" r="0" b="0"/>
+          <a:pathLst>
+            <a:path>
+              <a:moveTo>
+                <a:pt x="0" y="0"/>
+              </a:moveTo>
+              <a:lnTo>
+                <a:pt x="0" y="1805781"/>
+              </a:lnTo>
+              <a:lnTo>
+                <a:pt x="180578" y="1805781"/>
+              </a:lnTo>
+            </a:path>
+          </a:pathLst>
+        </a:custGeom>
+        <a:noFill/>
+        <a:ln w="12700" cap="flat" cmpd="sng" algn="ctr">
+          <a:solidFill>
+            <a:schemeClr val="tx1"/>
+          </a:solidFill>
+          <a:prstDash val="solid"/>
+          <a:miter lim="800000"/>
+        </a:ln>
+        <a:effectLst>
+          <a:outerShdw blurRad="50800" dist="76200" dir="5400000" algn="t" rotWithShape="0">
+            <a:prstClr val="black">
+              <a:alpha val="40000"/>
+            </a:prstClr>
+          </a:outerShdw>
+        </a:effectLst>
+        <a:scene3d>
+          <a:camera prst="orthographicFront"/>
+          <a:lightRig rig="flat" dir="t"/>
+        </a:scene3d>
+        <a:sp3d prstMaterial="matte"/>
+      </dsp:spPr>
+      <dsp:style>
+        <a:lnRef idx="2">
+          <a:scrgbClr r="0" g="0" b="0"/>
+        </a:lnRef>
+        <a:fillRef idx="0">
+          <a:scrgbClr r="0" g="0" b="0"/>
+        </a:fillRef>
+        <a:effectRef idx="0">
+          <a:scrgbClr r="0" g="0" b="0"/>
+        </a:effectRef>
+        <a:fontRef idx="minor"/>
+      </dsp:style>
+    </dsp:sp>
+    <dsp:sp modelId="{C3DE4238-3744-E949-A885-4E0A0421E121}">
+      <dsp:nvSpPr>
+        <dsp:cNvPr id="0" name=""/>
+        <dsp:cNvSpPr/>
+      </dsp:nvSpPr>
+      <dsp:spPr>
+        <a:xfrm>
+          <a:off x="3522265" y="2257888"/>
+          <a:ext cx="1444624" cy="902890"/>
+        </a:xfrm>
+        <a:prstGeom prst="roundRect">
+          <a:avLst>
+            <a:gd name="adj" fmla="val 10000"/>
+          </a:avLst>
+        </a:prstGeom>
+        <a:solidFill>
+          <a:schemeClr val="accent2">
+            <a:lumMod val="75000"/>
+          </a:schemeClr>
+        </a:solidFill>
+        <a:ln w="6350" cap="flat" cmpd="sng" algn="ctr">
+          <a:solidFill>
+            <a:schemeClr val="tx1"/>
+          </a:solidFill>
+          <a:prstDash val="solid"/>
+          <a:miter lim="800000"/>
+        </a:ln>
+        <a:effectLst>
+          <a:outerShdw blurRad="50800" dist="76200" dir="5400000" algn="t" rotWithShape="0">
+            <a:prstClr val="black">
+              <a:alpha val="40000"/>
+            </a:prstClr>
+          </a:outerShdw>
+        </a:effectLst>
+        <a:scene3d>
+          <a:camera prst="orthographicFront"/>
+          <a:lightRig rig="flat" dir="t"/>
+        </a:scene3d>
+        <a:sp3d z="-190500" extrusionH="12700" prstMaterial="plastic">
+          <a:bevelT w="50800" h="50800"/>
+        </a:sp3d>
+      </dsp:spPr>
+      <dsp:style>
+        <a:lnRef idx="1">
+          <a:scrgbClr r="0" g="0" b="0"/>
+        </a:lnRef>
+        <a:fillRef idx="1">
+          <a:scrgbClr r="0" g="0" b="0"/>
+        </a:fillRef>
+        <a:effectRef idx="2">
+          <a:scrgbClr r="0" g="0" b="0"/>
+        </a:effectRef>
+        <a:fontRef idx="minor"/>
+      </dsp:style>
+      <dsp:txBody>
+        <a:bodyPr spcFirstLastPara="0" vert="horz" wrap="square" lIns="36195" tIns="24130" rIns="36195" bIns="24130" numCol="1" spcCol="1270" anchor="ctr" anchorCtr="0">
+          <a:noAutofit/>
+        </a:bodyPr>
+        <a:lstStyle/>
+        <a:p>
+          <a:pPr lvl="0" algn="ctr" defTabSz="844550">
+            <a:lnSpc>
+              <a:spcPct val="90000"/>
+            </a:lnSpc>
+            <a:spcBef>
+              <a:spcPct val="0"/>
+            </a:spcBef>
+            <a:spcAft>
+              <a:spcPct val="35000"/>
+            </a:spcAft>
+          </a:pPr>
+          <a:r>
+            <a:rPr lang="en-US" sz="1900" kern="1200" smtClean="0">
+              <a:solidFill>
+                <a:schemeClr val="bg1"/>
+              </a:solidFill>
+            </a:rPr>
+            <a:t>4.3.2 Assign Foundations if any  </a:t>
+          </a:r>
+          <a:endParaRPr lang="en-US" sz="1900" kern="1200" dirty="0">
+            <a:solidFill>
+              <a:schemeClr val="bg1"/>
+            </a:solidFill>
+          </a:endParaRPr>
+        </a:p>
+      </dsp:txBody>
+      <dsp:txXfrm>
+        <a:off x="3548710" y="2284333"/>
+        <a:ext cx="1391734" cy="850000"/>
+      </dsp:txXfrm>
+    </dsp:sp>
+    <dsp:sp modelId="{4C5BEE88-F9D5-F343-955F-8B5AD9BAA716}">
+      <dsp:nvSpPr>
+        <dsp:cNvPr id="0" name=""/>
+        <dsp:cNvSpPr/>
+      </dsp:nvSpPr>
+      <dsp:spPr>
+        <a:xfrm>
+          <a:off x="3341687" y="903552"/>
+          <a:ext cx="180578" cy="2934394"/>
+        </a:xfrm>
+        <a:custGeom>
+          <a:avLst/>
+          <a:gdLst/>
+          <a:ahLst/>
+          <a:cxnLst/>
+          <a:rect l="0" t="0" r="0" b="0"/>
+          <a:pathLst>
+            <a:path>
+              <a:moveTo>
+                <a:pt x="0" y="0"/>
+              </a:moveTo>
+              <a:lnTo>
+                <a:pt x="0" y="2934394"/>
+              </a:lnTo>
+              <a:lnTo>
+                <a:pt x="180578" y="2934394"/>
+              </a:lnTo>
+            </a:path>
+          </a:pathLst>
+        </a:custGeom>
+        <a:noFill/>
+        <a:ln w="12700" cap="flat" cmpd="sng" algn="ctr">
+          <a:solidFill>
+            <a:schemeClr val="tx1"/>
+          </a:solidFill>
+          <a:prstDash val="solid"/>
+          <a:miter lim="800000"/>
+        </a:ln>
+        <a:effectLst>
+          <a:outerShdw blurRad="50800" dist="76200" dir="5400000" algn="t" rotWithShape="0">
+            <a:prstClr val="black">
+              <a:alpha val="40000"/>
+            </a:prstClr>
+          </a:outerShdw>
+        </a:effectLst>
+        <a:scene3d>
+          <a:camera prst="orthographicFront"/>
+          <a:lightRig rig="flat" dir="t"/>
+        </a:scene3d>
+        <a:sp3d prstMaterial="matte"/>
+      </dsp:spPr>
+      <dsp:style>
+        <a:lnRef idx="2">
+          <a:scrgbClr r="0" g="0" b="0"/>
+        </a:lnRef>
+        <a:fillRef idx="0">
+          <a:scrgbClr r="0" g="0" b="0"/>
+        </a:fillRef>
+        <a:effectRef idx="0">
+          <a:scrgbClr r="0" g="0" b="0"/>
+        </a:effectRef>
+        <a:fontRef idx="minor"/>
+      </dsp:style>
+    </dsp:sp>
+    <dsp:sp modelId="{70B24149-491F-C14B-B06D-999C58308CD7}">
+      <dsp:nvSpPr>
+        <dsp:cNvPr id="0" name=""/>
+        <dsp:cNvSpPr/>
+      </dsp:nvSpPr>
+      <dsp:spPr>
+        <a:xfrm>
+          <a:off x="3522265" y="3386501"/>
+          <a:ext cx="1444624" cy="902890"/>
+        </a:xfrm>
+        <a:prstGeom prst="roundRect">
+          <a:avLst>
+            <a:gd name="adj" fmla="val 10000"/>
+          </a:avLst>
+        </a:prstGeom>
+        <a:solidFill>
+          <a:schemeClr val="accent2">
+            <a:lumMod val="75000"/>
+          </a:schemeClr>
+        </a:solidFill>
+        <a:ln w="6350" cap="flat" cmpd="sng" algn="ctr">
+          <a:solidFill>
+            <a:schemeClr val="tx1"/>
+          </a:solidFill>
+          <a:prstDash val="solid"/>
+          <a:miter lim="800000"/>
+        </a:ln>
+        <a:effectLst>
+          <a:outerShdw blurRad="50800" dist="76200" dir="5400000" algn="t" rotWithShape="0">
+            <a:prstClr val="black">
+              <a:alpha val="40000"/>
+            </a:prstClr>
+          </a:outerShdw>
+        </a:effectLst>
+        <a:scene3d>
+          <a:camera prst="orthographicFront"/>
+          <a:lightRig rig="flat" dir="t"/>
+        </a:scene3d>
+        <a:sp3d z="-190500" extrusionH="12700" prstMaterial="plastic">
+          <a:bevelT w="50800" h="50800"/>
+        </a:sp3d>
+      </dsp:spPr>
+      <dsp:style>
+        <a:lnRef idx="1">
+          <a:scrgbClr r="0" g="0" b="0"/>
+        </a:lnRef>
+        <a:fillRef idx="1">
+          <a:scrgbClr r="0" g="0" b="0"/>
+        </a:fillRef>
+        <a:effectRef idx="2">
+          <a:scrgbClr r="0" g="0" b="0"/>
+        </a:effectRef>
+        <a:fontRef idx="minor"/>
+      </dsp:style>
+      <dsp:txBody>
+        <a:bodyPr spcFirstLastPara="0" vert="horz" wrap="square" lIns="36195" tIns="24130" rIns="36195" bIns="24130" numCol="1" spcCol="1270" anchor="ctr" anchorCtr="0">
+          <a:noAutofit/>
+        </a:bodyPr>
+        <a:lstStyle/>
+        <a:p>
+          <a:pPr lvl="0" algn="ctr" defTabSz="844550">
+            <a:lnSpc>
+              <a:spcPct val="90000"/>
+            </a:lnSpc>
+            <a:spcBef>
+              <a:spcPct val="0"/>
+            </a:spcBef>
+            <a:spcAft>
+              <a:spcPct val="35000"/>
+            </a:spcAft>
+          </a:pPr>
+          <a:r>
+            <a:rPr lang="en-US" sz="1900" kern="1200" smtClean="0">
+              <a:solidFill>
+                <a:schemeClr val="bg1"/>
+              </a:solidFill>
+            </a:rPr>
+            <a:t>4.3.3 Provide  elective options  </a:t>
+          </a:r>
+          <a:endParaRPr lang="en-US" sz="1900" kern="1200" dirty="0">
+            <a:solidFill>
+              <a:schemeClr val="bg1"/>
+            </a:solidFill>
+          </a:endParaRPr>
+        </a:p>
+      </dsp:txBody>
+      <dsp:txXfrm>
+        <a:off x="3548710" y="3412946"/>
+        <a:ext cx="1391734" cy="850000"/>
+      </dsp:txXfrm>
+    </dsp:sp>
+    <dsp:sp modelId="{15313C50-63FF-124F-B461-B81F2B08F94E}">
+      <dsp:nvSpPr>
+        <dsp:cNvPr id="0" name=""/>
+        <dsp:cNvSpPr/>
+      </dsp:nvSpPr>
+      <dsp:spPr>
+        <a:xfrm>
+          <a:off x="3341687" y="903552"/>
+          <a:ext cx="180578" cy="4063007"/>
+        </a:xfrm>
+        <a:custGeom>
+          <a:avLst/>
+          <a:gdLst/>
+          <a:ahLst/>
+          <a:cxnLst/>
+          <a:rect l="0" t="0" r="0" b="0"/>
+          <a:pathLst>
+            <a:path>
+              <a:moveTo>
+                <a:pt x="0" y="0"/>
+              </a:moveTo>
+              <a:lnTo>
+                <a:pt x="0" y="4063007"/>
+              </a:lnTo>
+              <a:lnTo>
+                <a:pt x="180578" y="4063007"/>
+              </a:lnTo>
+            </a:path>
+          </a:pathLst>
+        </a:custGeom>
+        <a:noFill/>
+        <a:ln w="12700" cap="flat" cmpd="sng" algn="ctr">
+          <a:solidFill>
+            <a:schemeClr val="tx1"/>
+          </a:solidFill>
+          <a:prstDash val="solid"/>
+          <a:miter lim="800000"/>
+        </a:ln>
+        <a:effectLst>
+          <a:outerShdw blurRad="50800" dist="76200" dir="5400000" algn="t" rotWithShape="0">
+            <a:prstClr val="black">
+              <a:alpha val="40000"/>
+            </a:prstClr>
+          </a:outerShdw>
+        </a:effectLst>
+        <a:scene3d>
+          <a:camera prst="orthographicFront"/>
+          <a:lightRig rig="flat" dir="t"/>
+        </a:scene3d>
+        <a:sp3d prstMaterial="matte"/>
+      </dsp:spPr>
+      <dsp:style>
+        <a:lnRef idx="2">
+          <a:scrgbClr r="0" g="0" b="0"/>
+        </a:lnRef>
+        <a:fillRef idx="0">
+          <a:scrgbClr r="0" g="0" b="0"/>
+        </a:fillRef>
+        <a:effectRef idx="0">
+          <a:scrgbClr r="0" g="0" b="0"/>
+        </a:effectRef>
+        <a:fontRef idx="minor"/>
+      </dsp:style>
+    </dsp:sp>
+    <dsp:sp modelId="{FC7E61FB-7E70-874F-B844-5E02C30D5DDB}">
+      <dsp:nvSpPr>
+        <dsp:cNvPr id="0" name=""/>
+        <dsp:cNvSpPr/>
+      </dsp:nvSpPr>
+      <dsp:spPr>
+        <a:xfrm>
+          <a:off x="3522265" y="4515114"/>
+          <a:ext cx="1444624" cy="902890"/>
+        </a:xfrm>
+        <a:prstGeom prst="roundRect">
+          <a:avLst>
+            <a:gd name="adj" fmla="val 10000"/>
+          </a:avLst>
+        </a:prstGeom>
+        <a:solidFill>
+          <a:schemeClr val="accent2">
+            <a:lumMod val="75000"/>
+          </a:schemeClr>
+        </a:solidFill>
+        <a:ln w="6350" cap="flat" cmpd="sng" algn="ctr">
+          <a:solidFill>
+            <a:schemeClr val="tx1"/>
+          </a:solidFill>
+          <a:prstDash val="solid"/>
+          <a:miter lim="800000"/>
+        </a:ln>
+        <a:effectLst>
+          <a:outerShdw blurRad="50800" dist="76200" dir="5400000" algn="t" rotWithShape="0">
+            <a:prstClr val="black">
+              <a:alpha val="40000"/>
+            </a:prstClr>
+          </a:outerShdw>
+        </a:effectLst>
+        <a:scene3d>
+          <a:camera prst="orthographicFront"/>
+          <a:lightRig rig="flat" dir="t"/>
+        </a:scene3d>
+        <a:sp3d z="-190500" extrusionH="12700" prstMaterial="plastic">
+          <a:bevelT w="50800" h="50800"/>
+        </a:sp3d>
+      </dsp:spPr>
+      <dsp:style>
+        <a:lnRef idx="1">
+          <a:scrgbClr r="0" g="0" b="0"/>
+        </a:lnRef>
+        <a:fillRef idx="1">
+          <a:scrgbClr r="0" g="0" b="0"/>
+        </a:fillRef>
+        <a:effectRef idx="2">
+          <a:scrgbClr r="0" g="0" b="0"/>
+        </a:effectRef>
+        <a:fontRef idx="minor"/>
+      </dsp:style>
+      <dsp:txBody>
+        <a:bodyPr spcFirstLastPara="0" vert="horz" wrap="square" lIns="36195" tIns="24130" rIns="36195" bIns="24130" numCol="1" spcCol="1270" anchor="ctr" anchorCtr="0">
+          <a:noAutofit/>
+        </a:bodyPr>
+        <a:lstStyle/>
+        <a:p>
+          <a:pPr lvl="0" algn="ctr" defTabSz="844550">
+            <a:lnSpc>
+              <a:spcPct val="90000"/>
+            </a:lnSpc>
+            <a:spcBef>
+              <a:spcPct val="0"/>
+            </a:spcBef>
+            <a:spcAft>
+              <a:spcPct val="35000"/>
+            </a:spcAft>
+          </a:pPr>
+          <a:r>
+            <a:rPr lang="en-US" sz="1900" kern="1200" dirty="0" smtClean="0">
+              <a:solidFill>
+                <a:schemeClr val="bg1"/>
+              </a:solidFill>
+            </a:rPr>
+            <a:t>4.3.4 Approve Initial draft</a:t>
+          </a:r>
+          <a:endParaRPr lang="en-US" sz="1900" kern="1200" dirty="0">
+            <a:solidFill>
+              <a:schemeClr val="bg1"/>
+            </a:solidFill>
+          </a:endParaRPr>
+        </a:p>
+      </dsp:txBody>
+      <dsp:txXfrm>
+        <a:off x="3548710" y="4541559"/>
+        <a:ext cx="1391734" cy="850000"/>
+      </dsp:txXfrm>
+    </dsp:sp>
+  </dsp:spTree>
+</dsp:drawing>
+</file>
+
+<file path=ppt/diagrams/drawing3.xml><?xml version="1.0" encoding="utf-8"?>
+<dsp:drawing xmlns:dgm="http://schemas.openxmlformats.org/drawingml/2006/diagram" xmlns:dsp="http://schemas.microsoft.com/office/drawing/2008/diagram" xmlns:a="http://schemas.openxmlformats.org/drawingml/2006/main">
+  <dsp:spTree>
+    <dsp:nvGrpSpPr>
+      <dsp:cNvPr id="0" name=""/>
+      <dsp:cNvGrpSpPr/>
+    </dsp:nvGrpSpPr>
+    <dsp:grpSpPr/>
+    <dsp:sp modelId="{67DFB469-3716-E14A-B69D-A49EC070E527}">
+      <dsp:nvSpPr>
+        <dsp:cNvPr id="0" name=""/>
+        <dsp:cNvSpPr/>
+      </dsp:nvSpPr>
+      <dsp:spPr>
+        <a:xfrm>
+          <a:off x="2924968" y="4134"/>
+          <a:ext cx="2278062" cy="1139031"/>
+        </a:xfrm>
+        <a:prstGeom prst="roundRect">
+          <a:avLst>
+            <a:gd name="adj" fmla="val 10000"/>
+          </a:avLst>
+        </a:prstGeom>
+        <a:solidFill>
+          <a:schemeClr val="accent2">
+            <a:lumMod val="75000"/>
+          </a:schemeClr>
+        </a:solidFill>
+        <a:ln>
+          <a:solidFill>
+            <a:schemeClr val="tx1"/>
+          </a:solidFill>
+        </a:ln>
+        <a:effectLst>
+          <a:outerShdw blurRad="50800" dist="76200" dir="5400000" algn="t" rotWithShape="0">
+            <a:prstClr val="black">
+              <a:alpha val="40000"/>
+            </a:prstClr>
+          </a:outerShdw>
+        </a:effectLst>
+        <a:scene3d>
+          <a:camera prst="orthographicFront"/>
+          <a:lightRig rig="flat" dir="t"/>
+        </a:scene3d>
+        <a:sp3d prstMaterial="plastic">
+          <a:bevelT w="120900" h="88900"/>
+          <a:bevelB w="88900" h="31750" prst="angle"/>
+        </a:sp3d>
+      </dsp:spPr>
+      <dsp:style>
+        <a:lnRef idx="0">
+          <a:scrgbClr r="0" g="0" b="0"/>
+        </a:lnRef>
+        <a:fillRef idx="3">
+          <a:scrgbClr r="0" g="0" b="0"/>
+        </a:fillRef>
+        <a:effectRef idx="2">
+          <a:scrgbClr r="0" g="0" b="0"/>
+        </a:effectRef>
+        <a:fontRef idx="minor">
+          <a:schemeClr val="lt1"/>
+        </a:fontRef>
+      </dsp:style>
+      <dsp:txBody>
+        <a:bodyPr spcFirstLastPara="0" vert="horz" wrap="square" lIns="59055" tIns="39370" rIns="59055" bIns="39370" numCol="1" spcCol="1270" anchor="ctr" anchorCtr="0">
+          <a:noAutofit/>
+        </a:bodyPr>
+        <a:lstStyle/>
+        <a:p>
+          <a:pPr lvl="0" algn="ctr" defTabSz="1377950">
+            <a:lnSpc>
+              <a:spcPct val="90000"/>
+            </a:lnSpc>
+            <a:spcBef>
+              <a:spcPct val="0"/>
+            </a:spcBef>
+            <a:spcAft>
+              <a:spcPct val="35000"/>
+            </a:spcAft>
+          </a:pPr>
+          <a:r>
+            <a:rPr lang="en-US" sz="3100" kern="1200" dirty="0" smtClean="0">
+              <a:solidFill>
+                <a:schemeClr val="bg1"/>
+              </a:solidFill>
+            </a:rPr>
+            <a:t>4.5 Generate final CPS</a:t>
+          </a:r>
+          <a:endParaRPr lang="en-US" sz="3100" kern="1200" dirty="0">
+            <a:solidFill>
+              <a:schemeClr val="bg1"/>
+            </a:solidFill>
+          </a:endParaRPr>
+        </a:p>
+      </dsp:txBody>
+      <dsp:txXfrm>
+        <a:off x="2958329" y="37495"/>
+        <a:ext cx="2211340" cy="1072309"/>
+      </dsp:txXfrm>
+    </dsp:sp>
+    <dsp:sp modelId="{393AD860-B486-FC48-984F-7683F7D21359}">
+      <dsp:nvSpPr>
+        <dsp:cNvPr id="0" name=""/>
+        <dsp:cNvSpPr/>
+      </dsp:nvSpPr>
+      <dsp:spPr>
+        <a:xfrm>
+          <a:off x="3152775" y="1143165"/>
+          <a:ext cx="227806" cy="854273"/>
+        </a:xfrm>
+        <a:custGeom>
+          <a:avLst/>
+          <a:gdLst/>
+          <a:ahLst/>
+          <a:cxnLst/>
+          <a:rect l="0" t="0" r="0" b="0"/>
+          <a:pathLst>
+            <a:path>
+              <a:moveTo>
+                <a:pt x="0" y="0"/>
+              </a:moveTo>
+              <a:lnTo>
+                <a:pt x="0" y="854273"/>
+              </a:lnTo>
+              <a:lnTo>
+                <a:pt x="227806" y="854273"/>
+              </a:lnTo>
+            </a:path>
+          </a:pathLst>
+        </a:custGeom>
+        <a:noFill/>
+        <a:ln w="12700" cap="flat" cmpd="sng" algn="ctr">
+          <a:solidFill>
+            <a:schemeClr val="tx1"/>
+          </a:solidFill>
+          <a:prstDash val="solid"/>
+          <a:miter lim="800000"/>
+        </a:ln>
+        <a:effectLst>
+          <a:outerShdw blurRad="50800" dist="76200" dir="5400000" algn="t" rotWithShape="0">
+            <a:prstClr val="black">
+              <a:alpha val="40000"/>
+            </a:prstClr>
+          </a:outerShdw>
+        </a:effectLst>
+        <a:scene3d>
+          <a:camera prst="orthographicFront"/>
+          <a:lightRig rig="flat" dir="t"/>
+        </a:scene3d>
+        <a:sp3d prstMaterial="matte"/>
+      </dsp:spPr>
+      <dsp:style>
+        <a:lnRef idx="2">
+          <a:scrgbClr r="0" g="0" b="0"/>
+        </a:lnRef>
+        <a:fillRef idx="0">
+          <a:scrgbClr r="0" g="0" b="0"/>
+        </a:fillRef>
+        <a:effectRef idx="0">
+          <a:scrgbClr r="0" g="0" b="0"/>
+        </a:effectRef>
+        <a:fontRef idx="minor"/>
+      </dsp:style>
+    </dsp:sp>
+    <dsp:sp modelId="{FB19C887-BF7F-3D40-A846-41259A5A4BA3}">
+      <dsp:nvSpPr>
+        <dsp:cNvPr id="0" name=""/>
+        <dsp:cNvSpPr/>
+      </dsp:nvSpPr>
+      <dsp:spPr>
+        <a:xfrm>
+          <a:off x="3380581" y="1427923"/>
+          <a:ext cx="1822450" cy="1139031"/>
+        </a:xfrm>
+        <a:prstGeom prst="roundRect">
+          <a:avLst>
+            <a:gd name="adj" fmla="val 10000"/>
+          </a:avLst>
+        </a:prstGeom>
+        <a:solidFill>
+          <a:schemeClr val="accent2">
+            <a:lumMod val="75000"/>
+          </a:schemeClr>
+        </a:solidFill>
+        <a:ln w="6350" cap="flat" cmpd="sng" algn="ctr">
+          <a:solidFill>
+            <a:schemeClr val="tx1"/>
+          </a:solidFill>
+          <a:prstDash val="solid"/>
+          <a:miter lim="800000"/>
+        </a:ln>
+        <a:effectLst>
+          <a:outerShdw blurRad="50800" dist="76200" dir="5400000" algn="t" rotWithShape="0">
+            <a:prstClr val="black">
+              <a:alpha val="40000"/>
+            </a:prstClr>
+          </a:outerShdw>
+        </a:effectLst>
+        <a:scene3d>
+          <a:camera prst="orthographicFront"/>
+          <a:lightRig rig="flat" dir="t"/>
+        </a:scene3d>
+        <a:sp3d z="-190500" extrusionH="12700" prstMaterial="plastic">
+          <a:bevelT w="50800" h="50800"/>
+        </a:sp3d>
+      </dsp:spPr>
+      <dsp:style>
+        <a:lnRef idx="1">
+          <a:scrgbClr r="0" g="0" b="0"/>
+        </a:lnRef>
+        <a:fillRef idx="1">
+          <a:scrgbClr r="0" g="0" b="0"/>
+        </a:fillRef>
+        <a:effectRef idx="2">
+          <a:scrgbClr r="0" g="0" b="0"/>
+        </a:effectRef>
+        <a:fontRef idx="minor"/>
+      </dsp:style>
+      <dsp:txBody>
+        <a:bodyPr spcFirstLastPara="0" vert="horz" wrap="square" lIns="30480" tIns="20320" rIns="30480" bIns="20320" numCol="1" spcCol="1270" anchor="ctr" anchorCtr="0">
+          <a:noAutofit/>
+        </a:bodyPr>
+        <a:lstStyle/>
+        <a:p>
+          <a:pPr lvl="0" algn="ctr" defTabSz="711200">
+            <a:lnSpc>
+              <a:spcPct val="90000"/>
+            </a:lnSpc>
+            <a:spcBef>
+              <a:spcPct val="0"/>
+            </a:spcBef>
+            <a:spcAft>
+              <a:spcPct val="35000"/>
+            </a:spcAft>
+          </a:pPr>
+          <a:r>
+            <a:rPr lang="en-US" sz="1600" kern="1200" dirty="0" smtClean="0">
+              <a:solidFill>
+                <a:schemeClr val="bg1"/>
+              </a:solidFill>
+            </a:rPr>
+            <a:t>4.5.1 View Student Draft CPS </a:t>
+          </a:r>
+          <a:endParaRPr lang="en-US" sz="1600" kern="1200" dirty="0">
+            <a:solidFill>
+              <a:schemeClr val="bg1"/>
+            </a:solidFill>
+          </a:endParaRPr>
+        </a:p>
+      </dsp:txBody>
+      <dsp:txXfrm>
+        <a:off x="3413942" y="1461284"/>
+        <a:ext cx="1755728" cy="1072309"/>
+      </dsp:txXfrm>
+    </dsp:sp>
+    <dsp:sp modelId="{9ECB9AF4-D7FD-8C40-A823-823B5A8B7455}">
+      <dsp:nvSpPr>
+        <dsp:cNvPr id="0" name=""/>
+        <dsp:cNvSpPr/>
+      </dsp:nvSpPr>
+      <dsp:spPr>
+        <a:xfrm>
+          <a:off x="3152775" y="1143165"/>
+          <a:ext cx="227806" cy="2278062"/>
+        </a:xfrm>
+        <a:custGeom>
+          <a:avLst/>
+          <a:gdLst/>
+          <a:ahLst/>
+          <a:cxnLst/>
+          <a:rect l="0" t="0" r="0" b="0"/>
+          <a:pathLst>
+            <a:path>
+              <a:moveTo>
+                <a:pt x="0" y="0"/>
+              </a:moveTo>
+              <a:lnTo>
+                <a:pt x="0" y="2278062"/>
+              </a:lnTo>
+              <a:lnTo>
+                <a:pt x="227806" y="2278062"/>
+              </a:lnTo>
+            </a:path>
+          </a:pathLst>
+        </a:custGeom>
+        <a:noFill/>
+        <a:ln w="12700" cap="flat" cmpd="sng" algn="ctr">
+          <a:solidFill>
+            <a:schemeClr val="tx1"/>
+          </a:solidFill>
+          <a:prstDash val="solid"/>
+          <a:miter lim="800000"/>
+        </a:ln>
+        <a:effectLst>
+          <a:outerShdw blurRad="50800" dist="76200" dir="5400000" algn="t" rotWithShape="0">
+            <a:prstClr val="black">
+              <a:alpha val="40000"/>
+            </a:prstClr>
+          </a:outerShdw>
+        </a:effectLst>
+        <a:scene3d>
+          <a:camera prst="orthographicFront"/>
+          <a:lightRig rig="flat" dir="t"/>
+        </a:scene3d>
+        <a:sp3d prstMaterial="matte"/>
+      </dsp:spPr>
+      <dsp:style>
+        <a:lnRef idx="2">
+          <a:scrgbClr r="0" g="0" b="0"/>
+        </a:lnRef>
+        <a:fillRef idx="0">
+          <a:scrgbClr r="0" g="0" b="0"/>
+        </a:fillRef>
+        <a:effectRef idx="0">
+          <a:scrgbClr r="0" g="0" b="0"/>
+        </a:effectRef>
+        <a:fontRef idx="minor"/>
+      </dsp:style>
+    </dsp:sp>
+    <dsp:sp modelId="{3579B351-9021-D64C-AB9A-BA0B7279E5FF}">
+      <dsp:nvSpPr>
+        <dsp:cNvPr id="0" name=""/>
+        <dsp:cNvSpPr/>
+      </dsp:nvSpPr>
+      <dsp:spPr>
+        <a:xfrm>
+          <a:off x="3380581" y="2851712"/>
+          <a:ext cx="1822450" cy="1139031"/>
+        </a:xfrm>
+        <a:prstGeom prst="roundRect">
+          <a:avLst>
+            <a:gd name="adj" fmla="val 10000"/>
+          </a:avLst>
+        </a:prstGeom>
+        <a:solidFill>
+          <a:schemeClr val="accent2">
+            <a:lumMod val="75000"/>
+          </a:schemeClr>
+        </a:solidFill>
+        <a:ln w="6350" cap="flat" cmpd="sng" algn="ctr">
+          <a:solidFill>
+            <a:schemeClr val="tx1"/>
+          </a:solidFill>
+          <a:prstDash val="solid"/>
+          <a:miter lim="800000"/>
+        </a:ln>
+        <a:effectLst>
+          <a:outerShdw blurRad="50800" dist="76200" dir="5400000" algn="t" rotWithShape="0">
+            <a:prstClr val="black">
+              <a:alpha val="40000"/>
+            </a:prstClr>
+          </a:outerShdw>
+        </a:effectLst>
+        <a:scene3d>
+          <a:camera prst="orthographicFront"/>
+          <a:lightRig rig="flat" dir="t"/>
+        </a:scene3d>
+        <a:sp3d z="-190500" extrusionH="12700" prstMaterial="plastic">
+          <a:bevelT w="50800" h="50800"/>
+        </a:sp3d>
+      </dsp:spPr>
+      <dsp:style>
+        <a:lnRef idx="1">
+          <a:scrgbClr r="0" g="0" b="0"/>
+        </a:lnRef>
+        <a:fillRef idx="1">
+          <a:scrgbClr r="0" g="0" b="0"/>
+        </a:fillRef>
+        <a:effectRef idx="2">
+          <a:scrgbClr r="0" g="0" b="0"/>
+        </a:effectRef>
+        <a:fontRef idx="minor"/>
+      </dsp:style>
+      <dsp:txBody>
+        <a:bodyPr spcFirstLastPara="0" vert="horz" wrap="square" lIns="30480" tIns="20320" rIns="30480" bIns="20320" numCol="1" spcCol="1270" anchor="ctr" anchorCtr="0">
+          <a:noAutofit/>
+        </a:bodyPr>
+        <a:lstStyle/>
+        <a:p>
+          <a:pPr lvl="0" algn="ctr" defTabSz="711200">
+            <a:lnSpc>
+              <a:spcPct val="90000"/>
+            </a:lnSpc>
+            <a:spcBef>
+              <a:spcPct val="0"/>
+            </a:spcBef>
+            <a:spcAft>
+              <a:spcPct val="35000"/>
+            </a:spcAft>
+          </a:pPr>
+          <a:r>
+            <a:rPr lang="en-US" sz="1600" kern="1200" dirty="0" smtClean="0">
+              <a:solidFill>
+                <a:schemeClr val="bg1"/>
+              </a:solidFill>
+            </a:rPr>
+            <a:t>4.5.2 Verify in accordance with rubrics</a:t>
+          </a:r>
+        </a:p>
+        <a:p>
+          <a:pPr lvl="0" algn="ctr" defTabSz="711200">
+            <a:lnSpc>
+              <a:spcPct val="90000"/>
+            </a:lnSpc>
+            <a:spcBef>
+              <a:spcPct val="0"/>
+            </a:spcBef>
+            <a:spcAft>
+              <a:spcPct val="35000"/>
+            </a:spcAft>
+          </a:pPr>
+          <a:endParaRPr lang="en-US" sz="1600" kern="1200" dirty="0">
+            <a:solidFill>
+              <a:schemeClr val="bg1"/>
+            </a:solidFill>
+          </a:endParaRPr>
+        </a:p>
+      </dsp:txBody>
+      <dsp:txXfrm>
+        <a:off x="3413942" y="2885073"/>
+        <a:ext cx="1755728" cy="1072309"/>
+      </dsp:txXfrm>
+    </dsp:sp>
+    <dsp:sp modelId="{58148C2E-04D1-0F42-AB16-2802B7275109}">
+      <dsp:nvSpPr>
+        <dsp:cNvPr id="0" name=""/>
+        <dsp:cNvSpPr/>
+      </dsp:nvSpPr>
+      <dsp:spPr>
+        <a:xfrm>
+          <a:off x="3152775" y="1143165"/>
+          <a:ext cx="227806" cy="3705985"/>
+        </a:xfrm>
+        <a:custGeom>
+          <a:avLst/>
+          <a:gdLst/>
+          <a:ahLst/>
+          <a:cxnLst/>
+          <a:rect l="0" t="0" r="0" b="0"/>
+          <a:pathLst>
+            <a:path>
+              <a:moveTo>
+                <a:pt x="0" y="0"/>
+              </a:moveTo>
+              <a:lnTo>
+                <a:pt x="0" y="3705985"/>
+              </a:lnTo>
+              <a:lnTo>
+                <a:pt x="227806" y="3705985"/>
+              </a:lnTo>
+            </a:path>
+          </a:pathLst>
+        </a:custGeom>
+        <a:noFill/>
+        <a:ln w="12700" cap="flat" cmpd="sng" algn="ctr">
+          <a:solidFill>
+            <a:schemeClr val="tx1"/>
+          </a:solidFill>
+          <a:prstDash val="solid"/>
+          <a:miter lim="800000"/>
+        </a:ln>
+        <a:effectLst>
+          <a:outerShdw blurRad="50800" dist="76200" dir="5400000" algn="t" rotWithShape="0">
+            <a:prstClr val="black">
+              <a:alpha val="40000"/>
+            </a:prstClr>
+          </a:outerShdw>
+        </a:effectLst>
+        <a:scene3d>
+          <a:camera prst="orthographicFront"/>
+          <a:lightRig rig="flat" dir="t"/>
+        </a:scene3d>
+        <a:sp3d prstMaterial="matte"/>
+      </dsp:spPr>
+      <dsp:style>
+        <a:lnRef idx="2">
+          <a:scrgbClr r="0" g="0" b="0"/>
+        </a:lnRef>
+        <a:fillRef idx="0">
+          <a:scrgbClr r="0" g="0" b="0"/>
+        </a:fillRef>
+        <a:effectRef idx="0">
+          <a:scrgbClr r="0" g="0" b="0"/>
+        </a:effectRef>
+        <a:fontRef idx="minor"/>
+      </dsp:style>
+    </dsp:sp>
+    <dsp:sp modelId="{7D2FFF0B-1016-8D4F-AB31-B0C0D635C500}">
+      <dsp:nvSpPr>
+        <dsp:cNvPr id="0" name=""/>
+        <dsp:cNvSpPr/>
+      </dsp:nvSpPr>
+      <dsp:spPr>
+        <a:xfrm>
+          <a:off x="3380581" y="4279635"/>
+          <a:ext cx="1822450" cy="1139031"/>
+        </a:xfrm>
+        <a:prstGeom prst="roundRect">
+          <a:avLst>
+            <a:gd name="adj" fmla="val 10000"/>
+          </a:avLst>
+        </a:prstGeom>
+        <a:solidFill>
+          <a:schemeClr val="accent2">
+            <a:lumMod val="75000"/>
+          </a:schemeClr>
+        </a:solidFill>
+        <a:ln w="6350" cap="flat" cmpd="sng" algn="ctr">
+          <a:solidFill>
+            <a:schemeClr val="tx1"/>
+          </a:solidFill>
+          <a:prstDash val="solid"/>
+          <a:miter lim="800000"/>
+        </a:ln>
+        <a:effectLst>
+          <a:outerShdw blurRad="50800" dist="76200" dir="5400000" algn="t" rotWithShape="0">
+            <a:prstClr val="black">
+              <a:alpha val="40000"/>
+            </a:prstClr>
+          </a:outerShdw>
+        </a:effectLst>
+        <a:scene3d>
+          <a:camera prst="orthographicFront"/>
+          <a:lightRig rig="flat" dir="t"/>
+        </a:scene3d>
+        <a:sp3d z="-190500" extrusionH="12700" prstMaterial="plastic">
+          <a:bevelT w="50800" h="50800"/>
+        </a:sp3d>
+      </dsp:spPr>
+      <dsp:style>
+        <a:lnRef idx="1">
+          <a:scrgbClr r="0" g="0" b="0"/>
+        </a:lnRef>
+        <a:fillRef idx="1">
+          <a:scrgbClr r="0" g="0" b="0"/>
+        </a:fillRef>
+        <a:effectRef idx="2">
+          <a:scrgbClr r="0" g="0" b="0"/>
+        </a:effectRef>
+        <a:fontRef idx="minor"/>
+      </dsp:style>
+      <dsp:txBody>
+        <a:bodyPr spcFirstLastPara="0" vert="horz" wrap="square" lIns="30480" tIns="20320" rIns="30480" bIns="20320" numCol="1" spcCol="1270" anchor="ctr" anchorCtr="0">
+          <a:noAutofit/>
+        </a:bodyPr>
+        <a:lstStyle/>
+        <a:p>
+          <a:pPr lvl="0" algn="ctr" defTabSz="711200">
+            <a:lnSpc>
+              <a:spcPct val="90000"/>
+            </a:lnSpc>
+            <a:spcBef>
+              <a:spcPct val="0"/>
+            </a:spcBef>
+            <a:spcAft>
+              <a:spcPct val="35000"/>
+            </a:spcAft>
+          </a:pPr>
+          <a:r>
+            <a:rPr lang="en-US" sz="1600" kern="1200" dirty="0" smtClean="0">
+              <a:solidFill>
+                <a:schemeClr val="bg1"/>
+              </a:solidFill>
+            </a:rPr>
+            <a:t>4.5.3 Approve Draft CPS</a:t>
+          </a:r>
+          <a:endParaRPr lang="en-US" sz="1600" kern="1200" dirty="0">
+            <a:solidFill>
+              <a:schemeClr val="bg1"/>
+            </a:solidFill>
+          </a:endParaRPr>
+        </a:p>
+      </dsp:txBody>
+      <dsp:txXfrm>
+        <a:off x="3413942" y="4312996"/>
+        <a:ext cx="1755728" cy="1072309"/>
+      </dsp:txXfrm>
+    </dsp:sp>
+  </dsp:spTree>
+</dsp:drawing>
+</file>
+
 <file path=ppt/diagrams/layout1.xml><?xml version="1.0" encoding="utf-8"?>
+<dgm:layoutDef xmlns:dgm="http://schemas.openxmlformats.org/drawingml/2006/diagram" xmlns:a="http://schemas.openxmlformats.org/drawingml/2006/main" uniqueId="urn:microsoft.com/office/officeart/2005/8/layout/hierarchy3">
+  <dgm:title val=""/>
+  <dgm:desc val=""/>
+  <dgm:catLst>
+    <dgm:cat type="hierarchy" pri="7000"/>
+    <dgm:cat type="list" pri="23000"/>
+    <dgm:cat type="relationship" pri="15000"/>
+    <dgm:cat type="convert" pri="7000"/>
+  </dgm:catLst>
+  <dgm:sampData>
+    <dgm:dataModel>
+      <dgm:ptLst>
+        <dgm:pt modelId="0" type="doc"/>
+        <dgm:pt modelId="1">
+          <dgm:prSet phldr="1"/>
+        </dgm:pt>
+        <dgm:pt modelId="11">
+          <dgm:prSet phldr="1"/>
+        </dgm:pt>
+        <dgm:pt modelId="12">
+          <dgm:prSet phldr="1"/>
+        </dgm:pt>
+        <dgm:pt modelId="2">
+          <dgm:prSet phldr="1"/>
+        </dgm:pt>
+        <dgm:pt modelId="21">
+          <dgm:prSet phldr="1"/>
+        </dgm:pt>
+        <dgm:pt modelId="22">
+          <dgm:prSet phldr="1"/>
+        </dgm:pt>
+      </dgm:ptLst>
+      <dgm:cxnLst>
+        <dgm:cxn modelId="4" srcId="0" destId="1" srcOrd="0" destOrd="0"/>
+        <dgm:cxn modelId="5" srcId="1" destId="11" srcOrd="0" destOrd="0"/>
+        <dgm:cxn modelId="6" srcId="1" destId="12" srcOrd="1" destOrd="0"/>
+        <dgm:cxn modelId="7" srcId="0" destId="2" srcOrd="1" destOrd="0"/>
+        <dgm:cxn modelId="8" srcId="2" destId="21" srcOrd="0" destOrd="0"/>
+        <dgm:cxn modelId="9" srcId="2" destId="22" srcOrd="1" destOrd="0"/>
+      </dgm:cxnLst>
+      <dgm:bg/>
+      <dgm:whole/>
+    </dgm:dataModel>
+  </dgm:sampData>
+  <dgm:styleData>
+    <dgm:dataModel>
+      <dgm:ptLst>
+        <dgm:pt modelId="0" type="doc"/>
+        <dgm:pt modelId="1"/>
+        <dgm:pt modelId="11"/>
+        <dgm:pt modelId="2"/>
+        <dgm:pt modelId="21"/>
+      </dgm:ptLst>
+      <dgm:cxnLst>
+        <dgm:cxn modelId="4" srcId="0" destId="1" srcOrd="0" destOrd="0"/>
+        <dgm:cxn modelId="5" srcId="0" destId="2" srcOrd="1" destOrd="0"/>
+        <dgm:cxn modelId="13" srcId="1" destId="11" srcOrd="0" destOrd="0"/>
+        <dgm:cxn modelId="23" srcId="2" destId="21" srcOrd="0" destOrd="0"/>
+      </dgm:cxnLst>
+      <dgm:bg/>
+      <dgm:whole/>
+    </dgm:dataModel>
+  </dgm:styleData>
+  <dgm:clrData>
+    <dgm:dataModel>
+      <dgm:ptLst>
+        <dgm:pt modelId="0" type="doc"/>
+        <dgm:pt modelId="1"/>
+        <dgm:pt modelId="11"/>
+        <dgm:pt modelId="2"/>
+        <dgm:pt modelId="21"/>
+        <dgm:pt modelId="3"/>
+        <dgm:pt modelId="31"/>
+        <dgm:pt modelId="4"/>
+        <dgm:pt modelId="41"/>
+      </dgm:ptLst>
+      <dgm:cxnLst>
+        <dgm:cxn modelId="5" srcId="0" destId="1" srcOrd="0" destOrd="0"/>
+        <dgm:cxn modelId="6" srcId="0" destId="2" srcOrd="1" destOrd="0"/>
+        <dgm:cxn modelId="7" srcId="0" destId="3" srcOrd="2" destOrd="0"/>
+        <dgm:cxn modelId="8" srcId="0" destId="4" srcOrd="3" destOrd="0"/>
+        <dgm:cxn modelId="13" srcId="1" destId="11" srcOrd="0" destOrd="0"/>
+        <dgm:cxn modelId="23" srcId="2" destId="21" srcOrd="0" destOrd="0"/>
+        <dgm:cxn modelId="33" srcId="3" destId="31" srcOrd="0" destOrd="0"/>
+        <dgm:cxn modelId="43" srcId="4" destId="41" srcOrd="0" destOrd="0"/>
+      </dgm:cxnLst>
+      <dgm:bg/>
+      <dgm:whole/>
+    </dgm:dataModel>
+  </dgm:clrData>
+  <dgm:layoutNode name="diagram">
+    <dgm:varLst>
+      <dgm:chPref val="1"/>
+      <dgm:dir/>
+      <dgm:animOne val="branch"/>
+      <dgm:animLvl val="lvl"/>
+      <dgm:resizeHandles/>
+    </dgm:varLst>
+    <dgm:choose name="Name0">
+      <dgm:if name="Name1" func="var" arg="dir" op="equ" val="norm">
+        <dgm:alg type="hierChild">
+          <dgm:param type="linDir" val="fromL"/>
+        </dgm:alg>
+      </dgm:if>
+      <dgm:else name="Name2">
+        <dgm:alg type="hierChild">
+          <dgm:param type="linDir" val="fromR"/>
+        </dgm:alg>
+      </dgm:else>
+    </dgm:choose>
+    <dgm:shape xmlns:r="http://schemas.openxmlformats.org/officeDocument/2006/relationships" r:blip="">
+      <dgm:adjLst/>
+    </dgm:shape>
+    <dgm:presOf/>
+    <dgm:constrLst>
+      <dgm:constr type="primFontSz" for="des" forName="rootText" op="equ" val="65"/>
+      <dgm:constr type="primFontSz" for="des" forName="childText" op="equ" val="65"/>
+      <dgm:constr type="w" for="des" forName="rootComposite" refType="w"/>
+      <dgm:constr type="h" for="des" forName="rootComposite" refType="w" fact="0.5"/>
+      <dgm:constr type="w" for="des" forName="childText" refType="w" refFor="des" refForName="rootComposite" fact="0.8"/>
+      <dgm:constr type="h" for="des" forName="childText" refType="h" refFor="des" refForName="rootComposite"/>
+      <dgm:constr type="sibSp" refType="w" refFor="des" refForName="rootComposite" fact="0.25"/>
+      <dgm:constr type="sibSp" for="des" forName="childShape" refType="h" refFor="des" refForName="childText" fact="0.25"/>
+      <dgm:constr type="sp" for="des" forName="root" refType="h" refFor="des" refForName="childText" fact="0.25"/>
+    </dgm:constrLst>
+    <dgm:ruleLst/>
+    <dgm:forEach name="Name3" axis="ch">
+      <dgm:forEach name="Name4" axis="self" ptType="node" cnt="1">
+        <dgm:layoutNode name="root">
+          <dgm:choose name="Name5">
+            <dgm:if name="Name6" func="var" arg="dir" op="equ" val="norm">
+              <dgm:alg type="hierRoot">
+                <dgm:param type="hierAlign" val="tL"/>
+              </dgm:alg>
+            </dgm:if>
+            <dgm:else name="Name7">
+              <dgm:alg type="hierRoot">
+                <dgm:param type="hierAlign" val="tR"/>
+              </dgm:alg>
+            </dgm:else>
+          </dgm:choose>
+          <dgm:shape xmlns:r="http://schemas.openxmlformats.org/officeDocument/2006/relationships" r:blip="">
+            <dgm:adjLst/>
+          </dgm:shape>
+          <dgm:presOf/>
+          <dgm:constrLst>
+            <dgm:constr type="alignOff" val="0.2"/>
+          </dgm:constrLst>
+          <dgm:ruleLst/>
+          <dgm:layoutNode name="rootComposite">
+            <dgm:alg type="composite"/>
+            <dgm:shape xmlns:r="http://schemas.openxmlformats.org/officeDocument/2006/relationships" r:blip="">
+              <dgm:adjLst/>
+            </dgm:shape>
+            <dgm:presOf axis="self" ptType="node" cnt="1"/>
+            <dgm:choose name="Name8">
+              <dgm:if name="Name9" func="var" arg="dir" op="equ" val="norm">
+                <dgm:constrLst>
+                  <dgm:constr type="l" for="ch" forName="rootText"/>
+                  <dgm:constr type="t" for="ch" forName="rootText"/>
+                  <dgm:constr type="w" for="ch" forName="rootText" refType="w"/>
+                  <dgm:constr type="h" for="ch" forName="rootText" refType="h"/>
+                  <dgm:constr type="l" for="ch" forName="rootConnector"/>
+                  <dgm:constr type="t" for="ch" forName="rootConnector"/>
+                  <dgm:constr type="w" for="ch" forName="rootConnector" refType="w" refFor="ch" refForName="rootText" fact="0.2"/>
+                  <dgm:constr type="h" for="ch" forName="rootConnector" refType="h" refFor="ch" refForName="rootText"/>
+                </dgm:constrLst>
+              </dgm:if>
+              <dgm:else name="Name10">
+                <dgm:constrLst>
+                  <dgm:constr type="l" for="ch" forName="rootText"/>
+                  <dgm:constr type="t" for="ch" forName="rootText"/>
+                  <dgm:constr type="w" for="ch" forName="rootText" refType="w"/>
+                  <dgm:constr type="h" for="ch" forName="rootText" refType="h"/>
+                  <dgm:constr type="r" for="ch" forName="rootConnector" refType="w"/>
+                  <dgm:constr type="t" for="ch" forName="rootConnector"/>
+                  <dgm:constr type="w" for="ch" forName="rootConnector" refType="w" refFor="ch" refForName="rootText" fact="0.2"/>
+                  <dgm:constr type="h" for="ch" forName="rootConnector" refType="h" refFor="ch" refForName="rootText"/>
+                </dgm:constrLst>
+              </dgm:else>
+            </dgm:choose>
+            <dgm:ruleLst/>
+            <dgm:layoutNode name="rootText" styleLbl="node1">
+              <dgm:alg type="tx"/>
+              <dgm:shape xmlns:r="http://schemas.openxmlformats.org/officeDocument/2006/relationships" type="roundRect" r:blip="">
+                <dgm:adjLst>
+                  <dgm:adj idx="1" val="0.1"/>
+                </dgm:adjLst>
+              </dgm:shape>
+              <dgm:presOf axis="self" ptType="node" cnt="1"/>
+              <dgm:constrLst>
+                <dgm:constr type="tMarg" refType="primFontSz" fact="0.1"/>
+                <dgm:constr type="bMarg" refType="primFontSz" fact="0.1"/>
+                <dgm:constr type="lMarg" refType="primFontSz" fact="0.15"/>
+                <dgm:constr type="rMarg" refType="primFontSz" fact="0.15"/>
+              </dgm:constrLst>
+              <dgm:ruleLst>
+                <dgm:rule type="primFontSz" val="5" fact="NaN" max="NaN"/>
+              </dgm:ruleLst>
+            </dgm:layoutNode>
+            <dgm:layoutNode name="rootConnector" moveWith="rootText">
+              <dgm:alg type="sp"/>
+              <dgm:shape xmlns:r="http://schemas.openxmlformats.org/officeDocument/2006/relationships" type="roundRect" r:blip="" hideGeom="1">
+                <dgm:adjLst>
+                  <dgm:adj idx="1" val="0.1"/>
+                </dgm:adjLst>
+              </dgm:shape>
+              <dgm:presOf axis="self" ptType="node" cnt="1"/>
+              <dgm:constrLst/>
+              <dgm:ruleLst/>
+            </dgm:layoutNode>
+          </dgm:layoutNode>
+          <dgm:layoutNode name="childShape">
+            <dgm:alg type="hierChild">
+              <dgm:param type="chAlign" val="l"/>
+              <dgm:param type="linDir" val="fromT"/>
+            </dgm:alg>
+            <dgm:shape xmlns:r="http://schemas.openxmlformats.org/officeDocument/2006/relationships" r:blip="">
+              <dgm:adjLst/>
+            </dgm:shape>
+            <dgm:presOf/>
+            <dgm:constrLst/>
+            <dgm:ruleLst/>
+            <dgm:forEach name="Name11" axis="ch">
+              <dgm:forEach name="Name12" axis="self" ptType="parTrans" cnt="1">
+                <dgm:layoutNode name="Name13">
+                  <dgm:choose name="Name14">
+                    <dgm:if name="Name15" func="var" arg="dir" op="equ" val="norm">
+                      <dgm:alg type="conn">
+                        <dgm:param type="dim" val="1D"/>
+                        <dgm:param type="endSty" val="noArr"/>
+                        <dgm:param type="connRout" val="bend"/>
+                        <dgm:param type="srcNode" val="rootConnector"/>
+                        <dgm:param type="begPts" val="bCtr"/>
+                        <dgm:param type="endPts" val="midL"/>
+                      </dgm:alg>
+                    </dgm:if>
+                    <dgm:else name="Name16">
+                      <dgm:alg type="conn">
+                        <dgm:param type="dim" val="1D"/>
+                        <dgm:param type="endSty" val="noArr"/>
+                        <dgm:param type="connRout" val="bend"/>
+                        <dgm:param type="srcNode" val="rootConnector"/>
+                        <dgm:param type="begPts" val="bCtr"/>
+                        <dgm:param type="endPts" val="midR"/>
+                      </dgm:alg>
+                    </dgm:else>
+                  </dgm:choose>
+                  <dgm:shape xmlns:r="http://schemas.openxmlformats.org/officeDocument/2006/relationships" type="conn" r:blip="">
+                    <dgm:adjLst/>
+                  </dgm:shape>
+                  <dgm:presOf axis="self"/>
+                  <dgm:constrLst>
+                    <dgm:constr type="begPad"/>
+                    <dgm:constr type="endPad"/>
+                  </dgm:constrLst>
+                  <dgm:ruleLst/>
+                </dgm:layoutNode>
+              </dgm:forEach>
+              <dgm:forEach name="Name17" axis="self" ptType="node">
+                <dgm:layoutNode name="childText" styleLbl="bgAcc1">
+                  <dgm:varLst>
+                    <dgm:bulletEnabled val="1"/>
+                  </dgm:varLst>
+                  <dgm:alg type="tx"/>
+                  <dgm:shape xmlns:r="http://schemas.openxmlformats.org/officeDocument/2006/relationships" type="roundRect" r:blip="">
+                    <dgm:adjLst>
+                      <dgm:adj idx="1" val="0.1"/>
+                    </dgm:adjLst>
+                  </dgm:shape>
+                  <dgm:presOf axis="self desOrSelf" ptType="node node" st="1 1" cnt="1 0"/>
+                  <dgm:constrLst>
+                    <dgm:constr type="tMarg" refType="primFontSz" fact="0.1"/>
+                    <dgm:constr type="bMarg" refType="primFontSz" fact="0.1"/>
+                    <dgm:constr type="lMarg" refType="primFontSz" fact="0.15"/>
+                    <dgm:constr type="rMarg" refType="primFontSz" fact="0.15"/>
+                  </dgm:constrLst>
+                  <dgm:ruleLst>
+                    <dgm:rule type="primFontSz" val="5" fact="NaN" max="NaN"/>
+                  </dgm:ruleLst>
+                </dgm:layoutNode>
+              </dgm:forEach>
+            </dgm:forEach>
+          </dgm:layoutNode>
+        </dgm:layoutNode>
+      </dgm:forEach>
+    </dgm:forEach>
+  </dgm:layoutNode>
+</dgm:layoutDef>
+</file>
+
+<file path=ppt/diagrams/layout2.xml><?xml version="1.0" encoding="utf-8"?>
+<dgm:layoutDef xmlns:dgm="http://schemas.openxmlformats.org/drawingml/2006/diagram" xmlns:a="http://schemas.openxmlformats.org/drawingml/2006/main" uniqueId="urn:microsoft.com/office/officeart/2005/8/layout/hierarchy3">
+  <dgm:title val=""/>
+  <dgm:desc val=""/>
+  <dgm:catLst>
+    <dgm:cat type="hierarchy" pri="7000"/>
+    <dgm:cat type="list" pri="23000"/>
+    <dgm:cat type="relationship" pri="15000"/>
+    <dgm:cat type="convert" pri="7000"/>
+  </dgm:catLst>
+  <dgm:sampData>
+    <dgm:dataModel>
+      <dgm:ptLst>
+        <dgm:pt modelId="0" type="doc"/>
+        <dgm:pt modelId="1">
+          <dgm:prSet phldr="1"/>
+        </dgm:pt>
+        <dgm:pt modelId="11">
+          <dgm:prSet phldr="1"/>
+        </dgm:pt>
+        <dgm:pt modelId="12">
+          <dgm:prSet phldr="1"/>
+        </dgm:pt>
+        <dgm:pt modelId="2">
+          <dgm:prSet phldr="1"/>
+        </dgm:pt>
+        <dgm:pt modelId="21">
+          <dgm:prSet phldr="1"/>
+        </dgm:pt>
+        <dgm:pt modelId="22">
+          <dgm:prSet phldr="1"/>
+        </dgm:pt>
+      </dgm:ptLst>
+      <dgm:cxnLst>
+        <dgm:cxn modelId="4" srcId="0" destId="1" srcOrd="0" destOrd="0"/>
+        <dgm:cxn modelId="5" srcId="1" destId="11" srcOrd="0" destOrd="0"/>
+        <dgm:cxn modelId="6" srcId="1" destId="12" srcOrd="1" destOrd="0"/>
+        <dgm:cxn modelId="7" srcId="0" destId="2" srcOrd="1" destOrd="0"/>
+        <dgm:cxn modelId="8" srcId="2" destId="21" srcOrd="0" destOrd="0"/>
+        <dgm:cxn modelId="9" srcId="2" destId="22" srcOrd="1" destOrd="0"/>
+      </dgm:cxnLst>
+      <dgm:bg/>
+      <dgm:whole/>
+    </dgm:dataModel>
+  </dgm:sampData>
+  <dgm:styleData>
+    <dgm:dataModel>
+      <dgm:ptLst>
+        <dgm:pt modelId="0" type="doc"/>
+        <dgm:pt modelId="1"/>
+        <dgm:pt modelId="11"/>
+        <dgm:pt modelId="2"/>
+        <dgm:pt modelId="21"/>
+      </dgm:ptLst>
+      <dgm:cxnLst>
+        <dgm:cxn modelId="4" srcId="0" destId="1" srcOrd="0" destOrd="0"/>
+        <dgm:cxn modelId="5" srcId="0" destId="2" srcOrd="1" destOrd="0"/>
+        <dgm:cxn modelId="13" srcId="1" destId="11" srcOrd="0" destOrd="0"/>
+        <dgm:cxn modelId="23" srcId="2" destId="21" srcOrd="0" destOrd="0"/>
+      </dgm:cxnLst>
+      <dgm:bg/>
+      <dgm:whole/>
+    </dgm:dataModel>
+  </dgm:styleData>
+  <dgm:clrData>
+    <dgm:dataModel>
+      <dgm:ptLst>
+        <dgm:pt modelId="0" type="doc"/>
+        <dgm:pt modelId="1"/>
+        <dgm:pt modelId="11"/>
+        <dgm:pt modelId="2"/>
+        <dgm:pt modelId="21"/>
+        <dgm:pt modelId="3"/>
+        <dgm:pt modelId="31"/>
+        <dgm:pt modelId="4"/>
+        <dgm:pt modelId="41"/>
+      </dgm:ptLst>
+      <dgm:cxnLst>
+        <dgm:cxn modelId="5" srcId="0" destId="1" srcOrd="0" destOrd="0"/>
+        <dgm:cxn modelId="6" srcId="0" destId="2" srcOrd="1" destOrd="0"/>
+        <dgm:cxn modelId="7" srcId="0" destId="3" srcOrd="2" destOrd="0"/>
+        <dgm:cxn modelId="8" srcId="0" destId="4" srcOrd="3" destOrd="0"/>
+        <dgm:cxn modelId="13" srcId="1" destId="11" srcOrd="0" destOrd="0"/>
+        <dgm:cxn modelId="23" srcId="2" destId="21" srcOrd="0" destOrd="0"/>
+        <dgm:cxn modelId="33" srcId="3" destId="31" srcOrd="0" destOrd="0"/>
+        <dgm:cxn modelId="43" srcId="4" destId="41" srcOrd="0" destOrd="0"/>
+      </dgm:cxnLst>
+      <dgm:bg/>
+      <dgm:whole/>
+    </dgm:dataModel>
+  </dgm:clrData>
+  <dgm:layoutNode name="diagram">
+    <dgm:varLst>
+      <dgm:chPref val="1"/>
+      <dgm:dir/>
+      <dgm:animOne val="branch"/>
+      <dgm:animLvl val="lvl"/>
+      <dgm:resizeHandles/>
+    </dgm:varLst>
+    <dgm:choose name="Name0">
+      <dgm:if name="Name1" func="var" arg="dir" op="equ" val="norm">
+        <dgm:alg type="hierChild">
+          <dgm:param type="linDir" val="fromL"/>
+        </dgm:alg>
+      </dgm:if>
+      <dgm:else name="Name2">
+        <dgm:alg type="hierChild">
+          <dgm:param type="linDir" val="fromR"/>
+        </dgm:alg>
+      </dgm:else>
+    </dgm:choose>
+    <dgm:shape xmlns:r="http://schemas.openxmlformats.org/officeDocument/2006/relationships" r:blip="">
+      <dgm:adjLst/>
+    </dgm:shape>
+    <dgm:presOf/>
+    <dgm:constrLst>
+      <dgm:constr type="primFontSz" for="des" forName="rootText" op="equ" val="65"/>
+      <dgm:constr type="primFontSz" for="des" forName="childText" op="equ" val="65"/>
+      <dgm:constr type="w" for="des" forName="rootComposite" refType="w"/>
+      <dgm:constr type="h" for="des" forName="rootComposite" refType="w" fact="0.5"/>
+      <dgm:constr type="w" for="des" forName="childText" refType="w" refFor="des" refForName="rootComposite" fact="0.8"/>
+      <dgm:constr type="h" for="des" forName="childText" refType="h" refFor="des" refForName="rootComposite"/>
+      <dgm:constr type="sibSp" refType="w" refFor="des" refForName="rootComposite" fact="0.25"/>
+      <dgm:constr type="sibSp" for="des" forName="childShape" refType="h" refFor="des" refForName="childText" fact="0.25"/>
+      <dgm:constr type="sp" for="des" forName="root" refType="h" refFor="des" refForName="childText" fact="0.25"/>
+    </dgm:constrLst>
+    <dgm:ruleLst/>
+    <dgm:forEach name="Name3" axis="ch">
+      <dgm:forEach name="Name4" axis="self" ptType="node" cnt="1">
+        <dgm:layoutNode name="root">
+          <dgm:choose name="Name5">
+            <dgm:if name="Name6" func="var" arg="dir" op="equ" val="norm">
+              <dgm:alg type="hierRoot">
+                <dgm:param type="hierAlign" val="tL"/>
+              </dgm:alg>
+            </dgm:if>
+            <dgm:else name="Name7">
+              <dgm:alg type="hierRoot">
+                <dgm:param type="hierAlign" val="tR"/>
+              </dgm:alg>
+            </dgm:else>
+          </dgm:choose>
+          <dgm:shape xmlns:r="http://schemas.openxmlformats.org/officeDocument/2006/relationships" r:blip="">
+            <dgm:adjLst/>
+          </dgm:shape>
+          <dgm:presOf/>
+          <dgm:constrLst>
+            <dgm:constr type="alignOff" val="0.2"/>
+          </dgm:constrLst>
+          <dgm:ruleLst/>
+          <dgm:layoutNode name="rootComposite">
+            <dgm:alg type="composite"/>
+            <dgm:shape xmlns:r="http://schemas.openxmlformats.org/officeDocument/2006/relationships" r:blip="">
+              <dgm:adjLst/>
+            </dgm:shape>
+            <dgm:presOf axis="self" ptType="node" cnt="1"/>
+            <dgm:choose name="Name8">
+              <dgm:if name="Name9" func="var" arg="dir" op="equ" val="norm">
+                <dgm:constrLst>
+                  <dgm:constr type="l" for="ch" forName="rootText"/>
+                  <dgm:constr type="t" for="ch" forName="rootText"/>
+                  <dgm:constr type="w" for="ch" forName="rootText" refType="w"/>
+                  <dgm:constr type="h" for="ch" forName="rootText" refType="h"/>
+                  <dgm:constr type="l" for="ch" forName="rootConnector"/>
+                  <dgm:constr type="t" for="ch" forName="rootConnector"/>
+                  <dgm:constr type="w" for="ch" forName="rootConnector" refType="w" refFor="ch" refForName="rootText" fact="0.2"/>
+                  <dgm:constr type="h" for="ch" forName="rootConnector" refType="h" refFor="ch" refForName="rootText"/>
+                </dgm:constrLst>
+              </dgm:if>
+              <dgm:else name="Name10">
+                <dgm:constrLst>
+                  <dgm:constr type="l" for="ch" forName="rootText"/>
+                  <dgm:constr type="t" for="ch" forName="rootText"/>
+                  <dgm:constr type="w" for="ch" forName="rootText" refType="w"/>
+                  <dgm:constr type="h" for="ch" forName="rootText" refType="h"/>
+                  <dgm:constr type="r" for="ch" forName="rootConnector" refType="w"/>
+                  <dgm:constr type="t" for="ch" forName="rootConnector"/>
+                  <dgm:constr type="w" for="ch" forName="rootConnector" refType="w" refFor="ch" refForName="rootText" fact="0.2"/>
+                  <dgm:constr type="h" for="ch" forName="rootConnector" refType="h" refFor="ch" refForName="rootText"/>
+                </dgm:constrLst>
+              </dgm:else>
+            </dgm:choose>
+            <dgm:ruleLst/>
+            <dgm:layoutNode name="rootText" styleLbl="node1">
+              <dgm:alg type="tx"/>
+              <dgm:shape xmlns:r="http://schemas.openxmlformats.org/officeDocument/2006/relationships" type="roundRect" r:blip="">
+                <dgm:adjLst>
+                  <dgm:adj idx="1" val="0.1"/>
+                </dgm:adjLst>
+              </dgm:shape>
+              <dgm:presOf axis="self" ptType="node" cnt="1"/>
+              <dgm:constrLst>
+                <dgm:constr type="tMarg" refType="primFontSz" fact="0.1"/>
+                <dgm:constr type="bMarg" refType="primFontSz" fact="0.1"/>
+                <dgm:constr type="lMarg" refType="primFontSz" fact="0.15"/>
+                <dgm:constr type="rMarg" refType="primFontSz" fact="0.15"/>
+              </dgm:constrLst>
+              <dgm:ruleLst>
+                <dgm:rule type="primFontSz" val="5" fact="NaN" max="NaN"/>
+              </dgm:ruleLst>
+            </dgm:layoutNode>
+            <dgm:layoutNode name="rootConnector" moveWith="rootText">
+              <dgm:alg type="sp"/>
+              <dgm:shape xmlns:r="http://schemas.openxmlformats.org/officeDocument/2006/relationships" type="roundRect" r:blip="" hideGeom="1">
+                <dgm:adjLst>
+                  <dgm:adj idx="1" val="0.1"/>
+                </dgm:adjLst>
+              </dgm:shape>
+              <dgm:presOf axis="self" ptType="node" cnt="1"/>
+              <dgm:constrLst/>
+              <dgm:ruleLst/>
+            </dgm:layoutNode>
+          </dgm:layoutNode>
+          <dgm:layoutNode name="childShape">
+            <dgm:alg type="hierChild">
+              <dgm:param type="chAlign" val="l"/>
+              <dgm:param type="linDir" val="fromT"/>
+            </dgm:alg>
+            <dgm:shape xmlns:r="http://schemas.openxmlformats.org/officeDocument/2006/relationships" r:blip="">
+              <dgm:adjLst/>
+            </dgm:shape>
+            <dgm:presOf/>
+            <dgm:constrLst/>
+            <dgm:ruleLst/>
+            <dgm:forEach name="Name11" axis="ch">
+              <dgm:forEach name="Name12" axis="self" ptType="parTrans" cnt="1">
+                <dgm:layoutNode name="Name13">
+                  <dgm:choose name="Name14">
+                    <dgm:if name="Name15" func="var" arg="dir" op="equ" val="norm">
+                      <dgm:alg type="conn">
+                        <dgm:param type="dim" val="1D"/>
+                        <dgm:param type="endSty" val="noArr"/>
+                        <dgm:param type="connRout" val="bend"/>
+                        <dgm:param type="srcNode" val="rootConnector"/>
+                        <dgm:param type="begPts" val="bCtr"/>
+                        <dgm:param type="endPts" val="midL"/>
+                      </dgm:alg>
+                    </dgm:if>
+                    <dgm:else name="Name16">
+                      <dgm:alg type="conn">
+                        <dgm:param type="dim" val="1D"/>
+                        <dgm:param type="endSty" val="noArr"/>
+                        <dgm:param type="connRout" val="bend"/>
+                        <dgm:param type="srcNode" val="rootConnector"/>
+                        <dgm:param type="begPts" val="bCtr"/>
+                        <dgm:param type="endPts" val="midR"/>
+                      </dgm:alg>
+                    </dgm:else>
+                  </dgm:choose>
+                  <dgm:shape xmlns:r="http://schemas.openxmlformats.org/officeDocument/2006/relationships" type="conn" r:blip="">
+                    <dgm:adjLst/>
+                  </dgm:shape>
+                  <dgm:presOf axis="self"/>
+                  <dgm:constrLst>
+                    <dgm:constr type="begPad"/>
+                    <dgm:constr type="endPad"/>
+                  </dgm:constrLst>
+                  <dgm:ruleLst/>
+                </dgm:layoutNode>
+              </dgm:forEach>
+              <dgm:forEach name="Name17" axis="self" ptType="node">
+                <dgm:layoutNode name="childText" styleLbl="bgAcc1">
+                  <dgm:varLst>
+                    <dgm:bulletEnabled val="1"/>
+                  </dgm:varLst>
+                  <dgm:alg type="tx"/>
+                  <dgm:shape xmlns:r="http://schemas.openxmlformats.org/officeDocument/2006/relationships" type="roundRect" r:blip="">
+                    <dgm:adjLst>
+                      <dgm:adj idx="1" val="0.1"/>
+                    </dgm:adjLst>
+                  </dgm:shape>
+                  <dgm:presOf axis="self desOrSelf" ptType="node node" st="1 1" cnt="1 0"/>
+                  <dgm:constrLst>
+                    <dgm:constr type="tMarg" refType="primFontSz" fact="0.1"/>
+                    <dgm:constr type="bMarg" refType="primFontSz" fact="0.1"/>
+                    <dgm:constr type="lMarg" refType="primFontSz" fact="0.15"/>
+                    <dgm:constr type="rMarg" refType="primFontSz" fact="0.15"/>
+                  </dgm:constrLst>
+                  <dgm:ruleLst>
+                    <dgm:rule type="primFontSz" val="5" fact="NaN" max="NaN"/>
+                  </dgm:ruleLst>
+                </dgm:layoutNode>
+              </dgm:forEach>
+            </dgm:forEach>
+          </dgm:layoutNode>
+        </dgm:layoutNode>
+      </dgm:forEach>
+    </dgm:forEach>
+  </dgm:layoutNode>
+</dgm:layoutDef>
+</file>
+
+<file path=ppt/diagrams/layout3.xml><?xml version="1.0" encoding="utf-8"?>
 <dgm:layoutDef xmlns:dgm="http://schemas.openxmlformats.org/drawingml/2006/diagram" xmlns:a="http://schemas.openxmlformats.org/drawingml/2006/main" uniqueId="urn:microsoft.com/office/officeart/2005/8/layout/hierarchy3">
   <dgm:title val=""/>
   <dgm:desc val=""/>
@@ -4561,6 +9343,2674 @@
     </dgm:style>
   </dgm:styleLbl>
 </dgm:styleDef>
+</file>
+
+<file path=ppt/diagrams/quickStyle2.xml><?xml version="1.0" encoding="utf-8"?>
+<dgm:styleDef xmlns:dgm="http://schemas.openxmlformats.org/drawingml/2006/diagram" xmlns:a="http://schemas.openxmlformats.org/drawingml/2006/main" uniqueId="urn:microsoft.com/office/officeart/2005/8/quickstyle/3D1">
+  <dgm:title val=""/>
+  <dgm:desc val=""/>
+  <dgm:catLst>
+    <dgm:cat type="3D" pri="11100"/>
+  </dgm:catLst>
+  <dgm:scene3d>
+    <a:camera prst="orthographicFront"/>
+    <a:lightRig rig="threePt" dir="t"/>
+  </dgm:scene3d>
+  <dgm:styleLbl name="node0">
+    <dgm:scene3d>
+      <a:camera prst="orthographicFront"/>
+      <a:lightRig rig="flat" dir="t"/>
+    </dgm:scene3d>
+    <dgm:sp3d prstMaterial="plastic">
+      <a:bevelT w="120900" h="88900"/>
+      <a:bevelB w="88900" h="31750" prst="angle"/>
+    </dgm:sp3d>
+    <dgm:txPr/>
+    <dgm:style>
+      <a:lnRef idx="0">
+        <a:scrgbClr r="0" g="0" b="0"/>
+      </a:lnRef>
+      <a:fillRef idx="3">
+        <a:scrgbClr r="0" g="0" b="0"/>
+      </a:fillRef>
+      <a:effectRef idx="2">
+        <a:scrgbClr r="0" g="0" b="0"/>
+      </a:effectRef>
+      <a:fontRef idx="minor">
+        <a:schemeClr val="lt1"/>
+      </a:fontRef>
+    </dgm:style>
+  </dgm:styleLbl>
+  <dgm:styleLbl name="lnNode1">
+    <dgm:scene3d>
+      <a:camera prst="orthographicFront"/>
+      <a:lightRig rig="flat" dir="t"/>
+    </dgm:scene3d>
+    <dgm:sp3d prstMaterial="plastic">
+      <a:bevelT w="120900" h="88900"/>
+      <a:bevelB w="88900" h="31750" prst="angle"/>
+    </dgm:sp3d>
+    <dgm:txPr/>
+    <dgm:style>
+      <a:lnRef idx="0">
+        <a:scrgbClr r="0" g="0" b="0"/>
+      </a:lnRef>
+      <a:fillRef idx="3">
+        <a:scrgbClr r="0" g="0" b="0"/>
+      </a:fillRef>
+      <a:effectRef idx="1">
+        <a:scrgbClr r="0" g="0" b="0"/>
+      </a:effectRef>
+      <a:fontRef idx="minor">
+        <a:schemeClr val="lt1"/>
+      </a:fontRef>
+    </dgm:style>
+  </dgm:styleLbl>
+  <dgm:styleLbl name="vennNode1">
+    <dgm:scene3d>
+      <a:camera prst="orthographicFront"/>
+      <a:lightRig rig="flat" dir="t"/>
+    </dgm:scene3d>
+    <dgm:sp3d prstMaterial="plastic">
+      <a:bevelT w="120900" h="88900"/>
+      <a:bevelB w="88900" h="31750" prst="angle"/>
+    </dgm:sp3d>
+    <dgm:txPr/>
+    <dgm:style>
+      <a:lnRef idx="0">
+        <a:scrgbClr r="0" g="0" b="0"/>
+      </a:lnRef>
+      <a:fillRef idx="1">
+        <a:scrgbClr r="0" g="0" b="0"/>
+      </a:fillRef>
+      <a:effectRef idx="1">
+        <a:scrgbClr r="0" g="0" b="0"/>
+      </a:effectRef>
+      <a:fontRef idx="minor">
+        <a:schemeClr val="tx1"/>
+      </a:fontRef>
+    </dgm:style>
+  </dgm:styleLbl>
+  <dgm:styleLbl name="alignNode1">
+    <dgm:scene3d>
+      <a:camera prst="orthographicFront"/>
+      <a:lightRig rig="flat" dir="t"/>
+    </dgm:scene3d>
+    <dgm:sp3d prstMaterial="plastic">
+      <a:bevelT w="120900" h="88900"/>
+      <a:bevelB w="88900" h="31750" prst="angle"/>
+    </dgm:sp3d>
+    <dgm:txPr/>
+    <dgm:style>
+      <a:lnRef idx="1">
+        <a:scrgbClr r="0" g="0" b="0"/>
+      </a:lnRef>
+      <a:fillRef idx="3">
+        <a:scrgbClr r="0" g="0" b="0"/>
+      </a:fillRef>
+      <a:effectRef idx="2">
+        <a:scrgbClr r="0" g="0" b="0"/>
+      </a:effectRef>
+      <a:fontRef idx="minor">
+        <a:schemeClr val="lt1"/>
+      </a:fontRef>
+    </dgm:style>
+  </dgm:styleLbl>
+  <dgm:styleLbl name="node1">
+    <dgm:scene3d>
+      <a:camera prst="orthographicFront"/>
+      <a:lightRig rig="flat" dir="t"/>
+    </dgm:scene3d>
+    <dgm:sp3d prstMaterial="plastic">
+      <a:bevelT w="120900" h="88900"/>
+      <a:bevelB w="88900" h="31750" prst="angle"/>
+    </dgm:sp3d>
+    <dgm:txPr/>
+    <dgm:style>
+      <a:lnRef idx="0">
+        <a:scrgbClr r="0" g="0" b="0"/>
+      </a:lnRef>
+      <a:fillRef idx="3">
+        <a:scrgbClr r="0" g="0" b="0"/>
+      </a:fillRef>
+      <a:effectRef idx="2">
+        <a:scrgbClr r="0" g="0" b="0"/>
+      </a:effectRef>
+      <a:fontRef idx="minor">
+        <a:schemeClr val="lt1"/>
+      </a:fontRef>
+    </dgm:style>
+  </dgm:styleLbl>
+  <dgm:styleLbl name="node2">
+    <dgm:scene3d>
+      <a:camera prst="orthographicFront"/>
+      <a:lightRig rig="flat" dir="t"/>
+    </dgm:scene3d>
+    <dgm:sp3d prstMaterial="plastic">
+      <a:bevelT w="120900" h="88900"/>
+      <a:bevelB w="88900" h="31750" prst="angle"/>
+    </dgm:sp3d>
+    <dgm:txPr/>
+    <dgm:style>
+      <a:lnRef idx="0">
+        <a:scrgbClr r="0" g="0" b="0"/>
+      </a:lnRef>
+      <a:fillRef idx="3">
+        <a:scrgbClr r="0" g="0" b="0"/>
+      </a:fillRef>
+      <a:effectRef idx="1">
+        <a:scrgbClr r="0" g="0" b="0"/>
+      </a:effectRef>
+      <a:fontRef idx="minor">
+        <a:schemeClr val="lt1"/>
+      </a:fontRef>
+    </dgm:style>
+  </dgm:styleLbl>
+  <dgm:styleLbl name="node3">
+    <dgm:scene3d>
+      <a:camera prst="orthographicFront"/>
+      <a:lightRig rig="flat" dir="t"/>
+    </dgm:scene3d>
+    <dgm:sp3d prstMaterial="plastic">
+      <a:bevelT w="120900" h="88900"/>
+      <a:bevelB w="88900" h="31750" prst="angle"/>
+    </dgm:sp3d>
+    <dgm:txPr/>
+    <dgm:style>
+      <a:lnRef idx="0">
+        <a:scrgbClr r="0" g="0" b="0"/>
+      </a:lnRef>
+      <a:fillRef idx="3">
+        <a:scrgbClr r="0" g="0" b="0"/>
+      </a:fillRef>
+      <a:effectRef idx="1">
+        <a:scrgbClr r="0" g="0" b="0"/>
+      </a:effectRef>
+      <a:fontRef idx="minor">
+        <a:schemeClr val="lt1"/>
+      </a:fontRef>
+    </dgm:style>
+  </dgm:styleLbl>
+  <dgm:styleLbl name="node4">
+    <dgm:scene3d>
+      <a:camera prst="orthographicFront"/>
+      <a:lightRig rig="flat" dir="t"/>
+    </dgm:scene3d>
+    <dgm:sp3d prstMaterial="plastic">
+      <a:bevelT w="120900" h="88900"/>
+      <a:bevelB w="88900" h="31750" prst="angle"/>
+    </dgm:sp3d>
+    <dgm:txPr/>
+    <dgm:style>
+      <a:lnRef idx="0">
+        <a:scrgbClr r="0" g="0" b="0"/>
+      </a:lnRef>
+      <a:fillRef idx="3">
+        <a:scrgbClr r="0" g="0" b="0"/>
+      </a:fillRef>
+      <a:effectRef idx="1">
+        <a:scrgbClr r="0" g="0" b="0"/>
+      </a:effectRef>
+      <a:fontRef idx="minor">
+        <a:schemeClr val="lt1"/>
+      </a:fontRef>
+    </dgm:style>
+  </dgm:styleLbl>
+  <dgm:styleLbl name="fgImgPlace1">
+    <dgm:scene3d>
+      <a:camera prst="orthographicFront"/>
+      <a:lightRig rig="flat" dir="t"/>
+    </dgm:scene3d>
+    <dgm:sp3d z="127000" prstMaterial="plastic">
+      <a:bevelT w="88900" h="88900"/>
+      <a:bevelB w="88900" h="31750" prst="angle"/>
+    </dgm:sp3d>
+    <dgm:txPr/>
+    <dgm:style>
+      <a:lnRef idx="0">
+        <a:scrgbClr r="0" g="0" b="0"/>
+      </a:lnRef>
+      <a:fillRef idx="3">
+        <a:scrgbClr r="0" g="0" b="0"/>
+      </a:fillRef>
+      <a:effectRef idx="2">
+        <a:scrgbClr r="0" g="0" b="0"/>
+      </a:effectRef>
+      <a:fontRef idx="minor"/>
+    </dgm:style>
+  </dgm:styleLbl>
+  <dgm:styleLbl name="alignImgPlace1">
+    <dgm:scene3d>
+      <a:camera prst="orthographicFront"/>
+      <a:lightRig rig="flat" dir="t"/>
+    </dgm:scene3d>
+    <dgm:sp3d prstMaterial="plastic">
+      <a:bevelT w="88900" h="88900"/>
+      <a:bevelB w="88900" h="31750" prst="angle"/>
+    </dgm:sp3d>
+    <dgm:txPr/>
+    <dgm:style>
+      <a:lnRef idx="0">
+        <a:scrgbClr r="0" g="0" b="0"/>
+      </a:lnRef>
+      <a:fillRef idx="3">
+        <a:scrgbClr r="0" g="0" b="0"/>
+      </a:fillRef>
+      <a:effectRef idx="2">
+        <a:scrgbClr r="0" g="0" b="0"/>
+      </a:effectRef>
+      <a:fontRef idx="minor"/>
+    </dgm:style>
+  </dgm:styleLbl>
+  <dgm:styleLbl name="bgImgPlace1">
+    <dgm:scene3d>
+      <a:camera prst="orthographicFront"/>
+      <a:lightRig rig="flat" dir="t"/>
+    </dgm:scene3d>
+    <dgm:sp3d z="-190500" prstMaterial="plastic">
+      <a:bevelT w="88900" h="88900"/>
+      <a:bevelB w="88900" h="31750" prst="angle"/>
+    </dgm:sp3d>
+    <dgm:txPr/>
+    <dgm:style>
+      <a:lnRef idx="0">
+        <a:scrgbClr r="0" g="0" b="0"/>
+      </a:lnRef>
+      <a:fillRef idx="3">
+        <a:scrgbClr r="0" g="0" b="0"/>
+      </a:fillRef>
+      <a:effectRef idx="2">
+        <a:scrgbClr r="0" g="0" b="0"/>
+      </a:effectRef>
+      <a:fontRef idx="minor"/>
+    </dgm:style>
+  </dgm:styleLbl>
+  <dgm:styleLbl name="sibTrans2D1">
+    <dgm:scene3d>
+      <a:camera prst="orthographicFront"/>
+      <a:lightRig rig="flat" dir="t"/>
+    </dgm:scene3d>
+    <dgm:sp3d z="-80000" prstMaterial="plastic">
+      <a:bevelT w="50800" h="50800"/>
+      <a:bevelB w="25400" h="25400" prst="angle"/>
+    </dgm:sp3d>
+    <dgm:txPr/>
+    <dgm:style>
+      <a:lnRef idx="0">
+        <a:scrgbClr r="0" g="0" b="0"/>
+      </a:lnRef>
+      <a:fillRef idx="3">
+        <a:scrgbClr r="0" g="0" b="0"/>
+      </a:fillRef>
+      <a:effectRef idx="2">
+        <a:scrgbClr r="0" g="0" b="0"/>
+      </a:effectRef>
+      <a:fontRef idx="minor">
+        <a:schemeClr val="lt1"/>
+      </a:fontRef>
+    </dgm:style>
+  </dgm:styleLbl>
+  <dgm:styleLbl name="fgSibTrans2D1">
+    <dgm:scene3d>
+      <a:camera prst="orthographicFront"/>
+      <a:lightRig rig="flat" dir="t"/>
+    </dgm:scene3d>
+    <dgm:sp3d z="127000" prstMaterial="plastic">
+      <a:bevelT w="50800" h="50800"/>
+      <a:bevelB w="25400" h="25400" prst="angle"/>
+    </dgm:sp3d>
+    <dgm:txPr/>
+    <dgm:style>
+      <a:lnRef idx="0">
+        <a:scrgbClr r="0" g="0" b="0"/>
+      </a:lnRef>
+      <a:fillRef idx="3">
+        <a:scrgbClr r="0" g="0" b="0"/>
+      </a:fillRef>
+      <a:effectRef idx="2">
+        <a:scrgbClr r="0" g="0" b="0"/>
+      </a:effectRef>
+      <a:fontRef idx="minor">
+        <a:schemeClr val="lt1"/>
+      </a:fontRef>
+    </dgm:style>
+  </dgm:styleLbl>
+  <dgm:styleLbl name="bgSibTrans2D1">
+    <dgm:scene3d>
+      <a:camera prst="orthographicFront"/>
+      <a:lightRig rig="flat" dir="t"/>
+    </dgm:scene3d>
+    <dgm:sp3d z="-190500" prstMaterial="plastic">
+      <a:bevelT w="50800" h="50800"/>
+      <a:bevelB w="25400" h="25400" prst="angle"/>
+    </dgm:sp3d>
+    <dgm:txPr/>
+    <dgm:style>
+      <a:lnRef idx="0">
+        <a:scrgbClr r="0" g="0" b="0"/>
+      </a:lnRef>
+      <a:fillRef idx="3">
+        <a:scrgbClr r="0" g="0" b="0"/>
+      </a:fillRef>
+      <a:effectRef idx="2">
+        <a:scrgbClr r="0" g="0" b="0"/>
+      </a:effectRef>
+      <a:fontRef idx="minor">
+        <a:schemeClr val="lt1"/>
+      </a:fontRef>
+    </dgm:style>
+  </dgm:styleLbl>
+  <dgm:styleLbl name="sibTrans1D1">
+    <dgm:scene3d>
+      <a:camera prst="orthographicFront"/>
+      <a:lightRig rig="flat" dir="t"/>
+    </dgm:scene3d>
+    <dgm:sp3d z="-40000" prstMaterial="matte"/>
+    <dgm:txPr/>
+    <dgm:style>
+      <a:lnRef idx="1">
+        <a:scrgbClr r="0" g="0" b="0"/>
+      </a:lnRef>
+      <a:fillRef idx="0">
+        <a:scrgbClr r="0" g="0" b="0"/>
+      </a:fillRef>
+      <a:effectRef idx="0">
+        <a:scrgbClr r="0" g="0" b="0"/>
+      </a:effectRef>
+      <a:fontRef idx="minor"/>
+    </dgm:style>
+  </dgm:styleLbl>
+  <dgm:styleLbl name="callout">
+    <dgm:scene3d>
+      <a:camera prst="orthographicFront"/>
+      <a:lightRig rig="threePt" dir="t"/>
+    </dgm:scene3d>
+    <dgm:sp3d z="127000" prstMaterial="matte"/>
+    <dgm:txPr/>
+    <dgm:style>
+      <a:lnRef idx="2">
+        <a:scrgbClr r="0" g="0" b="0"/>
+      </a:lnRef>
+      <a:fillRef idx="1">
+        <a:scrgbClr r="0" g="0" b="0"/>
+      </a:fillRef>
+      <a:effectRef idx="0">
+        <a:scrgbClr r="0" g="0" b="0"/>
+      </a:effectRef>
+      <a:fontRef idx="minor"/>
+    </dgm:style>
+  </dgm:styleLbl>
+  <dgm:styleLbl name="asst0">
+    <dgm:scene3d>
+      <a:camera prst="orthographicFront"/>
+      <a:lightRig rig="flat" dir="t"/>
+    </dgm:scene3d>
+    <dgm:sp3d prstMaterial="plastic">
+      <a:bevelT w="120900" h="88900"/>
+      <a:bevelB w="88900" h="31750" prst="angle"/>
+    </dgm:sp3d>
+    <dgm:txPr/>
+    <dgm:style>
+      <a:lnRef idx="0">
+        <a:scrgbClr r="0" g="0" b="0"/>
+      </a:lnRef>
+      <a:fillRef idx="3">
+        <a:scrgbClr r="0" g="0" b="0"/>
+      </a:fillRef>
+      <a:effectRef idx="1">
+        <a:scrgbClr r="0" g="0" b="0"/>
+      </a:effectRef>
+      <a:fontRef idx="minor">
+        <a:schemeClr val="lt1"/>
+      </a:fontRef>
+    </dgm:style>
+  </dgm:styleLbl>
+  <dgm:styleLbl name="asst1">
+    <dgm:scene3d>
+      <a:camera prst="orthographicFront"/>
+      <a:lightRig rig="flat" dir="t"/>
+    </dgm:scene3d>
+    <dgm:sp3d prstMaterial="plastic">
+      <a:bevelT w="120900" h="88900"/>
+      <a:bevelB w="88900" h="31750" prst="angle"/>
+    </dgm:sp3d>
+    <dgm:txPr/>
+    <dgm:style>
+      <a:lnRef idx="0">
+        <a:scrgbClr r="0" g="0" b="0"/>
+      </a:lnRef>
+      <a:fillRef idx="3">
+        <a:scrgbClr r="0" g="0" b="0"/>
+      </a:fillRef>
+      <a:effectRef idx="1">
+        <a:scrgbClr r="0" g="0" b="0"/>
+      </a:effectRef>
+      <a:fontRef idx="minor">
+        <a:schemeClr val="lt1"/>
+      </a:fontRef>
+    </dgm:style>
+  </dgm:styleLbl>
+  <dgm:styleLbl name="asst2">
+    <dgm:scene3d>
+      <a:camera prst="orthographicFront"/>
+      <a:lightRig rig="flat" dir="t"/>
+    </dgm:scene3d>
+    <dgm:sp3d prstMaterial="plastic">
+      <a:bevelT w="120900" h="88900"/>
+      <a:bevelB w="88900" h="31750" prst="angle"/>
+    </dgm:sp3d>
+    <dgm:txPr/>
+    <dgm:style>
+      <a:lnRef idx="0">
+        <a:scrgbClr r="0" g="0" b="0"/>
+      </a:lnRef>
+      <a:fillRef idx="3">
+        <a:scrgbClr r="0" g="0" b="0"/>
+      </a:fillRef>
+      <a:effectRef idx="1">
+        <a:scrgbClr r="0" g="0" b="0"/>
+      </a:effectRef>
+      <a:fontRef idx="minor">
+        <a:schemeClr val="lt1"/>
+      </a:fontRef>
+    </dgm:style>
+  </dgm:styleLbl>
+  <dgm:styleLbl name="asst3">
+    <dgm:scene3d>
+      <a:camera prst="orthographicFront"/>
+      <a:lightRig rig="flat" dir="t"/>
+    </dgm:scene3d>
+    <dgm:sp3d prstMaterial="plastic">
+      <a:bevelT w="120900" h="88900"/>
+      <a:bevelB w="88900" h="31750" prst="angle"/>
+    </dgm:sp3d>
+    <dgm:txPr/>
+    <dgm:style>
+      <a:lnRef idx="0">
+        <a:scrgbClr r="0" g="0" b="0"/>
+      </a:lnRef>
+      <a:fillRef idx="3">
+        <a:scrgbClr r="0" g="0" b="0"/>
+      </a:fillRef>
+      <a:effectRef idx="1">
+        <a:scrgbClr r="0" g="0" b="0"/>
+      </a:effectRef>
+      <a:fontRef idx="minor">
+        <a:schemeClr val="lt1"/>
+      </a:fontRef>
+    </dgm:style>
+  </dgm:styleLbl>
+  <dgm:styleLbl name="parChTrans2D1">
+    <dgm:scene3d>
+      <a:camera prst="orthographicFront"/>
+      <a:lightRig rig="flat" dir="t"/>
+    </dgm:scene3d>
+    <dgm:sp3d z="-100000" prstMaterial="plastic">
+      <a:bevelT w="120900" h="88900"/>
+      <a:bevelB w="88900" h="31750" prst="angle"/>
+    </dgm:sp3d>
+    <dgm:txPr/>
+    <dgm:style>
+      <a:lnRef idx="0">
+        <a:scrgbClr r="0" g="0" b="0"/>
+      </a:lnRef>
+      <a:fillRef idx="3">
+        <a:scrgbClr r="0" g="0" b="0"/>
+      </a:fillRef>
+      <a:effectRef idx="1">
+        <a:scrgbClr r="0" g="0" b="0"/>
+      </a:effectRef>
+      <a:fontRef idx="minor">
+        <a:schemeClr val="lt1"/>
+      </a:fontRef>
+    </dgm:style>
+  </dgm:styleLbl>
+  <dgm:styleLbl name="parChTrans2D2">
+    <dgm:scene3d>
+      <a:camera prst="orthographicFront"/>
+      <a:lightRig rig="flat" dir="t"/>
+    </dgm:scene3d>
+    <dgm:sp3d z="-60000" prstMaterial="plastic">
+      <a:bevelT w="120900" h="88900"/>
+      <a:bevelB w="88900" h="31750" prst="angle"/>
+    </dgm:sp3d>
+    <dgm:txPr/>
+    <dgm:style>
+      <a:lnRef idx="0">
+        <a:scrgbClr r="0" g="0" b="0"/>
+      </a:lnRef>
+      <a:fillRef idx="3">
+        <a:scrgbClr r="0" g="0" b="0"/>
+      </a:fillRef>
+      <a:effectRef idx="1">
+        <a:scrgbClr r="0" g="0" b="0"/>
+      </a:effectRef>
+      <a:fontRef idx="minor">
+        <a:schemeClr val="lt1"/>
+      </a:fontRef>
+    </dgm:style>
+  </dgm:styleLbl>
+  <dgm:styleLbl name="parChTrans2D3">
+    <dgm:scene3d>
+      <a:camera prst="orthographicFront"/>
+      <a:lightRig rig="flat" dir="t"/>
+    </dgm:scene3d>
+    <dgm:sp3d z="-60000" prstMaterial="plastic">
+      <a:bevelT w="120900" h="88900"/>
+      <a:bevelB w="88900" h="31750" prst="angle"/>
+    </dgm:sp3d>
+    <dgm:txPr/>
+    <dgm:style>
+      <a:lnRef idx="0">
+        <a:scrgbClr r="0" g="0" b="0"/>
+      </a:lnRef>
+      <a:fillRef idx="3">
+        <a:scrgbClr r="0" g="0" b="0"/>
+      </a:fillRef>
+      <a:effectRef idx="1">
+        <a:scrgbClr r="0" g="0" b="0"/>
+      </a:effectRef>
+      <a:fontRef idx="minor">
+        <a:schemeClr val="lt1"/>
+      </a:fontRef>
+    </dgm:style>
+  </dgm:styleLbl>
+  <dgm:styleLbl name="parChTrans2D4">
+    <dgm:scene3d>
+      <a:camera prst="orthographicFront"/>
+      <a:lightRig rig="flat" dir="t"/>
+    </dgm:scene3d>
+    <dgm:sp3d z="-60000" prstMaterial="plastic">
+      <a:bevelT w="120900" h="88900"/>
+      <a:bevelB w="88900" h="31750" prst="angle"/>
+    </dgm:sp3d>
+    <dgm:txPr/>
+    <dgm:style>
+      <a:lnRef idx="0">
+        <a:scrgbClr r="0" g="0" b="0"/>
+      </a:lnRef>
+      <a:fillRef idx="3">
+        <a:scrgbClr r="0" g="0" b="0"/>
+      </a:fillRef>
+      <a:effectRef idx="1">
+        <a:scrgbClr r="0" g="0" b="0"/>
+      </a:effectRef>
+      <a:fontRef idx="minor">
+        <a:schemeClr val="lt1"/>
+      </a:fontRef>
+    </dgm:style>
+  </dgm:styleLbl>
+  <dgm:styleLbl name="parChTrans1D1">
+    <dgm:scene3d>
+      <a:camera prst="orthographicFront"/>
+      <a:lightRig rig="flat" dir="t"/>
+    </dgm:scene3d>
+    <dgm:sp3d prstMaterial="matte"/>
+    <dgm:txPr/>
+    <dgm:style>
+      <a:lnRef idx="2">
+        <a:scrgbClr r="0" g="0" b="0"/>
+      </a:lnRef>
+      <a:fillRef idx="0">
+        <a:scrgbClr r="0" g="0" b="0"/>
+      </a:fillRef>
+      <a:effectRef idx="0">
+        <a:scrgbClr r="0" g="0" b="0"/>
+      </a:effectRef>
+      <a:fontRef idx="minor"/>
+    </dgm:style>
+  </dgm:styleLbl>
+  <dgm:styleLbl name="parChTrans1D2">
+    <dgm:scene3d>
+      <a:camera prst="orthographicFront"/>
+      <a:lightRig rig="flat" dir="t"/>
+    </dgm:scene3d>
+    <dgm:sp3d prstMaterial="matte"/>
+    <dgm:txPr/>
+    <dgm:style>
+      <a:lnRef idx="2">
+        <a:scrgbClr r="0" g="0" b="0"/>
+      </a:lnRef>
+      <a:fillRef idx="0">
+        <a:scrgbClr r="0" g="0" b="0"/>
+      </a:fillRef>
+      <a:effectRef idx="0">
+        <a:scrgbClr r="0" g="0" b="0"/>
+      </a:effectRef>
+      <a:fontRef idx="minor"/>
+    </dgm:style>
+  </dgm:styleLbl>
+  <dgm:styleLbl name="parChTrans1D3">
+    <dgm:scene3d>
+      <a:camera prst="orthographicFront"/>
+      <a:lightRig rig="flat" dir="t"/>
+    </dgm:scene3d>
+    <dgm:sp3d prstMaterial="matte"/>
+    <dgm:txPr/>
+    <dgm:style>
+      <a:lnRef idx="2">
+        <a:scrgbClr r="0" g="0" b="0"/>
+      </a:lnRef>
+      <a:fillRef idx="0">
+        <a:scrgbClr r="0" g="0" b="0"/>
+      </a:fillRef>
+      <a:effectRef idx="0">
+        <a:scrgbClr r="0" g="0" b="0"/>
+      </a:effectRef>
+      <a:fontRef idx="minor"/>
+    </dgm:style>
+  </dgm:styleLbl>
+  <dgm:styleLbl name="parChTrans1D4">
+    <dgm:scene3d>
+      <a:camera prst="orthographicFront"/>
+      <a:lightRig rig="flat" dir="t"/>
+    </dgm:scene3d>
+    <dgm:sp3d prstMaterial="matte"/>
+    <dgm:txPr/>
+    <dgm:style>
+      <a:lnRef idx="2">
+        <a:scrgbClr r="0" g="0" b="0"/>
+      </a:lnRef>
+      <a:fillRef idx="0">
+        <a:scrgbClr r="0" g="0" b="0"/>
+      </a:fillRef>
+      <a:effectRef idx="0">
+        <a:scrgbClr r="0" g="0" b="0"/>
+      </a:effectRef>
+      <a:fontRef idx="minor"/>
+    </dgm:style>
+  </dgm:styleLbl>
+  <dgm:styleLbl name="fgAcc1">
+    <dgm:scene3d>
+      <a:camera prst="orthographicFront"/>
+      <a:lightRig rig="flat" dir="t"/>
+    </dgm:scene3d>
+    <dgm:sp3d z="190500" extrusionH="12700" prstMaterial="plastic">
+      <a:bevelT w="50800" h="50800"/>
+    </dgm:sp3d>
+    <dgm:txPr/>
+    <dgm:style>
+      <a:lnRef idx="1">
+        <a:scrgbClr r="0" g="0" b="0"/>
+      </a:lnRef>
+      <a:fillRef idx="1">
+        <a:scrgbClr r="0" g="0" b="0"/>
+      </a:fillRef>
+      <a:effectRef idx="2">
+        <a:scrgbClr r="0" g="0" b="0"/>
+      </a:effectRef>
+      <a:fontRef idx="minor"/>
+    </dgm:style>
+  </dgm:styleLbl>
+  <dgm:styleLbl name="conFgAcc1">
+    <dgm:scene3d>
+      <a:camera prst="orthographicFront"/>
+      <a:lightRig rig="flat" dir="t"/>
+    </dgm:scene3d>
+    <dgm:sp3d z="190500" extrusionH="12700" prstMaterial="plastic">
+      <a:bevelT w="50800" h="50800"/>
+    </dgm:sp3d>
+    <dgm:txPr/>
+    <dgm:style>
+      <a:lnRef idx="1">
+        <a:scrgbClr r="0" g="0" b="0"/>
+      </a:lnRef>
+      <a:fillRef idx="1">
+        <a:scrgbClr r="0" g="0" b="0"/>
+      </a:fillRef>
+      <a:effectRef idx="2">
+        <a:scrgbClr r="0" g="0" b="0"/>
+      </a:effectRef>
+      <a:fontRef idx="minor"/>
+    </dgm:style>
+  </dgm:styleLbl>
+  <dgm:styleLbl name="alignAcc1">
+    <dgm:scene3d>
+      <a:camera prst="orthographicFront"/>
+      <a:lightRig rig="flat" dir="t"/>
+    </dgm:scene3d>
+    <dgm:sp3d extrusionH="12700" prstMaterial="plastic">
+      <a:bevelT w="50800" h="50800"/>
+    </dgm:sp3d>
+    <dgm:txPr/>
+    <dgm:style>
+      <a:lnRef idx="1">
+        <a:scrgbClr r="0" g="0" b="0"/>
+      </a:lnRef>
+      <a:fillRef idx="1">
+        <a:scrgbClr r="0" g="0" b="0"/>
+      </a:fillRef>
+      <a:effectRef idx="2">
+        <a:scrgbClr r="0" g="0" b="0"/>
+      </a:effectRef>
+      <a:fontRef idx="minor"/>
+    </dgm:style>
+  </dgm:styleLbl>
+  <dgm:styleLbl name="trAlignAcc1">
+    <dgm:scene3d>
+      <a:camera prst="orthographicFront"/>
+      <a:lightRig rig="flat" dir="t"/>
+    </dgm:scene3d>
+    <dgm:sp3d extrusionH="12700" prstMaterial="plastic">
+      <a:bevelT w="50800" h="50800"/>
+    </dgm:sp3d>
+    <dgm:txPr/>
+    <dgm:style>
+      <a:lnRef idx="1">
+        <a:scrgbClr r="0" g="0" b="0"/>
+      </a:lnRef>
+      <a:fillRef idx="1">
+        <a:scrgbClr r="0" g="0" b="0"/>
+      </a:fillRef>
+      <a:effectRef idx="2">
+        <a:scrgbClr r="0" g="0" b="0"/>
+      </a:effectRef>
+      <a:fontRef idx="minor"/>
+    </dgm:style>
+  </dgm:styleLbl>
+  <dgm:styleLbl name="bgAcc1">
+    <dgm:scene3d>
+      <a:camera prst="orthographicFront"/>
+      <a:lightRig rig="flat" dir="t"/>
+    </dgm:scene3d>
+    <dgm:sp3d z="-190500" extrusionH="12700" prstMaterial="plastic">
+      <a:bevelT w="50800" h="50800"/>
+    </dgm:sp3d>
+    <dgm:txPr/>
+    <dgm:style>
+      <a:lnRef idx="1">
+        <a:scrgbClr r="0" g="0" b="0"/>
+      </a:lnRef>
+      <a:fillRef idx="1">
+        <a:scrgbClr r="0" g="0" b="0"/>
+      </a:fillRef>
+      <a:effectRef idx="2">
+        <a:scrgbClr r="0" g="0" b="0"/>
+      </a:effectRef>
+      <a:fontRef idx="minor"/>
+    </dgm:style>
+  </dgm:styleLbl>
+  <dgm:styleLbl name="solidFgAcc1">
+    <dgm:scene3d>
+      <a:camera prst="orthographicFront"/>
+      <a:lightRig rig="flat" dir="t"/>
+    </dgm:scene3d>
+    <dgm:sp3d z="190500" extrusionH="12700" prstMaterial="plastic">
+      <a:bevelT w="50800" h="50800"/>
+    </dgm:sp3d>
+    <dgm:txPr/>
+    <dgm:style>
+      <a:lnRef idx="1">
+        <a:scrgbClr r="0" g="0" b="0"/>
+      </a:lnRef>
+      <a:fillRef idx="1">
+        <a:scrgbClr r="0" g="0" b="0"/>
+      </a:fillRef>
+      <a:effectRef idx="2">
+        <a:scrgbClr r="0" g="0" b="0"/>
+      </a:effectRef>
+      <a:fontRef idx="minor"/>
+    </dgm:style>
+  </dgm:styleLbl>
+  <dgm:styleLbl name="solidAlignAcc1">
+    <dgm:scene3d>
+      <a:camera prst="orthographicFront"/>
+      <a:lightRig rig="flat" dir="t"/>
+    </dgm:scene3d>
+    <dgm:sp3d extrusionH="12700" prstMaterial="plastic">
+      <a:bevelT w="50800" h="50800"/>
+    </dgm:sp3d>
+    <dgm:txPr/>
+    <dgm:style>
+      <a:lnRef idx="1">
+        <a:scrgbClr r="0" g="0" b="0"/>
+      </a:lnRef>
+      <a:fillRef idx="1">
+        <a:scrgbClr r="0" g="0" b="0"/>
+      </a:fillRef>
+      <a:effectRef idx="2">
+        <a:scrgbClr r="0" g="0" b="0"/>
+      </a:effectRef>
+      <a:fontRef idx="minor"/>
+    </dgm:style>
+  </dgm:styleLbl>
+  <dgm:styleLbl name="solidBgAcc1">
+    <dgm:scene3d>
+      <a:camera prst="orthographicFront"/>
+      <a:lightRig rig="flat" dir="t"/>
+    </dgm:scene3d>
+    <dgm:sp3d z="-190500" extrusionH="12700" prstMaterial="plastic">
+      <a:bevelT w="50800" h="50800"/>
+    </dgm:sp3d>
+    <dgm:txPr/>
+    <dgm:style>
+      <a:lnRef idx="1">
+        <a:scrgbClr r="0" g="0" b="0"/>
+      </a:lnRef>
+      <a:fillRef idx="1">
+        <a:scrgbClr r="0" g="0" b="0"/>
+      </a:fillRef>
+      <a:effectRef idx="2">
+        <a:scrgbClr r="0" g="0" b="0"/>
+      </a:effectRef>
+      <a:fontRef idx="minor"/>
+    </dgm:style>
+  </dgm:styleLbl>
+  <dgm:styleLbl name="fgAccFollowNode1">
+    <dgm:scene3d>
+      <a:camera prst="orthographicFront"/>
+      <a:lightRig rig="flat" dir="t"/>
+    </dgm:scene3d>
+    <dgm:sp3d z="190500" extrusionH="12700" prstMaterial="plastic">
+      <a:bevelT w="50800" h="50800"/>
+    </dgm:sp3d>
+    <dgm:txPr/>
+    <dgm:style>
+      <a:lnRef idx="1">
+        <a:scrgbClr r="0" g="0" b="0"/>
+      </a:lnRef>
+      <a:fillRef idx="1">
+        <a:scrgbClr r="0" g="0" b="0"/>
+      </a:fillRef>
+      <a:effectRef idx="2">
+        <a:scrgbClr r="0" g="0" b="0"/>
+      </a:effectRef>
+      <a:fontRef idx="minor"/>
+    </dgm:style>
+  </dgm:styleLbl>
+  <dgm:styleLbl name="alignAccFollowNode1">
+    <dgm:scene3d>
+      <a:camera prst="orthographicFront"/>
+      <a:lightRig rig="flat" dir="t"/>
+    </dgm:scene3d>
+    <dgm:sp3d extrusionH="12700" prstMaterial="plastic">
+      <a:bevelT w="50800" h="50800"/>
+    </dgm:sp3d>
+    <dgm:txPr/>
+    <dgm:style>
+      <a:lnRef idx="1">
+        <a:scrgbClr r="0" g="0" b="0"/>
+      </a:lnRef>
+      <a:fillRef idx="1">
+        <a:scrgbClr r="0" g="0" b="0"/>
+      </a:fillRef>
+      <a:effectRef idx="2">
+        <a:scrgbClr r="0" g="0" b="0"/>
+      </a:effectRef>
+      <a:fontRef idx="minor"/>
+    </dgm:style>
+  </dgm:styleLbl>
+  <dgm:styleLbl name="bgAccFollowNode1">
+    <dgm:scene3d>
+      <a:camera prst="orthographicFront"/>
+      <a:lightRig rig="flat" dir="t"/>
+    </dgm:scene3d>
+    <dgm:sp3d z="-190500" extrusionH="12700" prstMaterial="plastic">
+      <a:bevelT w="50800" h="50800"/>
+    </dgm:sp3d>
+    <dgm:txPr/>
+    <dgm:style>
+      <a:lnRef idx="1">
+        <a:scrgbClr r="0" g="0" b="0"/>
+      </a:lnRef>
+      <a:fillRef idx="1">
+        <a:scrgbClr r="0" g="0" b="0"/>
+      </a:fillRef>
+      <a:effectRef idx="2">
+        <a:scrgbClr r="0" g="0" b="0"/>
+      </a:effectRef>
+      <a:fontRef idx="minor"/>
+    </dgm:style>
+  </dgm:styleLbl>
+  <dgm:styleLbl name="fgAcc0">
+    <dgm:scene3d>
+      <a:camera prst="orthographicFront"/>
+      <a:lightRig rig="flat" dir="t"/>
+    </dgm:scene3d>
+    <dgm:sp3d z="190500" extrusionH="12700" prstMaterial="plastic">
+      <a:bevelT w="50800" h="50800"/>
+    </dgm:sp3d>
+    <dgm:txPr/>
+    <dgm:style>
+      <a:lnRef idx="1">
+        <a:scrgbClr r="0" g="0" b="0"/>
+      </a:lnRef>
+      <a:fillRef idx="1">
+        <a:scrgbClr r="0" g="0" b="0"/>
+      </a:fillRef>
+      <a:effectRef idx="2">
+        <a:scrgbClr r="0" g="0" b="0"/>
+      </a:effectRef>
+      <a:fontRef idx="minor"/>
+    </dgm:style>
+  </dgm:styleLbl>
+  <dgm:styleLbl name="fgAcc2">
+    <dgm:scene3d>
+      <a:camera prst="orthographicFront"/>
+      <a:lightRig rig="flat" dir="t"/>
+    </dgm:scene3d>
+    <dgm:sp3d z="190500" extrusionH="12700" prstMaterial="plastic">
+      <a:bevelT w="50800" h="50800"/>
+    </dgm:sp3d>
+    <dgm:txPr/>
+    <dgm:style>
+      <a:lnRef idx="1">
+        <a:scrgbClr r="0" g="0" b="0"/>
+      </a:lnRef>
+      <a:fillRef idx="1">
+        <a:scrgbClr r="0" g="0" b="0"/>
+      </a:fillRef>
+      <a:effectRef idx="2">
+        <a:scrgbClr r="0" g="0" b="0"/>
+      </a:effectRef>
+      <a:fontRef idx="minor"/>
+    </dgm:style>
+  </dgm:styleLbl>
+  <dgm:styleLbl name="fgAcc3">
+    <dgm:scene3d>
+      <a:camera prst="orthographicFront"/>
+      <a:lightRig rig="flat" dir="t"/>
+    </dgm:scene3d>
+    <dgm:sp3d z="190500" extrusionH="12700" prstMaterial="plastic">
+      <a:bevelT w="50800" h="50800"/>
+    </dgm:sp3d>
+    <dgm:txPr/>
+    <dgm:style>
+      <a:lnRef idx="1">
+        <a:scrgbClr r="0" g="0" b="0"/>
+      </a:lnRef>
+      <a:fillRef idx="1">
+        <a:scrgbClr r="0" g="0" b="0"/>
+      </a:fillRef>
+      <a:effectRef idx="2">
+        <a:scrgbClr r="0" g="0" b="0"/>
+      </a:effectRef>
+      <a:fontRef idx="minor"/>
+    </dgm:style>
+  </dgm:styleLbl>
+  <dgm:styleLbl name="fgAcc4">
+    <dgm:scene3d>
+      <a:camera prst="orthographicFront"/>
+      <a:lightRig rig="flat" dir="t"/>
+    </dgm:scene3d>
+    <dgm:sp3d z="190500" extrusionH="12700" prstMaterial="plastic">
+      <a:bevelT w="50800" h="50800"/>
+    </dgm:sp3d>
+    <dgm:txPr/>
+    <dgm:style>
+      <a:lnRef idx="1">
+        <a:scrgbClr r="0" g="0" b="0"/>
+      </a:lnRef>
+      <a:fillRef idx="1">
+        <a:scrgbClr r="0" g="0" b="0"/>
+      </a:fillRef>
+      <a:effectRef idx="2">
+        <a:scrgbClr r="0" g="0" b="0"/>
+      </a:effectRef>
+      <a:fontRef idx="minor"/>
+    </dgm:style>
+  </dgm:styleLbl>
+  <dgm:styleLbl name="bgShp">
+    <dgm:scene3d>
+      <a:camera prst="orthographicFront"/>
+      <a:lightRig rig="flat" dir="t"/>
+    </dgm:scene3d>
+    <dgm:sp3d z="-190500" extrusionH="12700" prstMaterial="plastic">
+      <a:bevelT w="50800" h="50800"/>
+    </dgm:sp3d>
+    <dgm:txPr/>
+    <dgm:style>
+      <a:lnRef idx="0">
+        <a:scrgbClr r="0" g="0" b="0"/>
+      </a:lnRef>
+      <a:fillRef idx="3">
+        <a:scrgbClr r="0" g="0" b="0"/>
+      </a:fillRef>
+      <a:effectRef idx="0">
+        <a:scrgbClr r="0" g="0" b="0"/>
+      </a:effectRef>
+      <a:fontRef idx="minor"/>
+    </dgm:style>
+  </dgm:styleLbl>
+  <dgm:styleLbl name="dkBgShp">
+    <dgm:scene3d>
+      <a:camera prst="orthographicFront"/>
+      <a:lightRig rig="flat" dir="t"/>
+    </dgm:scene3d>
+    <dgm:sp3d z="-190500" extrusionH="12700" prstMaterial="plastic">
+      <a:bevelT w="50800" h="50800"/>
+    </dgm:sp3d>
+    <dgm:txPr/>
+    <dgm:style>
+      <a:lnRef idx="0">
+        <a:scrgbClr r="0" g="0" b="0"/>
+      </a:lnRef>
+      <a:fillRef idx="2">
+        <a:scrgbClr r="0" g="0" b="0"/>
+      </a:fillRef>
+      <a:effectRef idx="0">
+        <a:scrgbClr r="0" g="0" b="0"/>
+      </a:effectRef>
+      <a:fontRef idx="minor"/>
+    </dgm:style>
+  </dgm:styleLbl>
+  <dgm:styleLbl name="trBgShp">
+    <dgm:scene3d>
+      <a:camera prst="orthographicFront"/>
+      <a:lightRig rig="flat" dir="t"/>
+    </dgm:scene3d>
+    <dgm:sp3d z="-190500" extrusionH="12700" prstMaterial="matte"/>
+    <dgm:txPr/>
+    <dgm:style>
+      <a:lnRef idx="0">
+        <a:scrgbClr r="0" g="0" b="0"/>
+      </a:lnRef>
+      <a:fillRef idx="1">
+        <a:scrgbClr r="0" g="0" b="0"/>
+      </a:fillRef>
+      <a:effectRef idx="0">
+        <a:scrgbClr r="0" g="0" b="0"/>
+      </a:effectRef>
+      <a:fontRef idx="minor"/>
+    </dgm:style>
+  </dgm:styleLbl>
+  <dgm:styleLbl name="fgShp">
+    <dgm:scene3d>
+      <a:camera prst="orthographicFront"/>
+      <a:lightRig rig="flat" dir="t"/>
+    </dgm:scene3d>
+    <dgm:sp3d z="190500" prstMaterial="plastic">
+      <a:bevelT w="120900" h="88900"/>
+      <a:bevelB w="88900" h="31750" prst="angle"/>
+    </dgm:sp3d>
+    <dgm:txPr/>
+    <dgm:style>
+      <a:lnRef idx="0">
+        <a:scrgbClr r="0" g="0" b="0"/>
+      </a:lnRef>
+      <a:fillRef idx="1">
+        <a:scrgbClr r="0" g="0" b="0"/>
+      </a:fillRef>
+      <a:effectRef idx="3">
+        <a:scrgbClr r="0" g="0" b="0"/>
+      </a:effectRef>
+      <a:fontRef idx="minor">
+        <a:schemeClr val="lt1"/>
+      </a:fontRef>
+    </dgm:style>
+  </dgm:styleLbl>
+  <dgm:styleLbl name="revTx">
+    <dgm:scene3d>
+      <a:camera prst="orthographicFront"/>
+      <a:lightRig rig="threePt" dir="t"/>
+    </dgm:scene3d>
+    <dgm:sp3d/>
+    <dgm:txPr/>
+    <dgm:style>
+      <a:lnRef idx="0">
+        <a:scrgbClr r="0" g="0" b="0"/>
+      </a:lnRef>
+      <a:fillRef idx="0">
+        <a:scrgbClr r="0" g="0" b="0"/>
+      </a:fillRef>
+      <a:effectRef idx="0">
+        <a:scrgbClr r="0" g="0" b="0"/>
+      </a:effectRef>
+      <a:fontRef idx="minor"/>
+    </dgm:style>
+  </dgm:styleLbl>
+</dgm:styleDef>
+</file>
+
+<file path=ppt/diagrams/quickStyle3.xml><?xml version="1.0" encoding="utf-8"?>
+<dgm:styleDef xmlns:dgm="http://schemas.openxmlformats.org/drawingml/2006/diagram" xmlns:a="http://schemas.openxmlformats.org/drawingml/2006/main" uniqueId="urn:microsoft.com/office/officeart/2005/8/quickstyle/3D1">
+  <dgm:title val=""/>
+  <dgm:desc val=""/>
+  <dgm:catLst>
+    <dgm:cat type="3D" pri="11100"/>
+  </dgm:catLst>
+  <dgm:scene3d>
+    <a:camera prst="orthographicFront"/>
+    <a:lightRig rig="threePt" dir="t"/>
+  </dgm:scene3d>
+  <dgm:styleLbl name="node0">
+    <dgm:scene3d>
+      <a:camera prst="orthographicFront"/>
+      <a:lightRig rig="flat" dir="t"/>
+    </dgm:scene3d>
+    <dgm:sp3d prstMaterial="plastic">
+      <a:bevelT w="120900" h="88900"/>
+      <a:bevelB w="88900" h="31750" prst="angle"/>
+    </dgm:sp3d>
+    <dgm:txPr/>
+    <dgm:style>
+      <a:lnRef idx="0">
+        <a:scrgbClr r="0" g="0" b="0"/>
+      </a:lnRef>
+      <a:fillRef idx="3">
+        <a:scrgbClr r="0" g="0" b="0"/>
+      </a:fillRef>
+      <a:effectRef idx="2">
+        <a:scrgbClr r="0" g="0" b="0"/>
+      </a:effectRef>
+      <a:fontRef idx="minor">
+        <a:schemeClr val="lt1"/>
+      </a:fontRef>
+    </dgm:style>
+  </dgm:styleLbl>
+  <dgm:styleLbl name="lnNode1">
+    <dgm:scene3d>
+      <a:camera prst="orthographicFront"/>
+      <a:lightRig rig="flat" dir="t"/>
+    </dgm:scene3d>
+    <dgm:sp3d prstMaterial="plastic">
+      <a:bevelT w="120900" h="88900"/>
+      <a:bevelB w="88900" h="31750" prst="angle"/>
+    </dgm:sp3d>
+    <dgm:txPr/>
+    <dgm:style>
+      <a:lnRef idx="0">
+        <a:scrgbClr r="0" g="0" b="0"/>
+      </a:lnRef>
+      <a:fillRef idx="3">
+        <a:scrgbClr r="0" g="0" b="0"/>
+      </a:fillRef>
+      <a:effectRef idx="1">
+        <a:scrgbClr r="0" g="0" b="0"/>
+      </a:effectRef>
+      <a:fontRef idx="minor">
+        <a:schemeClr val="lt1"/>
+      </a:fontRef>
+    </dgm:style>
+  </dgm:styleLbl>
+  <dgm:styleLbl name="vennNode1">
+    <dgm:scene3d>
+      <a:camera prst="orthographicFront"/>
+      <a:lightRig rig="flat" dir="t"/>
+    </dgm:scene3d>
+    <dgm:sp3d prstMaterial="plastic">
+      <a:bevelT w="120900" h="88900"/>
+      <a:bevelB w="88900" h="31750" prst="angle"/>
+    </dgm:sp3d>
+    <dgm:txPr/>
+    <dgm:style>
+      <a:lnRef idx="0">
+        <a:scrgbClr r="0" g="0" b="0"/>
+      </a:lnRef>
+      <a:fillRef idx="1">
+        <a:scrgbClr r="0" g="0" b="0"/>
+      </a:fillRef>
+      <a:effectRef idx="1">
+        <a:scrgbClr r="0" g="0" b="0"/>
+      </a:effectRef>
+      <a:fontRef idx="minor">
+        <a:schemeClr val="tx1"/>
+      </a:fontRef>
+    </dgm:style>
+  </dgm:styleLbl>
+  <dgm:styleLbl name="alignNode1">
+    <dgm:scene3d>
+      <a:camera prst="orthographicFront"/>
+      <a:lightRig rig="flat" dir="t"/>
+    </dgm:scene3d>
+    <dgm:sp3d prstMaterial="plastic">
+      <a:bevelT w="120900" h="88900"/>
+      <a:bevelB w="88900" h="31750" prst="angle"/>
+    </dgm:sp3d>
+    <dgm:txPr/>
+    <dgm:style>
+      <a:lnRef idx="1">
+        <a:scrgbClr r="0" g="0" b="0"/>
+      </a:lnRef>
+      <a:fillRef idx="3">
+        <a:scrgbClr r="0" g="0" b="0"/>
+      </a:fillRef>
+      <a:effectRef idx="2">
+        <a:scrgbClr r="0" g="0" b="0"/>
+      </a:effectRef>
+      <a:fontRef idx="minor">
+        <a:schemeClr val="lt1"/>
+      </a:fontRef>
+    </dgm:style>
+  </dgm:styleLbl>
+  <dgm:styleLbl name="node1">
+    <dgm:scene3d>
+      <a:camera prst="orthographicFront"/>
+      <a:lightRig rig="flat" dir="t"/>
+    </dgm:scene3d>
+    <dgm:sp3d prstMaterial="plastic">
+      <a:bevelT w="120900" h="88900"/>
+      <a:bevelB w="88900" h="31750" prst="angle"/>
+    </dgm:sp3d>
+    <dgm:txPr/>
+    <dgm:style>
+      <a:lnRef idx="0">
+        <a:scrgbClr r="0" g="0" b="0"/>
+      </a:lnRef>
+      <a:fillRef idx="3">
+        <a:scrgbClr r="0" g="0" b="0"/>
+      </a:fillRef>
+      <a:effectRef idx="2">
+        <a:scrgbClr r="0" g="0" b="0"/>
+      </a:effectRef>
+      <a:fontRef idx="minor">
+        <a:schemeClr val="lt1"/>
+      </a:fontRef>
+    </dgm:style>
+  </dgm:styleLbl>
+  <dgm:styleLbl name="node2">
+    <dgm:scene3d>
+      <a:camera prst="orthographicFront"/>
+      <a:lightRig rig="flat" dir="t"/>
+    </dgm:scene3d>
+    <dgm:sp3d prstMaterial="plastic">
+      <a:bevelT w="120900" h="88900"/>
+      <a:bevelB w="88900" h="31750" prst="angle"/>
+    </dgm:sp3d>
+    <dgm:txPr/>
+    <dgm:style>
+      <a:lnRef idx="0">
+        <a:scrgbClr r="0" g="0" b="0"/>
+      </a:lnRef>
+      <a:fillRef idx="3">
+        <a:scrgbClr r="0" g="0" b="0"/>
+      </a:fillRef>
+      <a:effectRef idx="1">
+        <a:scrgbClr r="0" g="0" b="0"/>
+      </a:effectRef>
+      <a:fontRef idx="minor">
+        <a:schemeClr val="lt1"/>
+      </a:fontRef>
+    </dgm:style>
+  </dgm:styleLbl>
+  <dgm:styleLbl name="node3">
+    <dgm:scene3d>
+      <a:camera prst="orthographicFront"/>
+      <a:lightRig rig="flat" dir="t"/>
+    </dgm:scene3d>
+    <dgm:sp3d prstMaterial="plastic">
+      <a:bevelT w="120900" h="88900"/>
+      <a:bevelB w="88900" h="31750" prst="angle"/>
+    </dgm:sp3d>
+    <dgm:txPr/>
+    <dgm:style>
+      <a:lnRef idx="0">
+        <a:scrgbClr r="0" g="0" b="0"/>
+      </a:lnRef>
+      <a:fillRef idx="3">
+        <a:scrgbClr r="0" g="0" b="0"/>
+      </a:fillRef>
+      <a:effectRef idx="1">
+        <a:scrgbClr r="0" g="0" b="0"/>
+      </a:effectRef>
+      <a:fontRef idx="minor">
+        <a:schemeClr val="lt1"/>
+      </a:fontRef>
+    </dgm:style>
+  </dgm:styleLbl>
+  <dgm:styleLbl name="node4">
+    <dgm:scene3d>
+      <a:camera prst="orthographicFront"/>
+      <a:lightRig rig="flat" dir="t"/>
+    </dgm:scene3d>
+    <dgm:sp3d prstMaterial="plastic">
+      <a:bevelT w="120900" h="88900"/>
+      <a:bevelB w="88900" h="31750" prst="angle"/>
+    </dgm:sp3d>
+    <dgm:txPr/>
+    <dgm:style>
+      <a:lnRef idx="0">
+        <a:scrgbClr r="0" g="0" b="0"/>
+      </a:lnRef>
+      <a:fillRef idx="3">
+        <a:scrgbClr r="0" g="0" b="0"/>
+      </a:fillRef>
+      <a:effectRef idx="1">
+        <a:scrgbClr r="0" g="0" b="0"/>
+      </a:effectRef>
+      <a:fontRef idx="minor">
+        <a:schemeClr val="lt1"/>
+      </a:fontRef>
+    </dgm:style>
+  </dgm:styleLbl>
+  <dgm:styleLbl name="fgImgPlace1">
+    <dgm:scene3d>
+      <a:camera prst="orthographicFront"/>
+      <a:lightRig rig="flat" dir="t"/>
+    </dgm:scene3d>
+    <dgm:sp3d z="127000" prstMaterial="plastic">
+      <a:bevelT w="88900" h="88900"/>
+      <a:bevelB w="88900" h="31750" prst="angle"/>
+    </dgm:sp3d>
+    <dgm:txPr/>
+    <dgm:style>
+      <a:lnRef idx="0">
+        <a:scrgbClr r="0" g="0" b="0"/>
+      </a:lnRef>
+      <a:fillRef idx="3">
+        <a:scrgbClr r="0" g="0" b="0"/>
+      </a:fillRef>
+      <a:effectRef idx="2">
+        <a:scrgbClr r="0" g="0" b="0"/>
+      </a:effectRef>
+      <a:fontRef idx="minor"/>
+    </dgm:style>
+  </dgm:styleLbl>
+  <dgm:styleLbl name="alignImgPlace1">
+    <dgm:scene3d>
+      <a:camera prst="orthographicFront"/>
+      <a:lightRig rig="flat" dir="t"/>
+    </dgm:scene3d>
+    <dgm:sp3d prstMaterial="plastic">
+      <a:bevelT w="88900" h="88900"/>
+      <a:bevelB w="88900" h="31750" prst="angle"/>
+    </dgm:sp3d>
+    <dgm:txPr/>
+    <dgm:style>
+      <a:lnRef idx="0">
+        <a:scrgbClr r="0" g="0" b="0"/>
+      </a:lnRef>
+      <a:fillRef idx="3">
+        <a:scrgbClr r="0" g="0" b="0"/>
+      </a:fillRef>
+      <a:effectRef idx="2">
+        <a:scrgbClr r="0" g="0" b="0"/>
+      </a:effectRef>
+      <a:fontRef idx="minor"/>
+    </dgm:style>
+  </dgm:styleLbl>
+  <dgm:styleLbl name="bgImgPlace1">
+    <dgm:scene3d>
+      <a:camera prst="orthographicFront"/>
+      <a:lightRig rig="flat" dir="t"/>
+    </dgm:scene3d>
+    <dgm:sp3d z="-190500" prstMaterial="plastic">
+      <a:bevelT w="88900" h="88900"/>
+      <a:bevelB w="88900" h="31750" prst="angle"/>
+    </dgm:sp3d>
+    <dgm:txPr/>
+    <dgm:style>
+      <a:lnRef idx="0">
+        <a:scrgbClr r="0" g="0" b="0"/>
+      </a:lnRef>
+      <a:fillRef idx="3">
+        <a:scrgbClr r="0" g="0" b="0"/>
+      </a:fillRef>
+      <a:effectRef idx="2">
+        <a:scrgbClr r="0" g="0" b="0"/>
+      </a:effectRef>
+      <a:fontRef idx="minor"/>
+    </dgm:style>
+  </dgm:styleLbl>
+  <dgm:styleLbl name="sibTrans2D1">
+    <dgm:scene3d>
+      <a:camera prst="orthographicFront"/>
+      <a:lightRig rig="flat" dir="t"/>
+    </dgm:scene3d>
+    <dgm:sp3d z="-80000" prstMaterial="plastic">
+      <a:bevelT w="50800" h="50800"/>
+      <a:bevelB w="25400" h="25400" prst="angle"/>
+    </dgm:sp3d>
+    <dgm:txPr/>
+    <dgm:style>
+      <a:lnRef idx="0">
+        <a:scrgbClr r="0" g="0" b="0"/>
+      </a:lnRef>
+      <a:fillRef idx="3">
+        <a:scrgbClr r="0" g="0" b="0"/>
+      </a:fillRef>
+      <a:effectRef idx="2">
+        <a:scrgbClr r="0" g="0" b="0"/>
+      </a:effectRef>
+      <a:fontRef idx="minor">
+        <a:schemeClr val="lt1"/>
+      </a:fontRef>
+    </dgm:style>
+  </dgm:styleLbl>
+  <dgm:styleLbl name="fgSibTrans2D1">
+    <dgm:scene3d>
+      <a:camera prst="orthographicFront"/>
+      <a:lightRig rig="flat" dir="t"/>
+    </dgm:scene3d>
+    <dgm:sp3d z="127000" prstMaterial="plastic">
+      <a:bevelT w="50800" h="50800"/>
+      <a:bevelB w="25400" h="25400" prst="angle"/>
+    </dgm:sp3d>
+    <dgm:txPr/>
+    <dgm:style>
+      <a:lnRef idx="0">
+        <a:scrgbClr r="0" g="0" b="0"/>
+      </a:lnRef>
+      <a:fillRef idx="3">
+        <a:scrgbClr r="0" g="0" b="0"/>
+      </a:fillRef>
+      <a:effectRef idx="2">
+        <a:scrgbClr r="0" g="0" b="0"/>
+      </a:effectRef>
+      <a:fontRef idx="minor">
+        <a:schemeClr val="lt1"/>
+      </a:fontRef>
+    </dgm:style>
+  </dgm:styleLbl>
+  <dgm:styleLbl name="bgSibTrans2D1">
+    <dgm:scene3d>
+      <a:camera prst="orthographicFront"/>
+      <a:lightRig rig="flat" dir="t"/>
+    </dgm:scene3d>
+    <dgm:sp3d z="-190500" prstMaterial="plastic">
+      <a:bevelT w="50800" h="50800"/>
+      <a:bevelB w="25400" h="25400" prst="angle"/>
+    </dgm:sp3d>
+    <dgm:txPr/>
+    <dgm:style>
+      <a:lnRef idx="0">
+        <a:scrgbClr r="0" g="0" b="0"/>
+      </a:lnRef>
+      <a:fillRef idx="3">
+        <a:scrgbClr r="0" g="0" b="0"/>
+      </a:fillRef>
+      <a:effectRef idx="2">
+        <a:scrgbClr r="0" g="0" b="0"/>
+      </a:effectRef>
+      <a:fontRef idx="minor">
+        <a:schemeClr val="lt1"/>
+      </a:fontRef>
+    </dgm:style>
+  </dgm:styleLbl>
+  <dgm:styleLbl name="sibTrans1D1">
+    <dgm:scene3d>
+      <a:camera prst="orthographicFront"/>
+      <a:lightRig rig="flat" dir="t"/>
+    </dgm:scene3d>
+    <dgm:sp3d z="-40000" prstMaterial="matte"/>
+    <dgm:txPr/>
+    <dgm:style>
+      <a:lnRef idx="1">
+        <a:scrgbClr r="0" g="0" b="0"/>
+      </a:lnRef>
+      <a:fillRef idx="0">
+        <a:scrgbClr r="0" g="0" b="0"/>
+      </a:fillRef>
+      <a:effectRef idx="0">
+        <a:scrgbClr r="0" g="0" b="0"/>
+      </a:effectRef>
+      <a:fontRef idx="minor"/>
+    </dgm:style>
+  </dgm:styleLbl>
+  <dgm:styleLbl name="callout">
+    <dgm:scene3d>
+      <a:camera prst="orthographicFront"/>
+      <a:lightRig rig="threePt" dir="t"/>
+    </dgm:scene3d>
+    <dgm:sp3d z="127000" prstMaterial="matte"/>
+    <dgm:txPr/>
+    <dgm:style>
+      <a:lnRef idx="2">
+        <a:scrgbClr r="0" g="0" b="0"/>
+      </a:lnRef>
+      <a:fillRef idx="1">
+        <a:scrgbClr r="0" g="0" b="0"/>
+      </a:fillRef>
+      <a:effectRef idx="0">
+        <a:scrgbClr r="0" g="0" b="0"/>
+      </a:effectRef>
+      <a:fontRef idx="minor"/>
+    </dgm:style>
+  </dgm:styleLbl>
+  <dgm:styleLbl name="asst0">
+    <dgm:scene3d>
+      <a:camera prst="orthographicFront"/>
+      <a:lightRig rig="flat" dir="t"/>
+    </dgm:scene3d>
+    <dgm:sp3d prstMaterial="plastic">
+      <a:bevelT w="120900" h="88900"/>
+      <a:bevelB w="88900" h="31750" prst="angle"/>
+    </dgm:sp3d>
+    <dgm:txPr/>
+    <dgm:style>
+      <a:lnRef idx="0">
+        <a:scrgbClr r="0" g="0" b="0"/>
+      </a:lnRef>
+      <a:fillRef idx="3">
+        <a:scrgbClr r="0" g="0" b="0"/>
+      </a:fillRef>
+      <a:effectRef idx="1">
+        <a:scrgbClr r="0" g="0" b="0"/>
+      </a:effectRef>
+      <a:fontRef idx="minor">
+        <a:schemeClr val="lt1"/>
+      </a:fontRef>
+    </dgm:style>
+  </dgm:styleLbl>
+  <dgm:styleLbl name="asst1">
+    <dgm:scene3d>
+      <a:camera prst="orthographicFront"/>
+      <a:lightRig rig="flat" dir="t"/>
+    </dgm:scene3d>
+    <dgm:sp3d prstMaterial="plastic">
+      <a:bevelT w="120900" h="88900"/>
+      <a:bevelB w="88900" h="31750" prst="angle"/>
+    </dgm:sp3d>
+    <dgm:txPr/>
+    <dgm:style>
+      <a:lnRef idx="0">
+        <a:scrgbClr r="0" g="0" b="0"/>
+      </a:lnRef>
+      <a:fillRef idx="3">
+        <a:scrgbClr r="0" g="0" b="0"/>
+      </a:fillRef>
+      <a:effectRef idx="1">
+        <a:scrgbClr r="0" g="0" b="0"/>
+      </a:effectRef>
+      <a:fontRef idx="minor">
+        <a:schemeClr val="lt1"/>
+      </a:fontRef>
+    </dgm:style>
+  </dgm:styleLbl>
+  <dgm:styleLbl name="asst2">
+    <dgm:scene3d>
+      <a:camera prst="orthographicFront"/>
+      <a:lightRig rig="flat" dir="t"/>
+    </dgm:scene3d>
+    <dgm:sp3d prstMaterial="plastic">
+      <a:bevelT w="120900" h="88900"/>
+      <a:bevelB w="88900" h="31750" prst="angle"/>
+    </dgm:sp3d>
+    <dgm:txPr/>
+    <dgm:style>
+      <a:lnRef idx="0">
+        <a:scrgbClr r="0" g="0" b="0"/>
+      </a:lnRef>
+      <a:fillRef idx="3">
+        <a:scrgbClr r="0" g="0" b="0"/>
+      </a:fillRef>
+      <a:effectRef idx="1">
+        <a:scrgbClr r="0" g="0" b="0"/>
+      </a:effectRef>
+      <a:fontRef idx="minor">
+        <a:schemeClr val="lt1"/>
+      </a:fontRef>
+    </dgm:style>
+  </dgm:styleLbl>
+  <dgm:styleLbl name="asst3">
+    <dgm:scene3d>
+      <a:camera prst="orthographicFront"/>
+      <a:lightRig rig="flat" dir="t"/>
+    </dgm:scene3d>
+    <dgm:sp3d prstMaterial="plastic">
+      <a:bevelT w="120900" h="88900"/>
+      <a:bevelB w="88900" h="31750" prst="angle"/>
+    </dgm:sp3d>
+    <dgm:txPr/>
+    <dgm:style>
+      <a:lnRef idx="0">
+        <a:scrgbClr r="0" g="0" b="0"/>
+      </a:lnRef>
+      <a:fillRef idx="3">
+        <a:scrgbClr r="0" g="0" b="0"/>
+      </a:fillRef>
+      <a:effectRef idx="1">
+        <a:scrgbClr r="0" g="0" b="0"/>
+      </a:effectRef>
+      <a:fontRef idx="minor">
+        <a:schemeClr val="lt1"/>
+      </a:fontRef>
+    </dgm:style>
+  </dgm:styleLbl>
+  <dgm:styleLbl name="parChTrans2D1">
+    <dgm:scene3d>
+      <a:camera prst="orthographicFront"/>
+      <a:lightRig rig="flat" dir="t"/>
+    </dgm:scene3d>
+    <dgm:sp3d z="-100000" prstMaterial="plastic">
+      <a:bevelT w="120900" h="88900"/>
+      <a:bevelB w="88900" h="31750" prst="angle"/>
+    </dgm:sp3d>
+    <dgm:txPr/>
+    <dgm:style>
+      <a:lnRef idx="0">
+        <a:scrgbClr r="0" g="0" b="0"/>
+      </a:lnRef>
+      <a:fillRef idx="3">
+        <a:scrgbClr r="0" g="0" b="0"/>
+      </a:fillRef>
+      <a:effectRef idx="1">
+        <a:scrgbClr r="0" g="0" b="0"/>
+      </a:effectRef>
+      <a:fontRef idx="minor">
+        <a:schemeClr val="lt1"/>
+      </a:fontRef>
+    </dgm:style>
+  </dgm:styleLbl>
+  <dgm:styleLbl name="parChTrans2D2">
+    <dgm:scene3d>
+      <a:camera prst="orthographicFront"/>
+      <a:lightRig rig="flat" dir="t"/>
+    </dgm:scene3d>
+    <dgm:sp3d z="-60000" prstMaterial="plastic">
+      <a:bevelT w="120900" h="88900"/>
+      <a:bevelB w="88900" h="31750" prst="angle"/>
+    </dgm:sp3d>
+    <dgm:txPr/>
+    <dgm:style>
+      <a:lnRef idx="0">
+        <a:scrgbClr r="0" g="0" b="0"/>
+      </a:lnRef>
+      <a:fillRef idx="3">
+        <a:scrgbClr r="0" g="0" b="0"/>
+      </a:fillRef>
+      <a:effectRef idx="1">
+        <a:scrgbClr r="0" g="0" b="0"/>
+      </a:effectRef>
+      <a:fontRef idx="minor">
+        <a:schemeClr val="lt1"/>
+      </a:fontRef>
+    </dgm:style>
+  </dgm:styleLbl>
+  <dgm:styleLbl name="parChTrans2D3">
+    <dgm:scene3d>
+      <a:camera prst="orthographicFront"/>
+      <a:lightRig rig="flat" dir="t"/>
+    </dgm:scene3d>
+    <dgm:sp3d z="-60000" prstMaterial="plastic">
+      <a:bevelT w="120900" h="88900"/>
+      <a:bevelB w="88900" h="31750" prst="angle"/>
+    </dgm:sp3d>
+    <dgm:txPr/>
+    <dgm:style>
+      <a:lnRef idx="0">
+        <a:scrgbClr r="0" g="0" b="0"/>
+      </a:lnRef>
+      <a:fillRef idx="3">
+        <a:scrgbClr r="0" g="0" b="0"/>
+      </a:fillRef>
+      <a:effectRef idx="1">
+        <a:scrgbClr r="0" g="0" b="0"/>
+      </a:effectRef>
+      <a:fontRef idx="minor">
+        <a:schemeClr val="lt1"/>
+      </a:fontRef>
+    </dgm:style>
+  </dgm:styleLbl>
+  <dgm:styleLbl name="parChTrans2D4">
+    <dgm:scene3d>
+      <a:camera prst="orthographicFront"/>
+      <a:lightRig rig="flat" dir="t"/>
+    </dgm:scene3d>
+    <dgm:sp3d z="-60000" prstMaterial="plastic">
+      <a:bevelT w="120900" h="88900"/>
+      <a:bevelB w="88900" h="31750" prst="angle"/>
+    </dgm:sp3d>
+    <dgm:txPr/>
+    <dgm:style>
+      <a:lnRef idx="0">
+        <a:scrgbClr r="0" g="0" b="0"/>
+      </a:lnRef>
+      <a:fillRef idx="3">
+        <a:scrgbClr r="0" g="0" b="0"/>
+      </a:fillRef>
+      <a:effectRef idx="1">
+        <a:scrgbClr r="0" g="0" b="0"/>
+      </a:effectRef>
+      <a:fontRef idx="minor">
+        <a:schemeClr val="lt1"/>
+      </a:fontRef>
+    </dgm:style>
+  </dgm:styleLbl>
+  <dgm:styleLbl name="parChTrans1D1">
+    <dgm:scene3d>
+      <a:camera prst="orthographicFront"/>
+      <a:lightRig rig="flat" dir="t"/>
+    </dgm:scene3d>
+    <dgm:sp3d prstMaterial="matte"/>
+    <dgm:txPr/>
+    <dgm:style>
+      <a:lnRef idx="2">
+        <a:scrgbClr r="0" g="0" b="0"/>
+      </a:lnRef>
+      <a:fillRef idx="0">
+        <a:scrgbClr r="0" g="0" b="0"/>
+      </a:fillRef>
+      <a:effectRef idx="0">
+        <a:scrgbClr r="0" g="0" b="0"/>
+      </a:effectRef>
+      <a:fontRef idx="minor"/>
+    </dgm:style>
+  </dgm:styleLbl>
+  <dgm:styleLbl name="parChTrans1D2">
+    <dgm:scene3d>
+      <a:camera prst="orthographicFront"/>
+      <a:lightRig rig="flat" dir="t"/>
+    </dgm:scene3d>
+    <dgm:sp3d prstMaterial="matte"/>
+    <dgm:txPr/>
+    <dgm:style>
+      <a:lnRef idx="2">
+        <a:scrgbClr r="0" g="0" b="0"/>
+      </a:lnRef>
+      <a:fillRef idx="0">
+        <a:scrgbClr r="0" g="0" b="0"/>
+      </a:fillRef>
+      <a:effectRef idx="0">
+        <a:scrgbClr r="0" g="0" b="0"/>
+      </a:effectRef>
+      <a:fontRef idx="minor"/>
+    </dgm:style>
+  </dgm:styleLbl>
+  <dgm:styleLbl name="parChTrans1D3">
+    <dgm:scene3d>
+      <a:camera prst="orthographicFront"/>
+      <a:lightRig rig="flat" dir="t"/>
+    </dgm:scene3d>
+    <dgm:sp3d prstMaterial="matte"/>
+    <dgm:txPr/>
+    <dgm:style>
+      <a:lnRef idx="2">
+        <a:scrgbClr r="0" g="0" b="0"/>
+      </a:lnRef>
+      <a:fillRef idx="0">
+        <a:scrgbClr r="0" g="0" b="0"/>
+      </a:fillRef>
+      <a:effectRef idx="0">
+        <a:scrgbClr r="0" g="0" b="0"/>
+      </a:effectRef>
+      <a:fontRef idx="minor"/>
+    </dgm:style>
+  </dgm:styleLbl>
+  <dgm:styleLbl name="parChTrans1D4">
+    <dgm:scene3d>
+      <a:camera prst="orthographicFront"/>
+      <a:lightRig rig="flat" dir="t"/>
+    </dgm:scene3d>
+    <dgm:sp3d prstMaterial="matte"/>
+    <dgm:txPr/>
+    <dgm:style>
+      <a:lnRef idx="2">
+        <a:scrgbClr r="0" g="0" b="0"/>
+      </a:lnRef>
+      <a:fillRef idx="0">
+        <a:scrgbClr r="0" g="0" b="0"/>
+      </a:fillRef>
+      <a:effectRef idx="0">
+        <a:scrgbClr r="0" g="0" b="0"/>
+      </a:effectRef>
+      <a:fontRef idx="minor"/>
+    </dgm:style>
+  </dgm:styleLbl>
+  <dgm:styleLbl name="fgAcc1">
+    <dgm:scene3d>
+      <a:camera prst="orthographicFront"/>
+      <a:lightRig rig="flat" dir="t"/>
+    </dgm:scene3d>
+    <dgm:sp3d z="190500" extrusionH="12700" prstMaterial="plastic">
+      <a:bevelT w="50800" h="50800"/>
+    </dgm:sp3d>
+    <dgm:txPr/>
+    <dgm:style>
+      <a:lnRef idx="1">
+        <a:scrgbClr r="0" g="0" b="0"/>
+      </a:lnRef>
+      <a:fillRef idx="1">
+        <a:scrgbClr r="0" g="0" b="0"/>
+      </a:fillRef>
+      <a:effectRef idx="2">
+        <a:scrgbClr r="0" g="0" b="0"/>
+      </a:effectRef>
+      <a:fontRef idx="minor"/>
+    </dgm:style>
+  </dgm:styleLbl>
+  <dgm:styleLbl name="conFgAcc1">
+    <dgm:scene3d>
+      <a:camera prst="orthographicFront"/>
+      <a:lightRig rig="flat" dir="t"/>
+    </dgm:scene3d>
+    <dgm:sp3d z="190500" extrusionH="12700" prstMaterial="plastic">
+      <a:bevelT w="50800" h="50800"/>
+    </dgm:sp3d>
+    <dgm:txPr/>
+    <dgm:style>
+      <a:lnRef idx="1">
+        <a:scrgbClr r="0" g="0" b="0"/>
+      </a:lnRef>
+      <a:fillRef idx="1">
+        <a:scrgbClr r="0" g="0" b="0"/>
+      </a:fillRef>
+      <a:effectRef idx="2">
+        <a:scrgbClr r="0" g="0" b="0"/>
+      </a:effectRef>
+      <a:fontRef idx="minor"/>
+    </dgm:style>
+  </dgm:styleLbl>
+  <dgm:styleLbl name="alignAcc1">
+    <dgm:scene3d>
+      <a:camera prst="orthographicFront"/>
+      <a:lightRig rig="flat" dir="t"/>
+    </dgm:scene3d>
+    <dgm:sp3d extrusionH="12700" prstMaterial="plastic">
+      <a:bevelT w="50800" h="50800"/>
+    </dgm:sp3d>
+    <dgm:txPr/>
+    <dgm:style>
+      <a:lnRef idx="1">
+        <a:scrgbClr r="0" g="0" b="0"/>
+      </a:lnRef>
+      <a:fillRef idx="1">
+        <a:scrgbClr r="0" g="0" b="0"/>
+      </a:fillRef>
+      <a:effectRef idx="2">
+        <a:scrgbClr r="0" g="0" b="0"/>
+      </a:effectRef>
+      <a:fontRef idx="minor"/>
+    </dgm:style>
+  </dgm:styleLbl>
+  <dgm:styleLbl name="trAlignAcc1">
+    <dgm:scene3d>
+      <a:camera prst="orthographicFront"/>
+      <a:lightRig rig="flat" dir="t"/>
+    </dgm:scene3d>
+    <dgm:sp3d extrusionH="12700" prstMaterial="plastic">
+      <a:bevelT w="50800" h="50800"/>
+    </dgm:sp3d>
+    <dgm:txPr/>
+    <dgm:style>
+      <a:lnRef idx="1">
+        <a:scrgbClr r="0" g="0" b="0"/>
+      </a:lnRef>
+      <a:fillRef idx="1">
+        <a:scrgbClr r="0" g="0" b="0"/>
+      </a:fillRef>
+      <a:effectRef idx="2">
+        <a:scrgbClr r="0" g="0" b="0"/>
+      </a:effectRef>
+      <a:fontRef idx="minor"/>
+    </dgm:style>
+  </dgm:styleLbl>
+  <dgm:styleLbl name="bgAcc1">
+    <dgm:scene3d>
+      <a:camera prst="orthographicFront"/>
+      <a:lightRig rig="flat" dir="t"/>
+    </dgm:scene3d>
+    <dgm:sp3d z="-190500" extrusionH="12700" prstMaterial="plastic">
+      <a:bevelT w="50800" h="50800"/>
+    </dgm:sp3d>
+    <dgm:txPr/>
+    <dgm:style>
+      <a:lnRef idx="1">
+        <a:scrgbClr r="0" g="0" b="0"/>
+      </a:lnRef>
+      <a:fillRef idx="1">
+        <a:scrgbClr r="0" g="0" b="0"/>
+      </a:fillRef>
+      <a:effectRef idx="2">
+        <a:scrgbClr r="0" g="0" b="0"/>
+      </a:effectRef>
+      <a:fontRef idx="minor"/>
+    </dgm:style>
+  </dgm:styleLbl>
+  <dgm:styleLbl name="solidFgAcc1">
+    <dgm:scene3d>
+      <a:camera prst="orthographicFront"/>
+      <a:lightRig rig="flat" dir="t"/>
+    </dgm:scene3d>
+    <dgm:sp3d z="190500" extrusionH="12700" prstMaterial="plastic">
+      <a:bevelT w="50800" h="50800"/>
+    </dgm:sp3d>
+    <dgm:txPr/>
+    <dgm:style>
+      <a:lnRef idx="1">
+        <a:scrgbClr r="0" g="0" b="0"/>
+      </a:lnRef>
+      <a:fillRef idx="1">
+        <a:scrgbClr r="0" g="0" b="0"/>
+      </a:fillRef>
+      <a:effectRef idx="2">
+        <a:scrgbClr r="0" g="0" b="0"/>
+      </a:effectRef>
+      <a:fontRef idx="minor"/>
+    </dgm:style>
+  </dgm:styleLbl>
+  <dgm:styleLbl name="solidAlignAcc1">
+    <dgm:scene3d>
+      <a:camera prst="orthographicFront"/>
+      <a:lightRig rig="flat" dir="t"/>
+    </dgm:scene3d>
+    <dgm:sp3d extrusionH="12700" prstMaterial="plastic">
+      <a:bevelT w="50800" h="50800"/>
+    </dgm:sp3d>
+    <dgm:txPr/>
+    <dgm:style>
+      <a:lnRef idx="1">
+        <a:scrgbClr r="0" g="0" b="0"/>
+      </a:lnRef>
+      <a:fillRef idx="1">
+        <a:scrgbClr r="0" g="0" b="0"/>
+      </a:fillRef>
+      <a:effectRef idx="2">
+        <a:scrgbClr r="0" g="0" b="0"/>
+      </a:effectRef>
+      <a:fontRef idx="minor"/>
+    </dgm:style>
+  </dgm:styleLbl>
+  <dgm:styleLbl name="solidBgAcc1">
+    <dgm:scene3d>
+      <a:camera prst="orthographicFront"/>
+      <a:lightRig rig="flat" dir="t"/>
+    </dgm:scene3d>
+    <dgm:sp3d z="-190500" extrusionH="12700" prstMaterial="plastic">
+      <a:bevelT w="50800" h="50800"/>
+    </dgm:sp3d>
+    <dgm:txPr/>
+    <dgm:style>
+      <a:lnRef idx="1">
+        <a:scrgbClr r="0" g="0" b="0"/>
+      </a:lnRef>
+      <a:fillRef idx="1">
+        <a:scrgbClr r="0" g="0" b="0"/>
+      </a:fillRef>
+      <a:effectRef idx="2">
+        <a:scrgbClr r="0" g="0" b="0"/>
+      </a:effectRef>
+      <a:fontRef idx="minor"/>
+    </dgm:style>
+  </dgm:styleLbl>
+  <dgm:styleLbl name="fgAccFollowNode1">
+    <dgm:scene3d>
+      <a:camera prst="orthographicFront"/>
+      <a:lightRig rig="flat" dir="t"/>
+    </dgm:scene3d>
+    <dgm:sp3d z="190500" extrusionH="12700" prstMaterial="plastic">
+      <a:bevelT w="50800" h="50800"/>
+    </dgm:sp3d>
+    <dgm:txPr/>
+    <dgm:style>
+      <a:lnRef idx="1">
+        <a:scrgbClr r="0" g="0" b="0"/>
+      </a:lnRef>
+      <a:fillRef idx="1">
+        <a:scrgbClr r="0" g="0" b="0"/>
+      </a:fillRef>
+      <a:effectRef idx="2">
+        <a:scrgbClr r="0" g="0" b="0"/>
+      </a:effectRef>
+      <a:fontRef idx="minor"/>
+    </dgm:style>
+  </dgm:styleLbl>
+  <dgm:styleLbl name="alignAccFollowNode1">
+    <dgm:scene3d>
+      <a:camera prst="orthographicFront"/>
+      <a:lightRig rig="flat" dir="t"/>
+    </dgm:scene3d>
+    <dgm:sp3d extrusionH="12700" prstMaterial="plastic">
+      <a:bevelT w="50800" h="50800"/>
+    </dgm:sp3d>
+    <dgm:txPr/>
+    <dgm:style>
+      <a:lnRef idx="1">
+        <a:scrgbClr r="0" g="0" b="0"/>
+      </a:lnRef>
+      <a:fillRef idx="1">
+        <a:scrgbClr r="0" g="0" b="0"/>
+      </a:fillRef>
+      <a:effectRef idx="2">
+        <a:scrgbClr r="0" g="0" b="0"/>
+      </a:effectRef>
+      <a:fontRef idx="minor"/>
+    </dgm:style>
+  </dgm:styleLbl>
+  <dgm:styleLbl name="bgAccFollowNode1">
+    <dgm:scene3d>
+      <a:camera prst="orthographicFront"/>
+      <a:lightRig rig="flat" dir="t"/>
+    </dgm:scene3d>
+    <dgm:sp3d z="-190500" extrusionH="12700" prstMaterial="plastic">
+      <a:bevelT w="50800" h="50800"/>
+    </dgm:sp3d>
+    <dgm:txPr/>
+    <dgm:style>
+      <a:lnRef idx="1">
+        <a:scrgbClr r="0" g="0" b="0"/>
+      </a:lnRef>
+      <a:fillRef idx="1">
+        <a:scrgbClr r="0" g="0" b="0"/>
+      </a:fillRef>
+      <a:effectRef idx="2">
+        <a:scrgbClr r="0" g="0" b="0"/>
+      </a:effectRef>
+      <a:fontRef idx="minor"/>
+    </dgm:style>
+  </dgm:styleLbl>
+  <dgm:styleLbl name="fgAcc0">
+    <dgm:scene3d>
+      <a:camera prst="orthographicFront"/>
+      <a:lightRig rig="flat" dir="t"/>
+    </dgm:scene3d>
+    <dgm:sp3d z="190500" extrusionH="12700" prstMaterial="plastic">
+      <a:bevelT w="50800" h="50800"/>
+    </dgm:sp3d>
+    <dgm:txPr/>
+    <dgm:style>
+      <a:lnRef idx="1">
+        <a:scrgbClr r="0" g="0" b="0"/>
+      </a:lnRef>
+      <a:fillRef idx="1">
+        <a:scrgbClr r="0" g="0" b="0"/>
+      </a:fillRef>
+      <a:effectRef idx="2">
+        <a:scrgbClr r="0" g="0" b="0"/>
+      </a:effectRef>
+      <a:fontRef idx="minor"/>
+    </dgm:style>
+  </dgm:styleLbl>
+  <dgm:styleLbl name="fgAcc2">
+    <dgm:scene3d>
+      <a:camera prst="orthographicFront"/>
+      <a:lightRig rig="flat" dir="t"/>
+    </dgm:scene3d>
+    <dgm:sp3d z="190500" extrusionH="12700" prstMaterial="plastic">
+      <a:bevelT w="50800" h="50800"/>
+    </dgm:sp3d>
+    <dgm:txPr/>
+    <dgm:style>
+      <a:lnRef idx="1">
+        <a:scrgbClr r="0" g="0" b="0"/>
+      </a:lnRef>
+      <a:fillRef idx="1">
+        <a:scrgbClr r="0" g="0" b="0"/>
+      </a:fillRef>
+      <a:effectRef idx="2">
+        <a:scrgbClr r="0" g="0" b="0"/>
+      </a:effectRef>
+      <a:fontRef idx="minor"/>
+    </dgm:style>
+  </dgm:styleLbl>
+  <dgm:styleLbl name="fgAcc3">
+    <dgm:scene3d>
+      <a:camera prst="orthographicFront"/>
+      <a:lightRig rig="flat" dir="t"/>
+    </dgm:scene3d>
+    <dgm:sp3d z="190500" extrusionH="12700" prstMaterial="plastic">
+      <a:bevelT w="50800" h="50800"/>
+    </dgm:sp3d>
+    <dgm:txPr/>
+    <dgm:style>
+      <a:lnRef idx="1">
+        <a:scrgbClr r="0" g="0" b="0"/>
+      </a:lnRef>
+      <a:fillRef idx="1">
+        <a:scrgbClr r="0" g="0" b="0"/>
+      </a:fillRef>
+      <a:effectRef idx="2">
+        <a:scrgbClr r="0" g="0" b="0"/>
+      </a:effectRef>
+      <a:fontRef idx="minor"/>
+    </dgm:style>
+  </dgm:styleLbl>
+  <dgm:styleLbl name="fgAcc4">
+    <dgm:scene3d>
+      <a:camera prst="orthographicFront"/>
+      <a:lightRig rig="flat" dir="t"/>
+    </dgm:scene3d>
+    <dgm:sp3d z="190500" extrusionH="12700" prstMaterial="plastic">
+      <a:bevelT w="50800" h="50800"/>
+    </dgm:sp3d>
+    <dgm:txPr/>
+    <dgm:style>
+      <a:lnRef idx="1">
+        <a:scrgbClr r="0" g="0" b="0"/>
+      </a:lnRef>
+      <a:fillRef idx="1">
+        <a:scrgbClr r="0" g="0" b="0"/>
+      </a:fillRef>
+      <a:effectRef idx="2">
+        <a:scrgbClr r="0" g="0" b="0"/>
+      </a:effectRef>
+      <a:fontRef idx="minor"/>
+    </dgm:style>
+  </dgm:styleLbl>
+  <dgm:styleLbl name="bgShp">
+    <dgm:scene3d>
+      <a:camera prst="orthographicFront"/>
+      <a:lightRig rig="flat" dir="t"/>
+    </dgm:scene3d>
+    <dgm:sp3d z="-190500" extrusionH="12700" prstMaterial="plastic">
+      <a:bevelT w="50800" h="50800"/>
+    </dgm:sp3d>
+    <dgm:txPr/>
+    <dgm:style>
+      <a:lnRef idx="0">
+        <a:scrgbClr r="0" g="0" b="0"/>
+      </a:lnRef>
+      <a:fillRef idx="3">
+        <a:scrgbClr r="0" g="0" b="0"/>
+      </a:fillRef>
+      <a:effectRef idx="0">
+        <a:scrgbClr r="0" g="0" b="0"/>
+      </a:effectRef>
+      <a:fontRef idx="minor"/>
+    </dgm:style>
+  </dgm:styleLbl>
+  <dgm:styleLbl name="dkBgShp">
+    <dgm:scene3d>
+      <a:camera prst="orthographicFront"/>
+      <a:lightRig rig="flat" dir="t"/>
+    </dgm:scene3d>
+    <dgm:sp3d z="-190500" extrusionH="12700" prstMaterial="plastic">
+      <a:bevelT w="50800" h="50800"/>
+    </dgm:sp3d>
+    <dgm:txPr/>
+    <dgm:style>
+      <a:lnRef idx="0">
+        <a:scrgbClr r="0" g="0" b="0"/>
+      </a:lnRef>
+      <a:fillRef idx="2">
+        <a:scrgbClr r="0" g="0" b="0"/>
+      </a:fillRef>
+      <a:effectRef idx="0">
+        <a:scrgbClr r="0" g="0" b="0"/>
+      </a:effectRef>
+      <a:fontRef idx="minor"/>
+    </dgm:style>
+  </dgm:styleLbl>
+  <dgm:styleLbl name="trBgShp">
+    <dgm:scene3d>
+      <a:camera prst="orthographicFront"/>
+      <a:lightRig rig="flat" dir="t"/>
+    </dgm:scene3d>
+    <dgm:sp3d z="-190500" extrusionH="12700" prstMaterial="matte"/>
+    <dgm:txPr/>
+    <dgm:style>
+      <a:lnRef idx="0">
+        <a:scrgbClr r="0" g="0" b="0"/>
+      </a:lnRef>
+      <a:fillRef idx="1">
+        <a:scrgbClr r="0" g="0" b="0"/>
+      </a:fillRef>
+      <a:effectRef idx="0">
+        <a:scrgbClr r="0" g="0" b="0"/>
+      </a:effectRef>
+      <a:fontRef idx="minor"/>
+    </dgm:style>
+  </dgm:styleLbl>
+  <dgm:styleLbl name="fgShp">
+    <dgm:scene3d>
+      <a:camera prst="orthographicFront"/>
+      <a:lightRig rig="flat" dir="t"/>
+    </dgm:scene3d>
+    <dgm:sp3d z="190500" prstMaterial="plastic">
+      <a:bevelT w="120900" h="88900"/>
+      <a:bevelB w="88900" h="31750" prst="angle"/>
+    </dgm:sp3d>
+    <dgm:txPr/>
+    <dgm:style>
+      <a:lnRef idx="0">
+        <a:scrgbClr r="0" g="0" b="0"/>
+      </a:lnRef>
+      <a:fillRef idx="1">
+        <a:scrgbClr r="0" g="0" b="0"/>
+      </a:fillRef>
+      <a:effectRef idx="3">
+        <a:scrgbClr r="0" g="0" b="0"/>
+      </a:effectRef>
+      <a:fontRef idx="minor">
+        <a:schemeClr val="lt1"/>
+      </a:fontRef>
+    </dgm:style>
+  </dgm:styleLbl>
+  <dgm:styleLbl name="revTx">
+    <dgm:scene3d>
+      <a:camera prst="orthographicFront"/>
+      <a:lightRig rig="threePt" dir="t"/>
+    </dgm:scene3d>
+    <dgm:sp3d/>
+    <dgm:txPr/>
+    <dgm:style>
+      <a:lnRef idx="0">
+        <a:scrgbClr r="0" g="0" b="0"/>
+      </a:lnRef>
+      <a:fillRef idx="0">
+        <a:scrgbClr r="0" g="0" b="0"/>
+      </a:fillRef>
+      <a:effectRef idx="0">
+        <a:scrgbClr r="0" g="0" b="0"/>
+      </a:effectRef>
+      <a:fontRef idx="minor"/>
+    </dgm:style>
+  </dgm:styleLbl>
+</dgm:styleDef>
+</file>
+
+<file path=ppt/notesMasters/notesMaster1.xml><?xml version="1.0" encoding="utf-8"?>
+<p:notesMaster xmlns:a="http://schemas.openxmlformats.org/drawingml/2006/main" xmlns:r="http://schemas.openxmlformats.org/officeDocument/2006/relationships" xmlns:p="http://schemas.openxmlformats.org/presentationml/2006/main">
+  <p:cSld>
+    <p:bg>
+      <p:bgRef idx="1001">
+        <a:schemeClr val="bg1"/>
+      </p:bgRef>
+    </p:bg>
+    <p:spTree>
+      <p:nvGrpSpPr>
+        <p:cNvPr id="1" name=""/>
+        <p:cNvGrpSpPr/>
+        <p:nvPr/>
+      </p:nvGrpSpPr>
+      <p:grpSpPr>
+        <a:xfrm>
+          <a:off x="0" y="0"/>
+          <a:ext cx="0" cy="0"/>
+          <a:chOff x="0" y="0"/>
+          <a:chExt cx="0" cy="0"/>
+        </a:xfrm>
+      </p:grpSpPr>
+      <p:sp>
+        <p:nvSpPr>
+          <p:cNvPr id="2" name="Header Placeholder 1"/>
+          <p:cNvSpPr>
+            <a:spLocks noGrp="1"/>
+          </p:cNvSpPr>
+          <p:nvPr>
+            <p:ph type="hdr" sz="quarter"/>
+          </p:nvPr>
+        </p:nvSpPr>
+        <p:spPr>
+          <a:xfrm>
+            <a:off x="0" y="0"/>
+            <a:ext cx="2971800" cy="458788"/>
+          </a:xfrm>
+          <a:prstGeom prst="rect">
+            <a:avLst/>
+          </a:prstGeom>
+        </p:spPr>
+        <p:txBody>
+          <a:bodyPr vert="horz" lIns="91440" tIns="45720" rIns="91440" bIns="45720" rtlCol="0"/>
+          <a:lstStyle>
+            <a:lvl1pPr algn="l">
+              <a:defRPr sz="1200"/>
+            </a:lvl1pPr>
+          </a:lstStyle>
+          <a:p>
+            <a:endParaRPr lang="en-US"/>
+          </a:p>
+        </p:txBody>
+      </p:sp>
+      <p:sp>
+        <p:nvSpPr>
+          <p:cNvPr id="3" name="Date Placeholder 2"/>
+          <p:cNvSpPr>
+            <a:spLocks noGrp="1"/>
+          </p:cNvSpPr>
+          <p:nvPr>
+            <p:ph type="dt" idx="1"/>
+          </p:nvPr>
+        </p:nvSpPr>
+        <p:spPr>
+          <a:xfrm>
+            <a:off x="3884613" y="0"/>
+            <a:ext cx="2971800" cy="458788"/>
+          </a:xfrm>
+          <a:prstGeom prst="rect">
+            <a:avLst/>
+          </a:prstGeom>
+        </p:spPr>
+        <p:txBody>
+          <a:bodyPr vert="horz" lIns="91440" tIns="45720" rIns="91440" bIns="45720" rtlCol="0"/>
+          <a:lstStyle>
+            <a:lvl1pPr algn="r">
+              <a:defRPr sz="1200"/>
+            </a:lvl1pPr>
+          </a:lstStyle>
+          <a:p>
+            <a:fld id="{9F96F7C0-D2A6-9C45-9E06-B06C61F97E7D}" type="datetimeFigureOut">
+              <a:rPr lang="en-US" smtClean="0"/>
+              <a:t>10/20/17</a:t>
+            </a:fld>
+            <a:endParaRPr lang="en-US"/>
+          </a:p>
+        </p:txBody>
+      </p:sp>
+      <p:sp>
+        <p:nvSpPr>
+          <p:cNvPr id="4" name="Slide Image Placeholder 3"/>
+          <p:cNvSpPr>
+            <a:spLocks noGrp="1" noRot="1" noChangeAspect="1"/>
+          </p:cNvSpPr>
+          <p:nvPr>
+            <p:ph type="sldImg" idx="2"/>
+          </p:nvPr>
+        </p:nvSpPr>
+        <p:spPr>
+          <a:xfrm>
+            <a:off x="685800" y="1143000"/>
+            <a:ext cx="5486400" cy="3086100"/>
+          </a:xfrm>
+          <a:prstGeom prst="rect">
+            <a:avLst/>
+          </a:prstGeom>
+          <a:noFill/>
+          <a:ln w="12700">
+            <a:solidFill>
+              <a:prstClr val="black"/>
+            </a:solidFill>
+          </a:ln>
+        </p:spPr>
+        <p:txBody>
+          <a:bodyPr vert="horz" lIns="91440" tIns="45720" rIns="91440" bIns="45720" rtlCol="0" anchor="ctr"/>
+          <a:lstStyle/>
+          <a:p>
+            <a:endParaRPr lang="en-US"/>
+          </a:p>
+        </p:txBody>
+      </p:sp>
+      <p:sp>
+        <p:nvSpPr>
+          <p:cNvPr id="5" name="Notes Placeholder 4"/>
+          <p:cNvSpPr>
+            <a:spLocks noGrp="1"/>
+          </p:cNvSpPr>
+          <p:nvPr>
+            <p:ph type="body" sz="quarter" idx="3"/>
+          </p:nvPr>
+        </p:nvSpPr>
+        <p:spPr>
+          <a:xfrm>
+            <a:off x="685800" y="4400550"/>
+            <a:ext cx="5486400" cy="3600450"/>
+          </a:xfrm>
+          <a:prstGeom prst="rect">
+            <a:avLst/>
+          </a:prstGeom>
+        </p:spPr>
+        <p:txBody>
+          <a:bodyPr vert="horz" lIns="91440" tIns="45720" rIns="91440" bIns="45720" rtlCol="0"/>
+          <a:lstStyle/>
+          <a:p>
+            <a:pPr lvl="0"/>
+            <a:r>
+              <a:rPr lang="en-US" smtClean="0"/>
+              <a:t>Click to edit Master text styles</a:t>
+            </a:r>
+          </a:p>
+          <a:p>
+            <a:pPr lvl="1"/>
+            <a:r>
+              <a:rPr lang="en-US" smtClean="0"/>
+              <a:t>Second level</a:t>
+            </a:r>
+          </a:p>
+          <a:p>
+            <a:pPr lvl="2"/>
+            <a:r>
+              <a:rPr lang="en-US" smtClean="0"/>
+              <a:t>Third level</a:t>
+            </a:r>
+          </a:p>
+          <a:p>
+            <a:pPr lvl="3"/>
+            <a:r>
+              <a:rPr lang="en-US" smtClean="0"/>
+              <a:t>Fourth level</a:t>
+            </a:r>
+          </a:p>
+          <a:p>
+            <a:pPr lvl="4"/>
+            <a:r>
+              <a:rPr lang="en-US" smtClean="0"/>
+              <a:t>Fifth level</a:t>
+            </a:r>
+            <a:endParaRPr lang="en-US"/>
+          </a:p>
+        </p:txBody>
+      </p:sp>
+      <p:sp>
+        <p:nvSpPr>
+          <p:cNvPr id="6" name="Footer Placeholder 5"/>
+          <p:cNvSpPr>
+            <a:spLocks noGrp="1"/>
+          </p:cNvSpPr>
+          <p:nvPr>
+            <p:ph type="ftr" sz="quarter" idx="4"/>
+          </p:nvPr>
+        </p:nvSpPr>
+        <p:spPr>
+          <a:xfrm>
+            <a:off x="0" y="8685213"/>
+            <a:ext cx="2971800" cy="458787"/>
+          </a:xfrm>
+          <a:prstGeom prst="rect">
+            <a:avLst/>
+          </a:prstGeom>
+        </p:spPr>
+        <p:txBody>
+          <a:bodyPr vert="horz" lIns="91440" tIns="45720" rIns="91440" bIns="45720" rtlCol="0" anchor="b"/>
+          <a:lstStyle>
+            <a:lvl1pPr algn="l">
+              <a:defRPr sz="1200"/>
+            </a:lvl1pPr>
+          </a:lstStyle>
+          <a:p>
+            <a:endParaRPr lang="en-US"/>
+          </a:p>
+        </p:txBody>
+      </p:sp>
+      <p:sp>
+        <p:nvSpPr>
+          <p:cNvPr id="7" name="Slide Number Placeholder 6"/>
+          <p:cNvSpPr>
+            <a:spLocks noGrp="1"/>
+          </p:cNvSpPr>
+          <p:nvPr>
+            <p:ph type="sldNum" sz="quarter" idx="5"/>
+          </p:nvPr>
+        </p:nvSpPr>
+        <p:spPr>
+          <a:xfrm>
+            <a:off x="3884613" y="8685213"/>
+            <a:ext cx="2971800" cy="458787"/>
+          </a:xfrm>
+          <a:prstGeom prst="rect">
+            <a:avLst/>
+          </a:prstGeom>
+        </p:spPr>
+        <p:txBody>
+          <a:bodyPr vert="horz" lIns="91440" tIns="45720" rIns="91440" bIns="45720" rtlCol="0" anchor="b"/>
+          <a:lstStyle>
+            <a:lvl1pPr algn="r">
+              <a:defRPr sz="1200"/>
+            </a:lvl1pPr>
+          </a:lstStyle>
+          <a:p>
+            <a:fld id="{7CA95C85-1C0E-3244-AD2D-9C2C7CF4AA61}" type="slidenum">
+              <a:rPr lang="en-US" smtClean="0"/>
+              <a:t>‹#›</a:t>
+            </a:fld>
+            <a:endParaRPr lang="en-US"/>
+          </a:p>
+        </p:txBody>
+      </p:sp>
+    </p:spTree>
+    <p:extLst>
+      <p:ext uri="{BB962C8B-B14F-4D97-AF65-F5344CB8AC3E}">
+        <p14:creationId xmlns:p14="http://schemas.microsoft.com/office/powerpoint/2010/main" val="668415026"/>
+      </p:ext>
+    </p:extLst>
+  </p:cSld>
+  <p:clrMap bg1="lt1" tx1="dk1" bg2="lt2" tx2="dk2" accent1="accent1" accent2="accent2" accent3="accent3" accent4="accent4" accent5="accent5" accent6="accent6" hlink="hlink" folHlink="folHlink"/>
+  <p:notesStyle>
+    <a:lvl1pPr marL="0" algn="l" defTabSz="914400" rtl="0" eaLnBrk="1" latinLnBrk="0" hangingPunct="1">
+      <a:defRPr sz="1200" kern="1200">
+        <a:solidFill>
+          <a:schemeClr val="tx1"/>
+        </a:solidFill>
+        <a:latin typeface="+mn-lt"/>
+        <a:ea typeface="+mn-ea"/>
+        <a:cs typeface="+mn-cs"/>
+      </a:defRPr>
+    </a:lvl1pPr>
+    <a:lvl2pPr marL="457200" algn="l" defTabSz="914400" rtl="0" eaLnBrk="1" latinLnBrk="0" hangingPunct="1">
+      <a:defRPr sz="1200" kern="1200">
+        <a:solidFill>
+          <a:schemeClr val="tx1"/>
+        </a:solidFill>
+        <a:latin typeface="+mn-lt"/>
+        <a:ea typeface="+mn-ea"/>
+        <a:cs typeface="+mn-cs"/>
+      </a:defRPr>
+    </a:lvl2pPr>
+    <a:lvl3pPr marL="914400" algn="l" defTabSz="914400" rtl="0" eaLnBrk="1" latinLnBrk="0" hangingPunct="1">
+      <a:defRPr sz="1200" kern="1200">
+        <a:solidFill>
+          <a:schemeClr val="tx1"/>
+        </a:solidFill>
+        <a:latin typeface="+mn-lt"/>
+        <a:ea typeface="+mn-ea"/>
+        <a:cs typeface="+mn-cs"/>
+      </a:defRPr>
+    </a:lvl3pPr>
+    <a:lvl4pPr marL="1371600" algn="l" defTabSz="914400" rtl="0" eaLnBrk="1" latinLnBrk="0" hangingPunct="1">
+      <a:defRPr sz="1200" kern="1200">
+        <a:solidFill>
+          <a:schemeClr val="tx1"/>
+        </a:solidFill>
+        <a:latin typeface="+mn-lt"/>
+        <a:ea typeface="+mn-ea"/>
+        <a:cs typeface="+mn-cs"/>
+      </a:defRPr>
+    </a:lvl4pPr>
+    <a:lvl5pPr marL="1828800" algn="l" defTabSz="914400" rtl="0" eaLnBrk="1" latinLnBrk="0" hangingPunct="1">
+      <a:defRPr sz="1200" kern="1200">
+        <a:solidFill>
+          <a:schemeClr val="tx1"/>
+        </a:solidFill>
+        <a:latin typeface="+mn-lt"/>
+        <a:ea typeface="+mn-ea"/>
+        <a:cs typeface="+mn-cs"/>
+      </a:defRPr>
+    </a:lvl5pPr>
+    <a:lvl6pPr marL="2286000" algn="l" defTabSz="914400" rtl="0" eaLnBrk="1" latinLnBrk="0" hangingPunct="1">
+      <a:defRPr sz="1200" kern="1200">
+        <a:solidFill>
+          <a:schemeClr val="tx1"/>
+        </a:solidFill>
+        <a:latin typeface="+mn-lt"/>
+        <a:ea typeface="+mn-ea"/>
+        <a:cs typeface="+mn-cs"/>
+      </a:defRPr>
+    </a:lvl6pPr>
+    <a:lvl7pPr marL="2743200" algn="l" defTabSz="914400" rtl="0" eaLnBrk="1" latinLnBrk="0" hangingPunct="1">
+      <a:defRPr sz="1200" kern="1200">
+        <a:solidFill>
+          <a:schemeClr val="tx1"/>
+        </a:solidFill>
+        <a:latin typeface="+mn-lt"/>
+        <a:ea typeface="+mn-ea"/>
+        <a:cs typeface="+mn-cs"/>
+      </a:defRPr>
+    </a:lvl7pPr>
+    <a:lvl8pPr marL="3200400" algn="l" defTabSz="914400" rtl="0" eaLnBrk="1" latinLnBrk="0" hangingPunct="1">
+      <a:defRPr sz="1200" kern="1200">
+        <a:solidFill>
+          <a:schemeClr val="tx1"/>
+        </a:solidFill>
+        <a:latin typeface="+mn-lt"/>
+        <a:ea typeface="+mn-ea"/>
+        <a:cs typeface="+mn-cs"/>
+      </a:defRPr>
+    </a:lvl8pPr>
+    <a:lvl9pPr marL="3657600" algn="l" defTabSz="914400" rtl="0" eaLnBrk="1" latinLnBrk="0" hangingPunct="1">
+      <a:defRPr sz="1200" kern="1200">
+        <a:solidFill>
+          <a:schemeClr val="tx1"/>
+        </a:solidFill>
+        <a:latin typeface="+mn-lt"/>
+        <a:ea typeface="+mn-ea"/>
+        <a:cs typeface="+mn-cs"/>
+      </a:defRPr>
+    </a:lvl9pPr>
+  </p:notesStyle>
+</p:notesMaster>
+</file>
+
+<file path=ppt/notesSlides/notesSlide1.xml><?xml version="1.0" encoding="utf-8"?>
+<p:notes xmlns:a="http://schemas.openxmlformats.org/drawingml/2006/main" xmlns:r="http://schemas.openxmlformats.org/officeDocument/2006/relationships" xmlns:p="http://schemas.openxmlformats.org/presentationml/2006/main">
+  <p:cSld>
+    <p:spTree>
+      <p:nvGrpSpPr>
+        <p:cNvPr id="1" name=""/>
+        <p:cNvGrpSpPr/>
+        <p:nvPr/>
+      </p:nvGrpSpPr>
+      <p:grpSpPr>
+        <a:xfrm>
+          <a:off x="0" y="0"/>
+          <a:ext cx="0" cy="0"/>
+          <a:chOff x="0" y="0"/>
+          <a:chExt cx="0" cy="0"/>
+        </a:xfrm>
+      </p:grpSpPr>
+      <p:sp>
+        <p:nvSpPr>
+          <p:cNvPr id="2" name="Slide Image Placeholder 1"/>
+          <p:cNvSpPr>
+            <a:spLocks noGrp="1" noRot="1" noChangeAspect="1"/>
+          </p:cNvSpPr>
+          <p:nvPr>
+            <p:ph type="sldImg"/>
+          </p:nvPr>
+        </p:nvSpPr>
+        <p:spPr/>
+      </p:sp>
+      <p:sp>
+        <p:nvSpPr>
+          <p:cNvPr id="3" name="Notes Placeholder 2"/>
+          <p:cNvSpPr>
+            <a:spLocks noGrp="1"/>
+          </p:cNvSpPr>
+          <p:nvPr>
+            <p:ph type="body" idx="1"/>
+          </p:nvPr>
+        </p:nvSpPr>
+        <p:spPr/>
+        <p:txBody>
+          <a:bodyPr/>
+          <a:lstStyle/>
+          <a:p>
+            <a:endParaRPr lang="en-US" dirty="0"/>
+          </a:p>
+        </p:txBody>
+      </p:sp>
+      <p:sp>
+        <p:nvSpPr>
+          <p:cNvPr id="4" name="Slide Number Placeholder 3"/>
+          <p:cNvSpPr>
+            <a:spLocks noGrp="1"/>
+          </p:cNvSpPr>
+          <p:nvPr>
+            <p:ph type="sldNum" sz="quarter" idx="10"/>
+          </p:nvPr>
+        </p:nvSpPr>
+        <p:spPr/>
+        <p:txBody>
+          <a:bodyPr/>
+          <a:lstStyle/>
+          <a:p>
+            <a:fld id="{7CA95C85-1C0E-3244-AD2D-9C2C7CF4AA61}" type="slidenum">
+              <a:rPr lang="en-US" smtClean="0"/>
+              <a:t>2</a:t>
+            </a:fld>
+            <a:endParaRPr lang="en-US"/>
+          </a:p>
+        </p:txBody>
+      </p:sp>
+    </p:spTree>
+    <p:extLst>
+      <p:ext uri="{BB962C8B-B14F-4D97-AF65-F5344CB8AC3E}">
+        <p14:creationId xmlns:p14="http://schemas.microsoft.com/office/powerpoint/2010/main" val="564384525"/>
+      </p:ext>
+    </p:extLst>
+  </p:cSld>
+  <p:clrMapOvr>
+    <a:masterClrMapping/>
+  </p:clrMapOvr>
+</p:notes>
 </file>
 
 <file path=ppt/slideLayouts/slideLayout1.xml><?xml version="1.0" encoding="utf-8"?>
@@ -7427,7 +14877,7 @@
           <p:nvPr>
             <p:extLst>
               <p:ext uri="{D42A27DB-BD31-4B8C-83A1-F6EECF244321}">
-                <p14:modId xmlns:p14="http://schemas.microsoft.com/office/powerpoint/2010/main" val="700641917"/>
+                <p14:modId xmlns:p14="http://schemas.microsoft.com/office/powerpoint/2010/main" val="1374580936"/>
               </p:ext>
             </p:extLst>
           </p:nvPr>
@@ -7459,6 +14909,110 @@
       </p:par>
     </p:tnLst>
   </p:timing>
+</p:sld>
+</file>
+
+<file path=ppt/slides/slide2.xml><?xml version="1.0" encoding="utf-8"?>
+<p:sld xmlns:a="http://schemas.openxmlformats.org/drawingml/2006/main" xmlns:r="http://schemas.openxmlformats.org/officeDocument/2006/relationships" xmlns:p="http://schemas.openxmlformats.org/presentationml/2006/main">
+  <p:cSld>
+    <p:spTree>
+      <p:nvGrpSpPr>
+        <p:cNvPr id="1" name=""/>
+        <p:cNvGrpSpPr/>
+        <p:nvPr/>
+      </p:nvGrpSpPr>
+      <p:grpSpPr>
+        <a:xfrm>
+          <a:off x="0" y="0"/>
+          <a:ext cx="0" cy="0"/>
+          <a:chOff x="0" y="0"/>
+          <a:chExt cx="0" cy="0"/>
+        </a:xfrm>
+      </p:grpSpPr>
+      <p:graphicFrame>
+        <p:nvGraphicFramePr>
+          <p:cNvPr id="4" name="Diagram 3"/>
+          <p:cNvGraphicFramePr/>
+          <p:nvPr>
+            <p:extLst>
+              <p:ext uri="{D42A27DB-BD31-4B8C-83A1-F6EECF244321}">
+                <p14:modId xmlns:p14="http://schemas.microsoft.com/office/powerpoint/2010/main" val="1766731043"/>
+              </p:ext>
+            </p:extLst>
+          </p:nvPr>
+        </p:nvGraphicFramePr>
+        <p:xfrm>
+          <a:off x="1903412" y="505353"/>
+          <a:ext cx="8128000" cy="5418667"/>
+        </p:xfrm>
+        <a:graphic>
+          <a:graphicData uri="http://schemas.openxmlformats.org/drawingml/2006/diagram">
+            <dgm:relIds xmlns:dgm="http://schemas.openxmlformats.org/drawingml/2006/diagram" xmlns:r="http://schemas.openxmlformats.org/officeDocument/2006/relationships" r:dm="rId3" r:lo="rId4" r:qs="rId5" r:cs="rId6"/>
+          </a:graphicData>
+        </a:graphic>
+      </p:graphicFrame>
+    </p:spTree>
+    <p:extLst>
+      <p:ext uri="{BB962C8B-B14F-4D97-AF65-F5344CB8AC3E}">
+        <p14:creationId xmlns:p14="http://schemas.microsoft.com/office/powerpoint/2010/main" val="2001315135"/>
+      </p:ext>
+    </p:extLst>
+  </p:cSld>
+  <p:clrMapOvr>
+    <a:masterClrMapping/>
+  </p:clrMapOvr>
+</p:sld>
+</file>
+
+<file path=ppt/slides/slide3.xml><?xml version="1.0" encoding="utf-8"?>
+<p:sld xmlns:a="http://schemas.openxmlformats.org/drawingml/2006/main" xmlns:r="http://schemas.openxmlformats.org/officeDocument/2006/relationships" xmlns:p="http://schemas.openxmlformats.org/presentationml/2006/main">
+  <p:cSld>
+    <p:spTree>
+      <p:nvGrpSpPr>
+        <p:cNvPr id="1" name=""/>
+        <p:cNvGrpSpPr/>
+        <p:nvPr/>
+      </p:nvGrpSpPr>
+      <p:grpSpPr>
+        <a:xfrm>
+          <a:off x="0" y="0"/>
+          <a:ext cx="0" cy="0"/>
+          <a:chOff x="0" y="0"/>
+          <a:chExt cx="0" cy="0"/>
+        </a:xfrm>
+      </p:grpSpPr>
+      <p:graphicFrame>
+        <p:nvGraphicFramePr>
+          <p:cNvPr id="4" name="Diagram 3"/>
+          <p:cNvGraphicFramePr/>
+          <p:nvPr>
+            <p:extLst>
+              <p:ext uri="{D42A27DB-BD31-4B8C-83A1-F6EECF244321}">
+                <p14:modId xmlns:p14="http://schemas.microsoft.com/office/powerpoint/2010/main" val="1960877619"/>
+              </p:ext>
+            </p:extLst>
+          </p:nvPr>
+        </p:nvGraphicFramePr>
+        <p:xfrm>
+          <a:off x="2032000" y="719666"/>
+          <a:ext cx="8128000" cy="5418667"/>
+        </p:xfrm>
+        <a:graphic>
+          <a:graphicData uri="http://schemas.openxmlformats.org/drawingml/2006/diagram">
+            <dgm:relIds xmlns:dgm="http://schemas.openxmlformats.org/drawingml/2006/diagram" xmlns:r="http://schemas.openxmlformats.org/officeDocument/2006/relationships" r:dm="rId2" r:lo="rId3" r:qs="rId4" r:cs="rId5"/>
+          </a:graphicData>
+        </a:graphic>
+      </p:graphicFrame>
+    </p:spTree>
+    <p:extLst>
+      <p:ext uri="{BB962C8B-B14F-4D97-AF65-F5344CB8AC3E}">
+        <p14:creationId xmlns:p14="http://schemas.microsoft.com/office/powerpoint/2010/main" val="243420209"/>
+      </p:ext>
+    </p:extLst>
+  </p:cSld>
+  <p:clrMapOvr>
+    <a:masterClrMapping/>
+  </p:clrMapOvr>
 </p:sld>
 </file>
 
@@ -7721,4 +15275,265 @@
     </a:ext>
   </a:extLst>
 </a:theme>
+</file>
+
+<file path=ppt/theme/theme2.xml><?xml version="1.0" encoding="utf-8"?>
+<a:theme xmlns:a="http://schemas.openxmlformats.org/drawingml/2006/main" name="Office Theme">
+  <a:themeElements>
+    <a:clrScheme name="Office">
+      <a:dk1>
+        <a:sysClr val="windowText" lastClr="000000"/>
+      </a:dk1>
+      <a:lt1>
+        <a:sysClr val="window" lastClr="FFFFFF"/>
+      </a:lt1>
+      <a:dk2>
+        <a:srgbClr val="44546A"/>
+      </a:dk2>
+      <a:lt2>
+        <a:srgbClr val="E7E6E6"/>
+      </a:lt2>
+      <a:accent1>
+        <a:srgbClr val="4472C4"/>
+      </a:accent1>
+      <a:accent2>
+        <a:srgbClr val="ED7D31"/>
+      </a:accent2>
+      <a:accent3>
+        <a:srgbClr val="A5A5A5"/>
+      </a:accent3>
+      <a:accent4>
+        <a:srgbClr val="FFC000"/>
+      </a:accent4>
+      <a:accent5>
+        <a:srgbClr val="5B9BD5"/>
+      </a:accent5>
+      <a:accent6>
+        <a:srgbClr val="70AD47"/>
+      </a:accent6>
+      <a:hlink>
+        <a:srgbClr val="0563C1"/>
+      </a:hlink>
+      <a:folHlink>
+        <a:srgbClr val="954F72"/>
+      </a:folHlink>
+    </a:clrScheme>
+    <a:fontScheme name="Office">
+      <a:majorFont>
+        <a:latin typeface="Calibri Light" panose="020F0302020204030204"/>
+        <a:ea typeface=""/>
+        <a:cs typeface=""/>
+        <a:font script="Jpan" typeface="Yu Gothic Light"/>
+        <a:font script="Hang" typeface="맑은 고딕"/>
+        <a:font script="Hans" typeface="DengXian Light"/>
+        <a:font script="Hant" typeface="新細明體"/>
+        <a:font script="Arab" typeface="Times New Roman"/>
+        <a:font script="Hebr" typeface="Times New Roman"/>
+        <a:font script="Thai" typeface="Angsana New"/>
+        <a:font script="Ethi" typeface="Nyala"/>
+        <a:font script="Beng" typeface="Vrinda"/>
+        <a:font script="Gujr" typeface="Shruti"/>
+        <a:font script="Khmr" typeface="MoolBoran"/>
+        <a:font script="Knda" typeface="Tunga"/>
+        <a:font script="Guru" typeface="Raavi"/>
+        <a:font script="Cans" typeface="Euphemia"/>
+        <a:font script="Cher" typeface="Plantagenet Cherokee"/>
+        <a:font script="Yiii" typeface="Microsoft Yi Baiti"/>
+        <a:font script="Tibt" typeface="Microsoft Himalaya"/>
+        <a:font script="Thaa" typeface="MV Boli"/>
+        <a:font script="Deva" typeface="Mangal"/>
+        <a:font script="Telu" typeface="Gautami"/>
+        <a:font script="Taml" typeface="Latha"/>
+        <a:font script="Syrc" typeface="Estrangelo Edessa"/>
+        <a:font script="Orya" typeface="Kalinga"/>
+        <a:font script="Mlym" typeface="Kartika"/>
+        <a:font script="Laoo" typeface="DokChampa"/>
+        <a:font script="Sinh" typeface="Iskoola Pota"/>
+        <a:font script="Mong" typeface="Mongolian Baiti"/>
+        <a:font script="Viet" typeface="Times New Roman"/>
+        <a:font script="Uigh" typeface="Microsoft Uighur"/>
+        <a:font script="Geor" typeface="Sylfaen"/>
+      </a:majorFont>
+      <a:minorFont>
+        <a:latin typeface="Calibri" panose="020F0502020204030204"/>
+        <a:ea typeface=""/>
+        <a:cs typeface=""/>
+        <a:font script="Jpan" typeface="Yu Gothic"/>
+        <a:font script="Hang" typeface="맑은 고딕"/>
+        <a:font script="Hans" typeface="DengXian"/>
+        <a:font script="Hant" typeface="新細明體"/>
+        <a:font script="Arab" typeface="Arial"/>
+        <a:font script="Hebr" typeface="Arial"/>
+        <a:font script="Thai" typeface="Cordia New"/>
+        <a:font script="Ethi" typeface="Nyala"/>
+        <a:font script="Beng" typeface="Vrinda"/>
+        <a:font script="Gujr" typeface="Shruti"/>
+        <a:font script="Khmr" typeface="DaunPenh"/>
+        <a:font script="Knda" typeface="Tunga"/>
+        <a:font script="Guru" typeface="Raavi"/>
+        <a:font script="Cans" typeface="Euphemia"/>
+        <a:font script="Cher" typeface="Plantagenet Cherokee"/>
+        <a:font script="Yiii" typeface="Microsoft Yi Baiti"/>
+        <a:font script="Tibt" typeface="Microsoft Himalaya"/>
+        <a:font script="Thaa" typeface="MV Boli"/>
+        <a:font script="Deva" typeface="Mangal"/>
+        <a:font script="Telu" typeface="Gautami"/>
+        <a:font script="Taml" typeface="Latha"/>
+        <a:font script="Syrc" typeface="Estrangelo Edessa"/>
+        <a:font script="Orya" typeface="Kalinga"/>
+        <a:font script="Mlym" typeface="Kartika"/>
+        <a:font script="Laoo" typeface="DokChampa"/>
+        <a:font script="Sinh" typeface="Iskoola Pota"/>
+        <a:font script="Mong" typeface="Mongolian Baiti"/>
+        <a:font script="Viet" typeface="Arial"/>
+        <a:font script="Uigh" typeface="Microsoft Uighur"/>
+        <a:font script="Geor" typeface="Sylfaen"/>
+      </a:minorFont>
+    </a:fontScheme>
+    <a:fmtScheme name="Office">
+      <a:fillStyleLst>
+        <a:solidFill>
+          <a:schemeClr val="phClr"/>
+        </a:solidFill>
+        <a:gradFill rotWithShape="1">
+          <a:gsLst>
+            <a:gs pos="0">
+              <a:schemeClr val="phClr">
+                <a:lumMod val="110000"/>
+                <a:satMod val="105000"/>
+                <a:tint val="67000"/>
+              </a:schemeClr>
+            </a:gs>
+            <a:gs pos="50000">
+              <a:schemeClr val="phClr">
+                <a:lumMod val="105000"/>
+                <a:satMod val="103000"/>
+                <a:tint val="73000"/>
+              </a:schemeClr>
+            </a:gs>
+            <a:gs pos="100000">
+              <a:schemeClr val="phClr">
+                <a:lumMod val="105000"/>
+                <a:satMod val="109000"/>
+                <a:tint val="81000"/>
+              </a:schemeClr>
+            </a:gs>
+          </a:gsLst>
+          <a:lin ang="5400000" scaled="0"/>
+        </a:gradFill>
+        <a:gradFill rotWithShape="1">
+          <a:gsLst>
+            <a:gs pos="0">
+              <a:schemeClr val="phClr">
+                <a:satMod val="103000"/>
+                <a:lumMod val="102000"/>
+                <a:tint val="94000"/>
+              </a:schemeClr>
+            </a:gs>
+            <a:gs pos="50000">
+              <a:schemeClr val="phClr">
+                <a:satMod val="110000"/>
+                <a:lumMod val="100000"/>
+                <a:shade val="100000"/>
+              </a:schemeClr>
+            </a:gs>
+            <a:gs pos="100000">
+              <a:schemeClr val="phClr">
+                <a:lumMod val="99000"/>
+                <a:satMod val="120000"/>
+                <a:shade val="78000"/>
+              </a:schemeClr>
+            </a:gs>
+          </a:gsLst>
+          <a:lin ang="5400000" scaled="0"/>
+        </a:gradFill>
+      </a:fillStyleLst>
+      <a:lnStyleLst>
+        <a:ln w="6350" cap="flat" cmpd="sng" algn="ctr">
+          <a:solidFill>
+            <a:schemeClr val="phClr"/>
+          </a:solidFill>
+          <a:prstDash val="solid"/>
+          <a:miter lim="800000"/>
+        </a:ln>
+        <a:ln w="12700" cap="flat" cmpd="sng" algn="ctr">
+          <a:solidFill>
+            <a:schemeClr val="phClr"/>
+          </a:solidFill>
+          <a:prstDash val="solid"/>
+          <a:miter lim="800000"/>
+        </a:ln>
+        <a:ln w="19050" cap="flat" cmpd="sng" algn="ctr">
+          <a:solidFill>
+            <a:schemeClr val="phClr"/>
+          </a:solidFill>
+          <a:prstDash val="solid"/>
+          <a:miter lim="800000"/>
+        </a:ln>
+      </a:lnStyleLst>
+      <a:effectStyleLst>
+        <a:effectStyle>
+          <a:effectLst/>
+        </a:effectStyle>
+        <a:effectStyle>
+          <a:effectLst/>
+        </a:effectStyle>
+        <a:effectStyle>
+          <a:effectLst>
+            <a:outerShdw blurRad="57150" dist="19050" dir="5400000" algn="ctr" rotWithShape="0">
+              <a:srgbClr val="000000">
+                <a:alpha val="63000"/>
+              </a:srgbClr>
+            </a:outerShdw>
+          </a:effectLst>
+        </a:effectStyle>
+      </a:effectStyleLst>
+      <a:bgFillStyleLst>
+        <a:solidFill>
+          <a:schemeClr val="phClr"/>
+        </a:solidFill>
+        <a:solidFill>
+          <a:schemeClr val="phClr">
+            <a:tint val="95000"/>
+            <a:satMod val="170000"/>
+          </a:schemeClr>
+        </a:solidFill>
+        <a:gradFill rotWithShape="1">
+          <a:gsLst>
+            <a:gs pos="0">
+              <a:schemeClr val="phClr">
+                <a:tint val="93000"/>
+                <a:satMod val="150000"/>
+                <a:shade val="98000"/>
+                <a:lumMod val="102000"/>
+              </a:schemeClr>
+            </a:gs>
+            <a:gs pos="50000">
+              <a:schemeClr val="phClr">
+                <a:tint val="98000"/>
+                <a:satMod val="130000"/>
+                <a:shade val="90000"/>
+                <a:lumMod val="103000"/>
+              </a:schemeClr>
+            </a:gs>
+            <a:gs pos="100000">
+              <a:schemeClr val="phClr">
+                <a:shade val="63000"/>
+                <a:satMod val="120000"/>
+              </a:schemeClr>
+            </a:gs>
+          </a:gsLst>
+          <a:lin ang="5400000" scaled="0"/>
+        </a:gradFill>
+      </a:bgFillStyleLst>
+    </a:fmtScheme>
+  </a:themeElements>
+  <a:objectDefaults/>
+  <a:extraClrSchemeLst/>
+  <a:extLst>
+    <a:ext uri="{05A4C25C-085E-4340-85A3-A5531E510DB2}">
+      <thm15:themeFamily xmlns:thm15="http://schemas.microsoft.com/office/thememl/2012/main" name="Office Theme" id="{62F939B6-93AF-4DB8-9C6B-D6C7DFDC589F}" vid="{4A3C46E8-61CC-4603-A589-7422A47A8E4A}"/>
+    </a:ext>
+  </a:extLst>
+</a:theme>
 </file>